--- a/powerpoint/Veille Menu-maker.pptx
+++ b/powerpoint/Veille Menu-maker.pptx
@@ -5,11 +5,21 @@
     <p:sldMasterId id="2147483648" r:id="rId1"/>
   </p:sldMasterIdLst>
   <p:sldIdLst>
-    <p:sldId id="256" r:id="rId2"/>
+    <p:sldId id="271" r:id="rId2"/>
     <p:sldId id="257" r:id="rId3"/>
     <p:sldId id="258" r:id="rId4"/>
     <p:sldId id="259" r:id="rId5"/>
     <p:sldId id="260" r:id="rId6"/>
+    <p:sldId id="265" r:id="rId7"/>
+    <p:sldId id="264" r:id="rId8"/>
+    <p:sldId id="263" r:id="rId9"/>
+    <p:sldId id="262" r:id="rId10"/>
+    <p:sldId id="261" r:id="rId11"/>
+    <p:sldId id="269" r:id="rId12"/>
+    <p:sldId id="268" r:id="rId13"/>
+    <p:sldId id="267" r:id="rId14"/>
+    <p:sldId id="272" r:id="rId15"/>
+    <p:sldId id="273" r:id="rId16"/>
   </p:sldIdLst>
   <p:sldSz cx="12192000" cy="6858000"/>
   <p:notesSz cx="6858000" cy="9144000"/>
@@ -263,7 +273,7 @@
           <a:p>
             <a:fld id="{9E16CEE9-796B-49DE-9C9E-ADA2D50E74EE}" type="datetimeFigureOut">
               <a:rPr lang="fr-FR" smtClean="0"/>
-              <a:t>05/11/2023</a:t>
+              <a:t>06/11/2023</a:t>
             </a:fld>
             <a:endParaRPr lang="fr-FR"/>
           </a:p>
@@ -461,7 +471,7 @@
           <a:p>
             <a:fld id="{9E16CEE9-796B-49DE-9C9E-ADA2D50E74EE}" type="datetimeFigureOut">
               <a:rPr lang="fr-FR" smtClean="0"/>
-              <a:t>05/11/2023</a:t>
+              <a:t>06/11/2023</a:t>
             </a:fld>
             <a:endParaRPr lang="fr-FR"/>
           </a:p>
@@ -669,7 +679,7 @@
           <a:p>
             <a:fld id="{9E16CEE9-796B-49DE-9C9E-ADA2D50E74EE}" type="datetimeFigureOut">
               <a:rPr lang="fr-FR" smtClean="0"/>
-              <a:t>05/11/2023</a:t>
+              <a:t>06/11/2023</a:t>
             </a:fld>
             <a:endParaRPr lang="fr-FR"/>
           </a:p>
@@ -867,7 +877,7 @@
           <a:p>
             <a:fld id="{9E16CEE9-796B-49DE-9C9E-ADA2D50E74EE}" type="datetimeFigureOut">
               <a:rPr lang="fr-FR" smtClean="0"/>
-              <a:t>05/11/2023</a:t>
+              <a:t>06/11/2023</a:t>
             </a:fld>
             <a:endParaRPr lang="fr-FR"/>
           </a:p>
@@ -1142,7 +1152,7 @@
           <a:p>
             <a:fld id="{9E16CEE9-796B-49DE-9C9E-ADA2D50E74EE}" type="datetimeFigureOut">
               <a:rPr lang="fr-FR" smtClean="0"/>
-              <a:t>05/11/2023</a:t>
+              <a:t>06/11/2023</a:t>
             </a:fld>
             <a:endParaRPr lang="fr-FR"/>
           </a:p>
@@ -1407,7 +1417,7 @@
           <a:p>
             <a:fld id="{9E16CEE9-796B-49DE-9C9E-ADA2D50E74EE}" type="datetimeFigureOut">
               <a:rPr lang="fr-FR" smtClean="0"/>
-              <a:t>05/11/2023</a:t>
+              <a:t>06/11/2023</a:t>
             </a:fld>
             <a:endParaRPr lang="fr-FR"/>
           </a:p>
@@ -1819,7 +1829,7 @@
           <a:p>
             <a:fld id="{9E16CEE9-796B-49DE-9C9E-ADA2D50E74EE}" type="datetimeFigureOut">
               <a:rPr lang="fr-FR" smtClean="0"/>
-              <a:t>05/11/2023</a:t>
+              <a:t>06/11/2023</a:t>
             </a:fld>
             <a:endParaRPr lang="fr-FR"/>
           </a:p>
@@ -1960,7 +1970,7 @@
           <a:p>
             <a:fld id="{9E16CEE9-796B-49DE-9C9E-ADA2D50E74EE}" type="datetimeFigureOut">
               <a:rPr lang="fr-FR" smtClean="0"/>
-              <a:t>05/11/2023</a:t>
+              <a:t>06/11/2023</a:t>
             </a:fld>
             <a:endParaRPr lang="fr-FR"/>
           </a:p>
@@ -2073,7 +2083,7 @@
           <a:p>
             <a:fld id="{9E16CEE9-796B-49DE-9C9E-ADA2D50E74EE}" type="datetimeFigureOut">
               <a:rPr lang="fr-FR" smtClean="0"/>
-              <a:t>05/11/2023</a:t>
+              <a:t>06/11/2023</a:t>
             </a:fld>
             <a:endParaRPr lang="fr-FR"/>
           </a:p>
@@ -2384,7 +2394,7 @@
           <a:p>
             <a:fld id="{9E16CEE9-796B-49DE-9C9E-ADA2D50E74EE}" type="datetimeFigureOut">
               <a:rPr lang="fr-FR" smtClean="0"/>
-              <a:t>05/11/2023</a:t>
+              <a:t>06/11/2023</a:t>
             </a:fld>
             <a:endParaRPr lang="fr-FR"/>
           </a:p>
@@ -2672,7 +2682,7 @@
           <a:p>
             <a:fld id="{9E16CEE9-796B-49DE-9C9E-ADA2D50E74EE}" type="datetimeFigureOut">
               <a:rPr lang="fr-FR" smtClean="0"/>
-              <a:t>05/11/2023</a:t>
+              <a:t>06/11/2023</a:t>
             </a:fld>
             <a:endParaRPr lang="fr-FR"/>
           </a:p>
@@ -2913,7 +2923,7 @@
           <a:p>
             <a:fld id="{9E16CEE9-796B-49DE-9C9E-ADA2D50E74EE}" type="datetimeFigureOut">
               <a:rPr lang="fr-FR" smtClean="0"/>
-              <a:t>05/11/2023</a:t>
+              <a:t>06/11/2023</a:t>
             </a:fld>
             <a:endParaRPr lang="fr-FR"/>
           </a:p>
@@ -3338,12 +3348,3720 @@
           <a:chExt cx="0" cy="0"/>
         </a:xfrm>
       </p:grpSpPr>
+      <p:sp>
+        <p:nvSpPr>
+          <p:cNvPr id="10" name="Freeform 33">
+            <a:extLst>
+              <a:ext uri="{FF2B5EF4-FFF2-40B4-BE49-F238E27FC236}">
+                <a16:creationId xmlns:a16="http://schemas.microsoft.com/office/drawing/2014/main" id="{FCE96AA4-AC2B-FA5E-CF11-5D8C87CCF974}"/>
+              </a:ext>
+            </a:extLst>
+          </p:cNvPr>
+          <p:cNvSpPr/>
+          <p:nvPr/>
+        </p:nvSpPr>
+        <p:spPr>
+          <a:xfrm>
+            <a:off x="4832543" y="1379072"/>
+            <a:ext cx="391928" cy="709696"/>
+          </a:xfrm>
+          <a:custGeom>
+            <a:avLst/>
+            <a:gdLst>
+              <a:gd name="connsiteX0" fmla="*/ 135550 w 391928"/>
+              <a:gd name="connsiteY0" fmla="*/ 0 h 709696"/>
+              <a:gd name="connsiteX1" fmla="*/ 213310 w 391928"/>
+              <a:gd name="connsiteY1" fmla="*/ 172002 h 709696"/>
+              <a:gd name="connsiteX2" fmla="*/ 375545 w 391928"/>
+              <a:gd name="connsiteY2" fmla="*/ 615260 h 709696"/>
+              <a:gd name="connsiteX3" fmla="*/ 391928 w 391928"/>
+              <a:gd name="connsiteY3" fmla="*/ 672955 h 709696"/>
+              <a:gd name="connsiteX4" fmla="*/ 335492 w 391928"/>
+              <a:gd name="connsiteY4" fmla="*/ 678644 h 709696"/>
+              <a:gd name="connsiteX5" fmla="*/ 235461 w 391928"/>
+              <a:gd name="connsiteY5" fmla="*/ 709696 h 709696"/>
+              <a:gd name="connsiteX6" fmla="*/ 222202 w 391928"/>
+              <a:gd name="connsiteY6" fmla="*/ 663006 h 709696"/>
+              <a:gd name="connsiteX7" fmla="*/ 65367 w 391928"/>
+              <a:gd name="connsiteY7" fmla="*/ 234500 h 709696"/>
+              <a:gd name="connsiteX8" fmla="*/ 0 w 391928"/>
+              <a:gd name="connsiteY8" fmla="*/ 89913 h 709696"/>
+              <a:gd name="connsiteX9" fmla="*/ 77670 w 391928"/>
+              <a:gd name="connsiteY9" fmla="*/ 47755 h 709696"/>
+            </a:gdLst>
+            <a:ahLst/>
+            <a:cxnLst>
+              <a:cxn ang="0">
+                <a:pos x="connsiteX0" y="connsiteY0"/>
+              </a:cxn>
+              <a:cxn ang="0">
+                <a:pos x="connsiteX1" y="connsiteY1"/>
+              </a:cxn>
+              <a:cxn ang="0">
+                <a:pos x="connsiteX2" y="connsiteY2"/>
+              </a:cxn>
+              <a:cxn ang="0">
+                <a:pos x="connsiteX3" y="connsiteY3"/>
+              </a:cxn>
+              <a:cxn ang="0">
+                <a:pos x="connsiteX4" y="connsiteY4"/>
+              </a:cxn>
+              <a:cxn ang="0">
+                <a:pos x="connsiteX5" y="connsiteY5"/>
+              </a:cxn>
+              <a:cxn ang="0">
+                <a:pos x="connsiteX6" y="connsiteY6"/>
+              </a:cxn>
+              <a:cxn ang="0">
+                <a:pos x="connsiteX7" y="connsiteY7"/>
+              </a:cxn>
+              <a:cxn ang="0">
+                <a:pos x="connsiteX8" y="connsiteY8"/>
+              </a:cxn>
+              <a:cxn ang="0">
+                <a:pos x="connsiteX9" y="connsiteY9"/>
+              </a:cxn>
+            </a:cxnLst>
+            <a:rect l="l" t="t" r="r" b="b"/>
+            <a:pathLst>
+              <a:path w="391928" h="709696">
+                <a:moveTo>
+                  <a:pt x="135550" y="0"/>
+                </a:moveTo>
+                <a:lnTo>
+                  <a:pt x="213310" y="172002"/>
+                </a:lnTo>
+                <a:cubicBezTo>
+                  <a:pt x="274344" y="316302"/>
+                  <a:pt x="328557" y="464190"/>
+                  <a:pt x="375545" y="615260"/>
+                </a:cubicBezTo>
+                <a:lnTo>
+                  <a:pt x="391928" y="672955"/>
+                </a:lnTo>
+                <a:lnTo>
+                  <a:pt x="335492" y="678644"/>
+                </a:lnTo>
+                <a:lnTo>
+                  <a:pt x="235461" y="709696"/>
+                </a:lnTo>
+                <a:lnTo>
+                  <a:pt x="222202" y="663006"/>
+                </a:lnTo>
+                <a:cubicBezTo>
+                  <a:pt x="176778" y="516963"/>
+                  <a:pt x="124370" y="373998"/>
+                  <a:pt x="65367" y="234500"/>
+                </a:cubicBezTo>
+                <a:lnTo>
+                  <a:pt x="0" y="89913"/>
+                </a:lnTo>
+                <a:lnTo>
+                  <a:pt x="77670" y="47755"/>
+                </a:lnTo>
+                <a:close/>
+              </a:path>
+            </a:pathLst>
+          </a:custGeom>
+          <a:solidFill>
+            <a:schemeClr val="tx2"/>
+          </a:solidFill>
+          <a:ln>
+            <a:noFill/>
+          </a:ln>
+        </p:spPr>
+        <p:style>
+          <a:lnRef idx="2">
+            <a:schemeClr val="accent1">
+              <a:shade val="50000"/>
+            </a:schemeClr>
+          </a:lnRef>
+          <a:fillRef idx="1">
+            <a:schemeClr val="accent1"/>
+          </a:fillRef>
+          <a:effectRef idx="0">
+            <a:schemeClr val="accent1"/>
+          </a:effectRef>
+          <a:fontRef idx="minor">
+            <a:schemeClr val="lt1"/>
+          </a:fontRef>
+        </p:style>
+        <p:txBody>
+          <a:bodyPr rtlCol="0" anchor="ctr"/>
+          <a:lstStyle>
+            <a:defPPr>
+              <a:defRPr lang="fr-FR"/>
+            </a:defPPr>
+            <a:lvl1pPr marL="0" algn="l" defTabSz="914354" rtl="0" eaLnBrk="1" latinLnBrk="0" hangingPunct="1">
+              <a:defRPr sz="1800" kern="1200">
+                <a:solidFill>
+                  <a:schemeClr val="lt1"/>
+                </a:solidFill>
+                <a:latin typeface="+mn-lt"/>
+                <a:ea typeface="+mn-ea"/>
+                <a:cs typeface="+mn-cs"/>
+              </a:defRPr>
+            </a:lvl1pPr>
+            <a:lvl2pPr marL="457178" algn="l" defTabSz="914354" rtl="0" eaLnBrk="1" latinLnBrk="0" hangingPunct="1">
+              <a:defRPr sz="1800" kern="1200">
+                <a:solidFill>
+                  <a:schemeClr val="lt1"/>
+                </a:solidFill>
+                <a:latin typeface="+mn-lt"/>
+                <a:ea typeface="+mn-ea"/>
+                <a:cs typeface="+mn-cs"/>
+              </a:defRPr>
+            </a:lvl2pPr>
+            <a:lvl3pPr marL="914354" algn="l" defTabSz="914354" rtl="0" eaLnBrk="1" latinLnBrk="0" hangingPunct="1">
+              <a:defRPr sz="1800" kern="1200">
+                <a:solidFill>
+                  <a:schemeClr val="lt1"/>
+                </a:solidFill>
+                <a:latin typeface="+mn-lt"/>
+                <a:ea typeface="+mn-ea"/>
+                <a:cs typeface="+mn-cs"/>
+              </a:defRPr>
+            </a:lvl3pPr>
+            <a:lvl4pPr marL="1371532" algn="l" defTabSz="914354" rtl="0" eaLnBrk="1" latinLnBrk="0" hangingPunct="1">
+              <a:defRPr sz="1800" kern="1200">
+                <a:solidFill>
+                  <a:schemeClr val="lt1"/>
+                </a:solidFill>
+                <a:latin typeface="+mn-lt"/>
+                <a:ea typeface="+mn-ea"/>
+                <a:cs typeface="+mn-cs"/>
+              </a:defRPr>
+            </a:lvl4pPr>
+            <a:lvl5pPr marL="1828709" algn="l" defTabSz="914354" rtl="0" eaLnBrk="1" latinLnBrk="0" hangingPunct="1">
+              <a:defRPr sz="1800" kern="1200">
+                <a:solidFill>
+                  <a:schemeClr val="lt1"/>
+                </a:solidFill>
+                <a:latin typeface="+mn-lt"/>
+                <a:ea typeface="+mn-ea"/>
+                <a:cs typeface="+mn-cs"/>
+              </a:defRPr>
+            </a:lvl5pPr>
+            <a:lvl6pPr marL="2285886" algn="l" defTabSz="914354" rtl="0" eaLnBrk="1" latinLnBrk="0" hangingPunct="1">
+              <a:defRPr sz="1800" kern="1200">
+                <a:solidFill>
+                  <a:schemeClr val="lt1"/>
+                </a:solidFill>
+                <a:latin typeface="+mn-lt"/>
+                <a:ea typeface="+mn-ea"/>
+                <a:cs typeface="+mn-cs"/>
+              </a:defRPr>
+            </a:lvl6pPr>
+            <a:lvl7pPr marL="2743062" algn="l" defTabSz="914354" rtl="0" eaLnBrk="1" latinLnBrk="0" hangingPunct="1">
+              <a:defRPr sz="1800" kern="1200">
+                <a:solidFill>
+                  <a:schemeClr val="lt1"/>
+                </a:solidFill>
+                <a:latin typeface="+mn-lt"/>
+                <a:ea typeface="+mn-ea"/>
+                <a:cs typeface="+mn-cs"/>
+              </a:defRPr>
+            </a:lvl7pPr>
+            <a:lvl8pPr marL="3200240" algn="l" defTabSz="914354" rtl="0" eaLnBrk="1" latinLnBrk="0" hangingPunct="1">
+              <a:defRPr sz="1800" kern="1200">
+                <a:solidFill>
+                  <a:schemeClr val="lt1"/>
+                </a:solidFill>
+                <a:latin typeface="+mn-lt"/>
+                <a:ea typeface="+mn-ea"/>
+                <a:cs typeface="+mn-cs"/>
+              </a:defRPr>
+            </a:lvl8pPr>
+            <a:lvl9pPr marL="3657418" algn="l" defTabSz="914354" rtl="0" eaLnBrk="1" latinLnBrk="0" hangingPunct="1">
+              <a:defRPr sz="1800" kern="1200">
+                <a:solidFill>
+                  <a:schemeClr val="lt1"/>
+                </a:solidFill>
+                <a:latin typeface="+mn-lt"/>
+                <a:ea typeface="+mn-ea"/>
+                <a:cs typeface="+mn-cs"/>
+              </a:defRPr>
+            </a:lvl9pPr>
+          </a:lstStyle>
+          <a:p>
+            <a:pPr algn="ctr"/>
+            <a:endParaRPr lang="en-US">
+              <a:solidFill>
+                <a:schemeClr val="tx1"/>
+              </a:solidFill>
+            </a:endParaRPr>
+          </a:p>
+        </p:txBody>
+      </p:sp>
+      <p:sp>
+        <p:nvSpPr>
+          <p:cNvPr id="11" name="Freeform 38">
+            <a:extLst>
+              <a:ext uri="{FF2B5EF4-FFF2-40B4-BE49-F238E27FC236}">
+                <a16:creationId xmlns:a16="http://schemas.microsoft.com/office/drawing/2014/main" id="{4395B445-F79D-433D-D464-6D1C031CB717}"/>
+              </a:ext>
+            </a:extLst>
+          </p:cNvPr>
+          <p:cNvSpPr/>
+          <p:nvPr/>
+        </p:nvSpPr>
+        <p:spPr>
+          <a:xfrm>
+            <a:off x="5256507" y="3148773"/>
+            <a:ext cx="168482" cy="560459"/>
+          </a:xfrm>
+          <a:custGeom>
+            <a:avLst/>
+            <a:gdLst>
+              <a:gd name="connsiteX0" fmla="*/ 159774 w 168482"/>
+              <a:gd name="connsiteY0" fmla="*/ 0 h 560459"/>
+              <a:gd name="connsiteX1" fmla="*/ 162205 w 168482"/>
+              <a:gd name="connsiteY1" fmla="*/ 31959 h 560459"/>
+              <a:gd name="connsiteX2" fmla="*/ 168482 w 168482"/>
+              <a:gd name="connsiteY2" fmla="*/ 280229 h 560459"/>
+              <a:gd name="connsiteX3" fmla="*/ 162205 w 168482"/>
+              <a:gd name="connsiteY3" fmla="*/ 528499 h 560459"/>
+              <a:gd name="connsiteX4" fmla="*/ 159774 w 168482"/>
+              <a:gd name="connsiteY4" fmla="*/ 560459 h 560459"/>
+              <a:gd name="connsiteX5" fmla="*/ 137402 w 168482"/>
+              <a:gd name="connsiteY5" fmla="*/ 553514 h 560459"/>
+              <a:gd name="connsiteX6" fmla="*/ 24465 w 168482"/>
+              <a:gd name="connsiteY6" fmla="*/ 542129 h 560459"/>
+              <a:gd name="connsiteX7" fmla="*/ 0 w 168482"/>
+              <a:gd name="connsiteY7" fmla="*/ 544595 h 560459"/>
+              <a:gd name="connsiteX8" fmla="*/ 1853 w 168482"/>
+              <a:gd name="connsiteY8" fmla="*/ 520237 h 560459"/>
+              <a:gd name="connsiteX9" fmla="*/ 7921 w 168482"/>
+              <a:gd name="connsiteY9" fmla="*/ 280229 h 560459"/>
+              <a:gd name="connsiteX10" fmla="*/ 1853 w 168482"/>
+              <a:gd name="connsiteY10" fmla="*/ 40222 h 560459"/>
+              <a:gd name="connsiteX11" fmla="*/ 0 w 168482"/>
+              <a:gd name="connsiteY11" fmla="*/ 15863 h 560459"/>
+              <a:gd name="connsiteX12" fmla="*/ 24465 w 168482"/>
+              <a:gd name="connsiteY12" fmla="*/ 18329 h 560459"/>
+              <a:gd name="connsiteX13" fmla="*/ 137402 w 168482"/>
+              <a:gd name="connsiteY13" fmla="*/ 6944 h 560459"/>
+            </a:gdLst>
+            <a:ahLst/>
+            <a:cxnLst>
+              <a:cxn ang="0">
+                <a:pos x="connsiteX0" y="connsiteY0"/>
+              </a:cxn>
+              <a:cxn ang="0">
+                <a:pos x="connsiteX1" y="connsiteY1"/>
+              </a:cxn>
+              <a:cxn ang="0">
+                <a:pos x="connsiteX2" y="connsiteY2"/>
+              </a:cxn>
+              <a:cxn ang="0">
+                <a:pos x="connsiteX3" y="connsiteY3"/>
+              </a:cxn>
+              <a:cxn ang="0">
+                <a:pos x="connsiteX4" y="connsiteY4"/>
+              </a:cxn>
+              <a:cxn ang="0">
+                <a:pos x="connsiteX5" y="connsiteY5"/>
+              </a:cxn>
+              <a:cxn ang="0">
+                <a:pos x="connsiteX6" y="connsiteY6"/>
+              </a:cxn>
+              <a:cxn ang="0">
+                <a:pos x="connsiteX7" y="connsiteY7"/>
+              </a:cxn>
+              <a:cxn ang="0">
+                <a:pos x="connsiteX8" y="connsiteY8"/>
+              </a:cxn>
+              <a:cxn ang="0">
+                <a:pos x="connsiteX9" y="connsiteY9"/>
+              </a:cxn>
+              <a:cxn ang="0">
+                <a:pos x="connsiteX10" y="connsiteY10"/>
+              </a:cxn>
+              <a:cxn ang="0">
+                <a:pos x="connsiteX11" y="connsiteY11"/>
+              </a:cxn>
+              <a:cxn ang="0">
+                <a:pos x="connsiteX12" y="connsiteY12"/>
+              </a:cxn>
+              <a:cxn ang="0">
+                <a:pos x="connsiteX13" y="connsiteY13"/>
+              </a:cxn>
+            </a:cxnLst>
+            <a:rect l="l" t="t" r="r" b="b"/>
+            <a:pathLst>
+              <a:path w="168482" h="560459">
+                <a:moveTo>
+                  <a:pt x="159774" y="0"/>
+                </a:moveTo>
+                <a:lnTo>
+                  <a:pt x="162205" y="31959"/>
+                </a:lnTo>
+                <a:cubicBezTo>
+                  <a:pt x="166373" y="114190"/>
+                  <a:pt x="168482" y="196963"/>
+                  <a:pt x="168482" y="280229"/>
+                </a:cubicBezTo>
+                <a:cubicBezTo>
+                  <a:pt x="168482" y="363495"/>
+                  <a:pt x="166373" y="446269"/>
+                  <a:pt x="162205" y="528499"/>
+                </a:cubicBezTo>
+                <a:lnTo>
+                  <a:pt x="159774" y="560459"/>
+                </a:lnTo>
+                <a:lnTo>
+                  <a:pt x="137402" y="553514"/>
+                </a:lnTo>
+                <a:cubicBezTo>
+                  <a:pt x="100923" y="546049"/>
+                  <a:pt x="63152" y="542129"/>
+                  <a:pt x="24465" y="542129"/>
+                </a:cubicBezTo>
+                <a:lnTo>
+                  <a:pt x="0" y="544595"/>
+                </a:lnTo>
+                <a:lnTo>
+                  <a:pt x="1853" y="520237"/>
+                </a:lnTo>
+                <a:cubicBezTo>
+                  <a:pt x="5882" y="440743"/>
+                  <a:pt x="7921" y="360724"/>
+                  <a:pt x="7921" y="280229"/>
+                </a:cubicBezTo>
+                <a:cubicBezTo>
+                  <a:pt x="7921" y="199734"/>
+                  <a:pt x="5882" y="119716"/>
+                  <a:pt x="1853" y="40222"/>
+                </a:cubicBezTo>
+                <a:lnTo>
+                  <a:pt x="0" y="15863"/>
+                </a:lnTo>
+                <a:lnTo>
+                  <a:pt x="24465" y="18329"/>
+                </a:lnTo>
+                <a:cubicBezTo>
+                  <a:pt x="63152" y="18329"/>
+                  <a:pt x="100923" y="14409"/>
+                  <a:pt x="137402" y="6944"/>
+                </a:cubicBezTo>
+                <a:close/>
+              </a:path>
+            </a:pathLst>
+          </a:custGeom>
+          <a:solidFill>
+            <a:schemeClr val="tx2"/>
+          </a:solidFill>
+          <a:ln>
+            <a:noFill/>
+          </a:ln>
+        </p:spPr>
+        <p:style>
+          <a:lnRef idx="2">
+            <a:schemeClr val="accent1">
+              <a:shade val="50000"/>
+            </a:schemeClr>
+          </a:lnRef>
+          <a:fillRef idx="1">
+            <a:schemeClr val="accent1"/>
+          </a:fillRef>
+          <a:effectRef idx="0">
+            <a:schemeClr val="accent1"/>
+          </a:effectRef>
+          <a:fontRef idx="minor">
+            <a:schemeClr val="lt1"/>
+          </a:fontRef>
+        </p:style>
+        <p:txBody>
+          <a:bodyPr rtlCol="0" anchor="ctr"/>
+          <a:lstStyle>
+            <a:defPPr>
+              <a:defRPr lang="fr-FR"/>
+            </a:defPPr>
+            <a:lvl1pPr marL="0" algn="l" defTabSz="914354" rtl="0" eaLnBrk="1" latinLnBrk="0" hangingPunct="1">
+              <a:defRPr sz="1800" kern="1200">
+                <a:solidFill>
+                  <a:schemeClr val="lt1"/>
+                </a:solidFill>
+                <a:latin typeface="+mn-lt"/>
+                <a:ea typeface="+mn-ea"/>
+                <a:cs typeface="+mn-cs"/>
+              </a:defRPr>
+            </a:lvl1pPr>
+            <a:lvl2pPr marL="457178" algn="l" defTabSz="914354" rtl="0" eaLnBrk="1" latinLnBrk="0" hangingPunct="1">
+              <a:defRPr sz="1800" kern="1200">
+                <a:solidFill>
+                  <a:schemeClr val="lt1"/>
+                </a:solidFill>
+                <a:latin typeface="+mn-lt"/>
+                <a:ea typeface="+mn-ea"/>
+                <a:cs typeface="+mn-cs"/>
+              </a:defRPr>
+            </a:lvl2pPr>
+            <a:lvl3pPr marL="914354" algn="l" defTabSz="914354" rtl="0" eaLnBrk="1" latinLnBrk="0" hangingPunct="1">
+              <a:defRPr sz="1800" kern="1200">
+                <a:solidFill>
+                  <a:schemeClr val="lt1"/>
+                </a:solidFill>
+                <a:latin typeface="+mn-lt"/>
+                <a:ea typeface="+mn-ea"/>
+                <a:cs typeface="+mn-cs"/>
+              </a:defRPr>
+            </a:lvl3pPr>
+            <a:lvl4pPr marL="1371532" algn="l" defTabSz="914354" rtl="0" eaLnBrk="1" latinLnBrk="0" hangingPunct="1">
+              <a:defRPr sz="1800" kern="1200">
+                <a:solidFill>
+                  <a:schemeClr val="lt1"/>
+                </a:solidFill>
+                <a:latin typeface="+mn-lt"/>
+                <a:ea typeface="+mn-ea"/>
+                <a:cs typeface="+mn-cs"/>
+              </a:defRPr>
+            </a:lvl4pPr>
+            <a:lvl5pPr marL="1828709" algn="l" defTabSz="914354" rtl="0" eaLnBrk="1" latinLnBrk="0" hangingPunct="1">
+              <a:defRPr sz="1800" kern="1200">
+                <a:solidFill>
+                  <a:schemeClr val="lt1"/>
+                </a:solidFill>
+                <a:latin typeface="+mn-lt"/>
+                <a:ea typeface="+mn-ea"/>
+                <a:cs typeface="+mn-cs"/>
+              </a:defRPr>
+            </a:lvl5pPr>
+            <a:lvl6pPr marL="2285886" algn="l" defTabSz="914354" rtl="0" eaLnBrk="1" latinLnBrk="0" hangingPunct="1">
+              <a:defRPr sz="1800" kern="1200">
+                <a:solidFill>
+                  <a:schemeClr val="lt1"/>
+                </a:solidFill>
+                <a:latin typeface="+mn-lt"/>
+                <a:ea typeface="+mn-ea"/>
+                <a:cs typeface="+mn-cs"/>
+              </a:defRPr>
+            </a:lvl6pPr>
+            <a:lvl7pPr marL="2743062" algn="l" defTabSz="914354" rtl="0" eaLnBrk="1" latinLnBrk="0" hangingPunct="1">
+              <a:defRPr sz="1800" kern="1200">
+                <a:solidFill>
+                  <a:schemeClr val="lt1"/>
+                </a:solidFill>
+                <a:latin typeface="+mn-lt"/>
+                <a:ea typeface="+mn-ea"/>
+                <a:cs typeface="+mn-cs"/>
+              </a:defRPr>
+            </a:lvl7pPr>
+            <a:lvl8pPr marL="3200240" algn="l" defTabSz="914354" rtl="0" eaLnBrk="1" latinLnBrk="0" hangingPunct="1">
+              <a:defRPr sz="1800" kern="1200">
+                <a:solidFill>
+                  <a:schemeClr val="lt1"/>
+                </a:solidFill>
+                <a:latin typeface="+mn-lt"/>
+                <a:ea typeface="+mn-ea"/>
+                <a:cs typeface="+mn-cs"/>
+              </a:defRPr>
+            </a:lvl8pPr>
+            <a:lvl9pPr marL="3657418" algn="l" defTabSz="914354" rtl="0" eaLnBrk="1" latinLnBrk="0" hangingPunct="1">
+              <a:defRPr sz="1800" kern="1200">
+                <a:solidFill>
+                  <a:schemeClr val="lt1"/>
+                </a:solidFill>
+                <a:latin typeface="+mn-lt"/>
+                <a:ea typeface="+mn-ea"/>
+                <a:cs typeface="+mn-cs"/>
+              </a:defRPr>
+            </a:lvl9pPr>
+          </a:lstStyle>
+          <a:p>
+            <a:pPr algn="ctr"/>
+            <a:endParaRPr lang="en-US">
+              <a:solidFill>
+                <a:schemeClr val="tx1"/>
+              </a:solidFill>
+            </a:endParaRPr>
+          </a:p>
+        </p:txBody>
+      </p:sp>
+      <p:sp>
+        <p:nvSpPr>
+          <p:cNvPr id="12" name="Freeform 43">
+            <a:extLst>
+              <a:ext uri="{FF2B5EF4-FFF2-40B4-BE49-F238E27FC236}">
+                <a16:creationId xmlns:a16="http://schemas.microsoft.com/office/drawing/2014/main" id="{C1C39FA8-46A3-83F0-E6AA-E41AAFC01EA0}"/>
+              </a:ext>
+            </a:extLst>
+          </p:cNvPr>
+          <p:cNvSpPr/>
+          <p:nvPr/>
+        </p:nvSpPr>
+        <p:spPr>
+          <a:xfrm>
+            <a:off x="4832550" y="4769236"/>
+            <a:ext cx="391921" cy="709210"/>
+          </a:xfrm>
+          <a:custGeom>
+            <a:avLst/>
+            <a:gdLst>
+              <a:gd name="connsiteX0" fmla="*/ 235454 w 391921"/>
+              <a:gd name="connsiteY0" fmla="*/ 0 h 709210"/>
+              <a:gd name="connsiteX1" fmla="*/ 335485 w 391921"/>
+              <a:gd name="connsiteY1" fmla="*/ 31051 h 709210"/>
+              <a:gd name="connsiteX2" fmla="*/ 391921 w 391921"/>
+              <a:gd name="connsiteY2" fmla="*/ 36740 h 709210"/>
+              <a:gd name="connsiteX3" fmla="*/ 375538 w 391921"/>
+              <a:gd name="connsiteY3" fmla="*/ 94436 h 709210"/>
+              <a:gd name="connsiteX4" fmla="*/ 166256 w 391921"/>
+              <a:gd name="connsiteY4" fmla="*/ 645240 h 709210"/>
+              <a:gd name="connsiteX5" fmla="*/ 134954 w 391921"/>
+              <a:gd name="connsiteY5" fmla="*/ 709210 h 709210"/>
+              <a:gd name="connsiteX6" fmla="*/ 77663 w 391921"/>
+              <a:gd name="connsiteY6" fmla="*/ 661940 h 709210"/>
+              <a:gd name="connsiteX7" fmla="*/ 0 w 391921"/>
+              <a:gd name="connsiteY7" fmla="*/ 619786 h 709210"/>
+              <a:gd name="connsiteX8" fmla="*/ 19878 w 391921"/>
+              <a:gd name="connsiteY8" fmla="*/ 579163 h 709210"/>
+              <a:gd name="connsiteX9" fmla="*/ 222195 w 391921"/>
+              <a:gd name="connsiteY9" fmla="*/ 46690 h 709210"/>
+            </a:gdLst>
+            <a:ahLst/>
+            <a:cxnLst>
+              <a:cxn ang="0">
+                <a:pos x="connsiteX0" y="connsiteY0"/>
+              </a:cxn>
+              <a:cxn ang="0">
+                <a:pos x="connsiteX1" y="connsiteY1"/>
+              </a:cxn>
+              <a:cxn ang="0">
+                <a:pos x="connsiteX2" y="connsiteY2"/>
+              </a:cxn>
+              <a:cxn ang="0">
+                <a:pos x="connsiteX3" y="connsiteY3"/>
+              </a:cxn>
+              <a:cxn ang="0">
+                <a:pos x="connsiteX4" y="connsiteY4"/>
+              </a:cxn>
+              <a:cxn ang="0">
+                <a:pos x="connsiteX5" y="connsiteY5"/>
+              </a:cxn>
+              <a:cxn ang="0">
+                <a:pos x="connsiteX6" y="connsiteY6"/>
+              </a:cxn>
+              <a:cxn ang="0">
+                <a:pos x="connsiteX7" y="connsiteY7"/>
+              </a:cxn>
+              <a:cxn ang="0">
+                <a:pos x="connsiteX8" y="connsiteY8"/>
+              </a:cxn>
+              <a:cxn ang="0">
+                <a:pos x="connsiteX9" y="connsiteY9"/>
+              </a:cxn>
+            </a:cxnLst>
+            <a:rect l="l" t="t" r="r" b="b"/>
+            <a:pathLst>
+              <a:path w="391921" h="709210">
+                <a:moveTo>
+                  <a:pt x="235454" y="0"/>
+                </a:moveTo>
+                <a:lnTo>
+                  <a:pt x="335485" y="31051"/>
+                </a:lnTo>
+                <a:lnTo>
+                  <a:pt x="391921" y="36740"/>
+                </a:lnTo>
+                <a:lnTo>
+                  <a:pt x="375538" y="94436"/>
+                </a:lnTo>
+                <a:cubicBezTo>
+                  <a:pt x="316803" y="283275"/>
+                  <a:pt x="246779" y="467139"/>
+                  <a:pt x="166256" y="645240"/>
+                </a:cubicBezTo>
+                <a:lnTo>
+                  <a:pt x="134954" y="709210"/>
+                </a:lnTo>
+                <a:lnTo>
+                  <a:pt x="77663" y="661940"/>
+                </a:lnTo>
+                <a:lnTo>
+                  <a:pt x="0" y="619786"/>
+                </a:lnTo>
+                <a:lnTo>
+                  <a:pt x="19878" y="579163"/>
+                </a:lnTo>
+                <a:cubicBezTo>
+                  <a:pt x="97722" y="406989"/>
+                  <a:pt x="165415" y="229244"/>
+                  <a:pt x="222195" y="46690"/>
+                </a:cubicBezTo>
+                <a:close/>
+              </a:path>
+            </a:pathLst>
+          </a:custGeom>
+          <a:solidFill>
+            <a:schemeClr val="tx2"/>
+          </a:solidFill>
+          <a:ln>
+            <a:noFill/>
+          </a:ln>
+        </p:spPr>
+        <p:style>
+          <a:lnRef idx="2">
+            <a:schemeClr val="accent1">
+              <a:shade val="50000"/>
+            </a:schemeClr>
+          </a:lnRef>
+          <a:fillRef idx="1">
+            <a:schemeClr val="accent1"/>
+          </a:fillRef>
+          <a:effectRef idx="0">
+            <a:schemeClr val="accent1"/>
+          </a:effectRef>
+          <a:fontRef idx="minor">
+            <a:schemeClr val="lt1"/>
+          </a:fontRef>
+        </p:style>
+        <p:txBody>
+          <a:bodyPr rtlCol="0" anchor="ctr"/>
+          <a:lstStyle>
+            <a:defPPr>
+              <a:defRPr lang="fr-FR"/>
+            </a:defPPr>
+            <a:lvl1pPr marL="0" algn="l" defTabSz="914354" rtl="0" eaLnBrk="1" latinLnBrk="0" hangingPunct="1">
+              <a:defRPr sz="1800" kern="1200">
+                <a:solidFill>
+                  <a:schemeClr val="lt1"/>
+                </a:solidFill>
+                <a:latin typeface="+mn-lt"/>
+                <a:ea typeface="+mn-ea"/>
+                <a:cs typeface="+mn-cs"/>
+              </a:defRPr>
+            </a:lvl1pPr>
+            <a:lvl2pPr marL="457178" algn="l" defTabSz="914354" rtl="0" eaLnBrk="1" latinLnBrk="0" hangingPunct="1">
+              <a:defRPr sz="1800" kern="1200">
+                <a:solidFill>
+                  <a:schemeClr val="lt1"/>
+                </a:solidFill>
+                <a:latin typeface="+mn-lt"/>
+                <a:ea typeface="+mn-ea"/>
+                <a:cs typeface="+mn-cs"/>
+              </a:defRPr>
+            </a:lvl2pPr>
+            <a:lvl3pPr marL="914354" algn="l" defTabSz="914354" rtl="0" eaLnBrk="1" latinLnBrk="0" hangingPunct="1">
+              <a:defRPr sz="1800" kern="1200">
+                <a:solidFill>
+                  <a:schemeClr val="lt1"/>
+                </a:solidFill>
+                <a:latin typeface="+mn-lt"/>
+                <a:ea typeface="+mn-ea"/>
+                <a:cs typeface="+mn-cs"/>
+              </a:defRPr>
+            </a:lvl3pPr>
+            <a:lvl4pPr marL="1371532" algn="l" defTabSz="914354" rtl="0" eaLnBrk="1" latinLnBrk="0" hangingPunct="1">
+              <a:defRPr sz="1800" kern="1200">
+                <a:solidFill>
+                  <a:schemeClr val="lt1"/>
+                </a:solidFill>
+                <a:latin typeface="+mn-lt"/>
+                <a:ea typeface="+mn-ea"/>
+                <a:cs typeface="+mn-cs"/>
+              </a:defRPr>
+            </a:lvl4pPr>
+            <a:lvl5pPr marL="1828709" algn="l" defTabSz="914354" rtl="0" eaLnBrk="1" latinLnBrk="0" hangingPunct="1">
+              <a:defRPr sz="1800" kern="1200">
+                <a:solidFill>
+                  <a:schemeClr val="lt1"/>
+                </a:solidFill>
+                <a:latin typeface="+mn-lt"/>
+                <a:ea typeface="+mn-ea"/>
+                <a:cs typeface="+mn-cs"/>
+              </a:defRPr>
+            </a:lvl5pPr>
+            <a:lvl6pPr marL="2285886" algn="l" defTabSz="914354" rtl="0" eaLnBrk="1" latinLnBrk="0" hangingPunct="1">
+              <a:defRPr sz="1800" kern="1200">
+                <a:solidFill>
+                  <a:schemeClr val="lt1"/>
+                </a:solidFill>
+                <a:latin typeface="+mn-lt"/>
+                <a:ea typeface="+mn-ea"/>
+                <a:cs typeface="+mn-cs"/>
+              </a:defRPr>
+            </a:lvl6pPr>
+            <a:lvl7pPr marL="2743062" algn="l" defTabSz="914354" rtl="0" eaLnBrk="1" latinLnBrk="0" hangingPunct="1">
+              <a:defRPr sz="1800" kern="1200">
+                <a:solidFill>
+                  <a:schemeClr val="lt1"/>
+                </a:solidFill>
+                <a:latin typeface="+mn-lt"/>
+                <a:ea typeface="+mn-ea"/>
+                <a:cs typeface="+mn-cs"/>
+              </a:defRPr>
+            </a:lvl7pPr>
+            <a:lvl8pPr marL="3200240" algn="l" defTabSz="914354" rtl="0" eaLnBrk="1" latinLnBrk="0" hangingPunct="1">
+              <a:defRPr sz="1800" kern="1200">
+                <a:solidFill>
+                  <a:schemeClr val="lt1"/>
+                </a:solidFill>
+                <a:latin typeface="+mn-lt"/>
+                <a:ea typeface="+mn-ea"/>
+                <a:cs typeface="+mn-cs"/>
+              </a:defRPr>
+            </a:lvl8pPr>
+            <a:lvl9pPr marL="3657418" algn="l" defTabSz="914354" rtl="0" eaLnBrk="1" latinLnBrk="0" hangingPunct="1">
+              <a:defRPr sz="1800" kern="1200">
+                <a:solidFill>
+                  <a:schemeClr val="lt1"/>
+                </a:solidFill>
+                <a:latin typeface="+mn-lt"/>
+                <a:ea typeface="+mn-ea"/>
+                <a:cs typeface="+mn-cs"/>
+              </a:defRPr>
+            </a:lvl9pPr>
+          </a:lstStyle>
+          <a:p>
+            <a:pPr algn="ctr"/>
+            <a:endParaRPr lang="en-US">
+              <a:solidFill>
+                <a:schemeClr val="tx1"/>
+              </a:solidFill>
+            </a:endParaRPr>
+          </a:p>
+        </p:txBody>
+      </p:sp>
+      <p:sp>
+        <p:nvSpPr>
+          <p:cNvPr id="13" name="Oval 5">
+            <a:extLst>
+              <a:ext uri="{FF2B5EF4-FFF2-40B4-BE49-F238E27FC236}">
+                <a16:creationId xmlns:a16="http://schemas.microsoft.com/office/drawing/2014/main" id="{9E6D1DAC-0BBE-62B3-4989-0B081C5A7809}"/>
+              </a:ext>
+            </a:extLst>
+          </p:cNvPr>
+          <p:cNvSpPr/>
+          <p:nvPr/>
+        </p:nvSpPr>
+        <p:spPr>
+          <a:xfrm>
+            <a:off x="3912820" y="278070"/>
+            <a:ext cx="1368152" cy="1368152"/>
+          </a:xfrm>
+          <a:prstGeom prst="ellipse">
+            <a:avLst/>
+          </a:prstGeom>
+          <a:solidFill>
+            <a:schemeClr val="accent6"/>
+          </a:solidFill>
+          <a:ln>
+            <a:noFill/>
+          </a:ln>
+        </p:spPr>
+        <p:style>
+          <a:lnRef idx="2">
+            <a:schemeClr val="accent1">
+              <a:shade val="50000"/>
+            </a:schemeClr>
+          </a:lnRef>
+          <a:fillRef idx="1">
+            <a:schemeClr val="accent1"/>
+          </a:fillRef>
+          <a:effectRef idx="0">
+            <a:schemeClr val="accent1"/>
+          </a:effectRef>
+          <a:fontRef idx="minor">
+            <a:schemeClr val="lt1"/>
+          </a:fontRef>
+        </p:style>
+        <p:txBody>
+          <a:bodyPr rtlCol="0" anchor="ctr"/>
+          <a:lstStyle>
+            <a:defPPr>
+              <a:defRPr lang="fr-FR"/>
+            </a:defPPr>
+            <a:lvl1pPr marL="0" algn="l" defTabSz="914354" rtl="0" eaLnBrk="1" latinLnBrk="0" hangingPunct="1">
+              <a:defRPr sz="1800" kern="1200">
+                <a:solidFill>
+                  <a:schemeClr val="lt1"/>
+                </a:solidFill>
+                <a:latin typeface="+mn-lt"/>
+                <a:ea typeface="+mn-ea"/>
+                <a:cs typeface="+mn-cs"/>
+              </a:defRPr>
+            </a:lvl1pPr>
+            <a:lvl2pPr marL="457178" algn="l" defTabSz="914354" rtl="0" eaLnBrk="1" latinLnBrk="0" hangingPunct="1">
+              <a:defRPr sz="1800" kern="1200">
+                <a:solidFill>
+                  <a:schemeClr val="lt1"/>
+                </a:solidFill>
+                <a:latin typeface="+mn-lt"/>
+                <a:ea typeface="+mn-ea"/>
+                <a:cs typeface="+mn-cs"/>
+              </a:defRPr>
+            </a:lvl2pPr>
+            <a:lvl3pPr marL="914354" algn="l" defTabSz="914354" rtl="0" eaLnBrk="1" latinLnBrk="0" hangingPunct="1">
+              <a:defRPr sz="1800" kern="1200">
+                <a:solidFill>
+                  <a:schemeClr val="lt1"/>
+                </a:solidFill>
+                <a:latin typeface="+mn-lt"/>
+                <a:ea typeface="+mn-ea"/>
+                <a:cs typeface="+mn-cs"/>
+              </a:defRPr>
+            </a:lvl3pPr>
+            <a:lvl4pPr marL="1371532" algn="l" defTabSz="914354" rtl="0" eaLnBrk="1" latinLnBrk="0" hangingPunct="1">
+              <a:defRPr sz="1800" kern="1200">
+                <a:solidFill>
+                  <a:schemeClr val="lt1"/>
+                </a:solidFill>
+                <a:latin typeface="+mn-lt"/>
+                <a:ea typeface="+mn-ea"/>
+                <a:cs typeface="+mn-cs"/>
+              </a:defRPr>
+            </a:lvl4pPr>
+            <a:lvl5pPr marL="1828709" algn="l" defTabSz="914354" rtl="0" eaLnBrk="1" latinLnBrk="0" hangingPunct="1">
+              <a:defRPr sz="1800" kern="1200">
+                <a:solidFill>
+                  <a:schemeClr val="lt1"/>
+                </a:solidFill>
+                <a:latin typeface="+mn-lt"/>
+                <a:ea typeface="+mn-ea"/>
+                <a:cs typeface="+mn-cs"/>
+              </a:defRPr>
+            </a:lvl5pPr>
+            <a:lvl6pPr marL="2285886" algn="l" defTabSz="914354" rtl="0" eaLnBrk="1" latinLnBrk="0" hangingPunct="1">
+              <a:defRPr sz="1800" kern="1200">
+                <a:solidFill>
+                  <a:schemeClr val="lt1"/>
+                </a:solidFill>
+                <a:latin typeface="+mn-lt"/>
+                <a:ea typeface="+mn-ea"/>
+                <a:cs typeface="+mn-cs"/>
+              </a:defRPr>
+            </a:lvl6pPr>
+            <a:lvl7pPr marL="2743062" algn="l" defTabSz="914354" rtl="0" eaLnBrk="1" latinLnBrk="0" hangingPunct="1">
+              <a:defRPr sz="1800" kern="1200">
+                <a:solidFill>
+                  <a:schemeClr val="lt1"/>
+                </a:solidFill>
+                <a:latin typeface="+mn-lt"/>
+                <a:ea typeface="+mn-ea"/>
+                <a:cs typeface="+mn-cs"/>
+              </a:defRPr>
+            </a:lvl7pPr>
+            <a:lvl8pPr marL="3200240" algn="l" defTabSz="914354" rtl="0" eaLnBrk="1" latinLnBrk="0" hangingPunct="1">
+              <a:defRPr sz="1800" kern="1200">
+                <a:solidFill>
+                  <a:schemeClr val="lt1"/>
+                </a:solidFill>
+                <a:latin typeface="+mn-lt"/>
+                <a:ea typeface="+mn-ea"/>
+                <a:cs typeface="+mn-cs"/>
+              </a:defRPr>
+            </a:lvl8pPr>
+            <a:lvl9pPr marL="3657418" algn="l" defTabSz="914354" rtl="0" eaLnBrk="1" latinLnBrk="0" hangingPunct="1">
+              <a:defRPr sz="1800" kern="1200">
+                <a:solidFill>
+                  <a:schemeClr val="lt1"/>
+                </a:solidFill>
+                <a:latin typeface="+mn-lt"/>
+                <a:ea typeface="+mn-ea"/>
+                <a:cs typeface="+mn-cs"/>
+              </a:defRPr>
+            </a:lvl9pPr>
+          </a:lstStyle>
+          <a:p>
+            <a:pPr algn="ctr"/>
+            <a:endParaRPr lang="en-US"/>
+          </a:p>
+        </p:txBody>
+      </p:sp>
+      <p:sp>
+        <p:nvSpPr>
+          <p:cNvPr id="14" name="Oval 8">
+            <a:extLst>
+              <a:ext uri="{FF2B5EF4-FFF2-40B4-BE49-F238E27FC236}">
+                <a16:creationId xmlns:a16="http://schemas.microsoft.com/office/drawing/2014/main" id="{25E54583-C3FE-4729-9FE4-D286FABAEDC9}"/>
+              </a:ext>
+            </a:extLst>
+          </p:cNvPr>
+          <p:cNvSpPr/>
+          <p:nvPr/>
+        </p:nvSpPr>
+        <p:spPr>
+          <a:xfrm>
+            <a:off x="4596896" y="1922640"/>
+            <a:ext cx="1368152" cy="1368152"/>
+          </a:xfrm>
+          <a:prstGeom prst="ellipse">
+            <a:avLst/>
+          </a:prstGeom>
+          <a:solidFill>
+            <a:schemeClr val="accent5"/>
+          </a:solidFill>
+          <a:ln>
+            <a:noFill/>
+          </a:ln>
+        </p:spPr>
+        <p:style>
+          <a:lnRef idx="2">
+            <a:schemeClr val="accent1">
+              <a:shade val="50000"/>
+            </a:schemeClr>
+          </a:lnRef>
+          <a:fillRef idx="1">
+            <a:schemeClr val="accent1"/>
+          </a:fillRef>
+          <a:effectRef idx="0">
+            <a:schemeClr val="accent1"/>
+          </a:effectRef>
+          <a:fontRef idx="minor">
+            <a:schemeClr val="lt1"/>
+          </a:fontRef>
+        </p:style>
+        <p:txBody>
+          <a:bodyPr rtlCol="0" anchor="ctr"/>
+          <a:lstStyle>
+            <a:defPPr>
+              <a:defRPr lang="fr-FR"/>
+            </a:defPPr>
+            <a:lvl1pPr marL="0" algn="l" defTabSz="914354" rtl="0" eaLnBrk="1" latinLnBrk="0" hangingPunct="1">
+              <a:defRPr sz="1800" kern="1200">
+                <a:solidFill>
+                  <a:schemeClr val="lt1"/>
+                </a:solidFill>
+                <a:latin typeface="+mn-lt"/>
+                <a:ea typeface="+mn-ea"/>
+                <a:cs typeface="+mn-cs"/>
+              </a:defRPr>
+            </a:lvl1pPr>
+            <a:lvl2pPr marL="457178" algn="l" defTabSz="914354" rtl="0" eaLnBrk="1" latinLnBrk="0" hangingPunct="1">
+              <a:defRPr sz="1800" kern="1200">
+                <a:solidFill>
+                  <a:schemeClr val="lt1"/>
+                </a:solidFill>
+                <a:latin typeface="+mn-lt"/>
+                <a:ea typeface="+mn-ea"/>
+                <a:cs typeface="+mn-cs"/>
+              </a:defRPr>
+            </a:lvl2pPr>
+            <a:lvl3pPr marL="914354" algn="l" defTabSz="914354" rtl="0" eaLnBrk="1" latinLnBrk="0" hangingPunct="1">
+              <a:defRPr sz="1800" kern="1200">
+                <a:solidFill>
+                  <a:schemeClr val="lt1"/>
+                </a:solidFill>
+                <a:latin typeface="+mn-lt"/>
+                <a:ea typeface="+mn-ea"/>
+                <a:cs typeface="+mn-cs"/>
+              </a:defRPr>
+            </a:lvl3pPr>
+            <a:lvl4pPr marL="1371532" algn="l" defTabSz="914354" rtl="0" eaLnBrk="1" latinLnBrk="0" hangingPunct="1">
+              <a:defRPr sz="1800" kern="1200">
+                <a:solidFill>
+                  <a:schemeClr val="lt1"/>
+                </a:solidFill>
+                <a:latin typeface="+mn-lt"/>
+                <a:ea typeface="+mn-ea"/>
+                <a:cs typeface="+mn-cs"/>
+              </a:defRPr>
+            </a:lvl4pPr>
+            <a:lvl5pPr marL="1828709" algn="l" defTabSz="914354" rtl="0" eaLnBrk="1" latinLnBrk="0" hangingPunct="1">
+              <a:defRPr sz="1800" kern="1200">
+                <a:solidFill>
+                  <a:schemeClr val="lt1"/>
+                </a:solidFill>
+                <a:latin typeface="+mn-lt"/>
+                <a:ea typeface="+mn-ea"/>
+                <a:cs typeface="+mn-cs"/>
+              </a:defRPr>
+            </a:lvl5pPr>
+            <a:lvl6pPr marL="2285886" algn="l" defTabSz="914354" rtl="0" eaLnBrk="1" latinLnBrk="0" hangingPunct="1">
+              <a:defRPr sz="1800" kern="1200">
+                <a:solidFill>
+                  <a:schemeClr val="lt1"/>
+                </a:solidFill>
+                <a:latin typeface="+mn-lt"/>
+                <a:ea typeface="+mn-ea"/>
+                <a:cs typeface="+mn-cs"/>
+              </a:defRPr>
+            </a:lvl6pPr>
+            <a:lvl7pPr marL="2743062" algn="l" defTabSz="914354" rtl="0" eaLnBrk="1" latinLnBrk="0" hangingPunct="1">
+              <a:defRPr sz="1800" kern="1200">
+                <a:solidFill>
+                  <a:schemeClr val="lt1"/>
+                </a:solidFill>
+                <a:latin typeface="+mn-lt"/>
+                <a:ea typeface="+mn-ea"/>
+                <a:cs typeface="+mn-cs"/>
+              </a:defRPr>
+            </a:lvl7pPr>
+            <a:lvl8pPr marL="3200240" algn="l" defTabSz="914354" rtl="0" eaLnBrk="1" latinLnBrk="0" hangingPunct="1">
+              <a:defRPr sz="1800" kern="1200">
+                <a:solidFill>
+                  <a:schemeClr val="lt1"/>
+                </a:solidFill>
+                <a:latin typeface="+mn-lt"/>
+                <a:ea typeface="+mn-ea"/>
+                <a:cs typeface="+mn-cs"/>
+              </a:defRPr>
+            </a:lvl8pPr>
+            <a:lvl9pPr marL="3657418" algn="l" defTabSz="914354" rtl="0" eaLnBrk="1" latinLnBrk="0" hangingPunct="1">
+              <a:defRPr sz="1800" kern="1200">
+                <a:solidFill>
+                  <a:schemeClr val="lt1"/>
+                </a:solidFill>
+                <a:latin typeface="+mn-lt"/>
+                <a:ea typeface="+mn-ea"/>
+                <a:cs typeface="+mn-cs"/>
+              </a:defRPr>
+            </a:lvl9pPr>
+          </a:lstStyle>
+          <a:p>
+            <a:pPr algn="ctr"/>
+            <a:endParaRPr lang="en-US"/>
+          </a:p>
+        </p:txBody>
+      </p:sp>
+      <p:sp>
+        <p:nvSpPr>
+          <p:cNvPr id="15" name="Oval 9">
+            <a:extLst>
+              <a:ext uri="{FF2B5EF4-FFF2-40B4-BE49-F238E27FC236}">
+                <a16:creationId xmlns:a16="http://schemas.microsoft.com/office/drawing/2014/main" id="{0765321E-9244-80A2-A3C7-3F5B202BF2A4}"/>
+              </a:ext>
+            </a:extLst>
+          </p:cNvPr>
+          <p:cNvSpPr/>
+          <p:nvPr/>
+        </p:nvSpPr>
+        <p:spPr>
+          <a:xfrm>
+            <a:off x="4596896" y="3567210"/>
+            <a:ext cx="1368152" cy="1368152"/>
+          </a:xfrm>
+          <a:prstGeom prst="ellipse">
+            <a:avLst/>
+          </a:prstGeom>
+          <a:solidFill>
+            <a:srgbClr val="6B37C9"/>
+          </a:solidFill>
+          <a:ln>
+            <a:noFill/>
+          </a:ln>
+        </p:spPr>
+        <p:style>
+          <a:lnRef idx="2">
+            <a:schemeClr val="accent1">
+              <a:shade val="50000"/>
+            </a:schemeClr>
+          </a:lnRef>
+          <a:fillRef idx="1">
+            <a:schemeClr val="accent1"/>
+          </a:fillRef>
+          <a:effectRef idx="0">
+            <a:schemeClr val="accent1"/>
+          </a:effectRef>
+          <a:fontRef idx="minor">
+            <a:schemeClr val="lt1"/>
+          </a:fontRef>
+        </p:style>
+        <p:txBody>
+          <a:bodyPr rtlCol="0" anchor="ctr"/>
+          <a:lstStyle>
+            <a:defPPr>
+              <a:defRPr lang="fr-FR"/>
+            </a:defPPr>
+            <a:lvl1pPr marL="0" algn="l" defTabSz="914354" rtl="0" eaLnBrk="1" latinLnBrk="0" hangingPunct="1">
+              <a:defRPr sz="1800" kern="1200">
+                <a:solidFill>
+                  <a:schemeClr val="lt1"/>
+                </a:solidFill>
+                <a:latin typeface="+mn-lt"/>
+                <a:ea typeface="+mn-ea"/>
+                <a:cs typeface="+mn-cs"/>
+              </a:defRPr>
+            </a:lvl1pPr>
+            <a:lvl2pPr marL="457178" algn="l" defTabSz="914354" rtl="0" eaLnBrk="1" latinLnBrk="0" hangingPunct="1">
+              <a:defRPr sz="1800" kern="1200">
+                <a:solidFill>
+                  <a:schemeClr val="lt1"/>
+                </a:solidFill>
+                <a:latin typeface="+mn-lt"/>
+                <a:ea typeface="+mn-ea"/>
+                <a:cs typeface="+mn-cs"/>
+              </a:defRPr>
+            </a:lvl2pPr>
+            <a:lvl3pPr marL="914354" algn="l" defTabSz="914354" rtl="0" eaLnBrk="1" latinLnBrk="0" hangingPunct="1">
+              <a:defRPr sz="1800" kern="1200">
+                <a:solidFill>
+                  <a:schemeClr val="lt1"/>
+                </a:solidFill>
+                <a:latin typeface="+mn-lt"/>
+                <a:ea typeface="+mn-ea"/>
+                <a:cs typeface="+mn-cs"/>
+              </a:defRPr>
+            </a:lvl3pPr>
+            <a:lvl4pPr marL="1371532" algn="l" defTabSz="914354" rtl="0" eaLnBrk="1" latinLnBrk="0" hangingPunct="1">
+              <a:defRPr sz="1800" kern="1200">
+                <a:solidFill>
+                  <a:schemeClr val="lt1"/>
+                </a:solidFill>
+                <a:latin typeface="+mn-lt"/>
+                <a:ea typeface="+mn-ea"/>
+                <a:cs typeface="+mn-cs"/>
+              </a:defRPr>
+            </a:lvl4pPr>
+            <a:lvl5pPr marL="1828709" algn="l" defTabSz="914354" rtl="0" eaLnBrk="1" latinLnBrk="0" hangingPunct="1">
+              <a:defRPr sz="1800" kern="1200">
+                <a:solidFill>
+                  <a:schemeClr val="lt1"/>
+                </a:solidFill>
+                <a:latin typeface="+mn-lt"/>
+                <a:ea typeface="+mn-ea"/>
+                <a:cs typeface="+mn-cs"/>
+              </a:defRPr>
+            </a:lvl5pPr>
+            <a:lvl6pPr marL="2285886" algn="l" defTabSz="914354" rtl="0" eaLnBrk="1" latinLnBrk="0" hangingPunct="1">
+              <a:defRPr sz="1800" kern="1200">
+                <a:solidFill>
+                  <a:schemeClr val="lt1"/>
+                </a:solidFill>
+                <a:latin typeface="+mn-lt"/>
+                <a:ea typeface="+mn-ea"/>
+                <a:cs typeface="+mn-cs"/>
+              </a:defRPr>
+            </a:lvl6pPr>
+            <a:lvl7pPr marL="2743062" algn="l" defTabSz="914354" rtl="0" eaLnBrk="1" latinLnBrk="0" hangingPunct="1">
+              <a:defRPr sz="1800" kern="1200">
+                <a:solidFill>
+                  <a:schemeClr val="lt1"/>
+                </a:solidFill>
+                <a:latin typeface="+mn-lt"/>
+                <a:ea typeface="+mn-ea"/>
+                <a:cs typeface="+mn-cs"/>
+              </a:defRPr>
+            </a:lvl7pPr>
+            <a:lvl8pPr marL="3200240" algn="l" defTabSz="914354" rtl="0" eaLnBrk="1" latinLnBrk="0" hangingPunct="1">
+              <a:defRPr sz="1800" kern="1200">
+                <a:solidFill>
+                  <a:schemeClr val="lt1"/>
+                </a:solidFill>
+                <a:latin typeface="+mn-lt"/>
+                <a:ea typeface="+mn-ea"/>
+                <a:cs typeface="+mn-cs"/>
+              </a:defRPr>
+            </a:lvl8pPr>
+            <a:lvl9pPr marL="3657418" algn="l" defTabSz="914354" rtl="0" eaLnBrk="1" latinLnBrk="0" hangingPunct="1">
+              <a:defRPr sz="1800" kern="1200">
+                <a:solidFill>
+                  <a:schemeClr val="lt1"/>
+                </a:solidFill>
+                <a:latin typeface="+mn-lt"/>
+                <a:ea typeface="+mn-ea"/>
+                <a:cs typeface="+mn-cs"/>
+              </a:defRPr>
+            </a:lvl9pPr>
+          </a:lstStyle>
+          <a:p>
+            <a:pPr algn="ctr"/>
+            <a:endParaRPr lang="en-US"/>
+          </a:p>
+        </p:txBody>
+      </p:sp>
+      <p:sp>
+        <p:nvSpPr>
+          <p:cNvPr id="16" name="Oval 10">
+            <a:extLst>
+              <a:ext uri="{FF2B5EF4-FFF2-40B4-BE49-F238E27FC236}">
+                <a16:creationId xmlns:a16="http://schemas.microsoft.com/office/drawing/2014/main" id="{42BDABB1-B672-8DF3-EE68-2318917E3CDB}"/>
+              </a:ext>
+            </a:extLst>
+          </p:cNvPr>
+          <p:cNvSpPr/>
+          <p:nvPr/>
+        </p:nvSpPr>
+        <p:spPr>
+          <a:xfrm>
+            <a:off x="3912820" y="5211779"/>
+            <a:ext cx="1368152" cy="1368152"/>
+          </a:xfrm>
+          <a:prstGeom prst="ellipse">
+            <a:avLst/>
+          </a:prstGeom>
+          <a:solidFill>
+            <a:schemeClr val="accent2"/>
+          </a:solidFill>
+          <a:ln>
+            <a:noFill/>
+          </a:ln>
+        </p:spPr>
+        <p:style>
+          <a:lnRef idx="2">
+            <a:schemeClr val="accent1">
+              <a:shade val="50000"/>
+            </a:schemeClr>
+          </a:lnRef>
+          <a:fillRef idx="1">
+            <a:schemeClr val="accent1"/>
+          </a:fillRef>
+          <a:effectRef idx="0">
+            <a:schemeClr val="accent1"/>
+          </a:effectRef>
+          <a:fontRef idx="minor">
+            <a:schemeClr val="lt1"/>
+          </a:fontRef>
+        </p:style>
+        <p:txBody>
+          <a:bodyPr rtlCol="0" anchor="ctr"/>
+          <a:lstStyle>
+            <a:defPPr>
+              <a:defRPr lang="fr-FR"/>
+            </a:defPPr>
+            <a:lvl1pPr marL="0" algn="l" defTabSz="914354" rtl="0" eaLnBrk="1" latinLnBrk="0" hangingPunct="1">
+              <a:defRPr sz="1800" kern="1200">
+                <a:solidFill>
+                  <a:schemeClr val="lt1"/>
+                </a:solidFill>
+                <a:latin typeface="+mn-lt"/>
+                <a:ea typeface="+mn-ea"/>
+                <a:cs typeface="+mn-cs"/>
+              </a:defRPr>
+            </a:lvl1pPr>
+            <a:lvl2pPr marL="457178" algn="l" defTabSz="914354" rtl="0" eaLnBrk="1" latinLnBrk="0" hangingPunct="1">
+              <a:defRPr sz="1800" kern="1200">
+                <a:solidFill>
+                  <a:schemeClr val="lt1"/>
+                </a:solidFill>
+                <a:latin typeface="+mn-lt"/>
+                <a:ea typeface="+mn-ea"/>
+                <a:cs typeface="+mn-cs"/>
+              </a:defRPr>
+            </a:lvl2pPr>
+            <a:lvl3pPr marL="914354" algn="l" defTabSz="914354" rtl="0" eaLnBrk="1" latinLnBrk="0" hangingPunct="1">
+              <a:defRPr sz="1800" kern="1200">
+                <a:solidFill>
+                  <a:schemeClr val="lt1"/>
+                </a:solidFill>
+                <a:latin typeface="+mn-lt"/>
+                <a:ea typeface="+mn-ea"/>
+                <a:cs typeface="+mn-cs"/>
+              </a:defRPr>
+            </a:lvl3pPr>
+            <a:lvl4pPr marL="1371532" algn="l" defTabSz="914354" rtl="0" eaLnBrk="1" latinLnBrk="0" hangingPunct="1">
+              <a:defRPr sz="1800" kern="1200">
+                <a:solidFill>
+                  <a:schemeClr val="lt1"/>
+                </a:solidFill>
+                <a:latin typeface="+mn-lt"/>
+                <a:ea typeface="+mn-ea"/>
+                <a:cs typeface="+mn-cs"/>
+              </a:defRPr>
+            </a:lvl4pPr>
+            <a:lvl5pPr marL="1828709" algn="l" defTabSz="914354" rtl="0" eaLnBrk="1" latinLnBrk="0" hangingPunct="1">
+              <a:defRPr sz="1800" kern="1200">
+                <a:solidFill>
+                  <a:schemeClr val="lt1"/>
+                </a:solidFill>
+                <a:latin typeface="+mn-lt"/>
+                <a:ea typeface="+mn-ea"/>
+                <a:cs typeface="+mn-cs"/>
+              </a:defRPr>
+            </a:lvl5pPr>
+            <a:lvl6pPr marL="2285886" algn="l" defTabSz="914354" rtl="0" eaLnBrk="1" latinLnBrk="0" hangingPunct="1">
+              <a:defRPr sz="1800" kern="1200">
+                <a:solidFill>
+                  <a:schemeClr val="lt1"/>
+                </a:solidFill>
+                <a:latin typeface="+mn-lt"/>
+                <a:ea typeface="+mn-ea"/>
+                <a:cs typeface="+mn-cs"/>
+              </a:defRPr>
+            </a:lvl6pPr>
+            <a:lvl7pPr marL="2743062" algn="l" defTabSz="914354" rtl="0" eaLnBrk="1" latinLnBrk="0" hangingPunct="1">
+              <a:defRPr sz="1800" kern="1200">
+                <a:solidFill>
+                  <a:schemeClr val="lt1"/>
+                </a:solidFill>
+                <a:latin typeface="+mn-lt"/>
+                <a:ea typeface="+mn-ea"/>
+                <a:cs typeface="+mn-cs"/>
+              </a:defRPr>
+            </a:lvl7pPr>
+            <a:lvl8pPr marL="3200240" algn="l" defTabSz="914354" rtl="0" eaLnBrk="1" latinLnBrk="0" hangingPunct="1">
+              <a:defRPr sz="1800" kern="1200">
+                <a:solidFill>
+                  <a:schemeClr val="lt1"/>
+                </a:solidFill>
+                <a:latin typeface="+mn-lt"/>
+                <a:ea typeface="+mn-ea"/>
+                <a:cs typeface="+mn-cs"/>
+              </a:defRPr>
+            </a:lvl8pPr>
+            <a:lvl9pPr marL="3657418" algn="l" defTabSz="914354" rtl="0" eaLnBrk="1" latinLnBrk="0" hangingPunct="1">
+              <a:defRPr sz="1800" kern="1200">
+                <a:solidFill>
+                  <a:schemeClr val="lt1"/>
+                </a:solidFill>
+                <a:latin typeface="+mn-lt"/>
+                <a:ea typeface="+mn-ea"/>
+                <a:cs typeface="+mn-cs"/>
+              </a:defRPr>
+            </a:lvl9pPr>
+          </a:lstStyle>
+          <a:p>
+            <a:pPr algn="ctr"/>
+            <a:endParaRPr lang="en-US"/>
+          </a:p>
+        </p:txBody>
+      </p:sp>
+      <p:sp>
+        <p:nvSpPr>
+          <p:cNvPr id="17" name="Title 5">
+            <a:extLst>
+              <a:ext uri="{FF2B5EF4-FFF2-40B4-BE49-F238E27FC236}">
+                <a16:creationId xmlns:a16="http://schemas.microsoft.com/office/drawing/2014/main" id="{4EE27D79-393F-50BC-5B12-92FBF963AAE7}"/>
+              </a:ext>
+            </a:extLst>
+          </p:cNvPr>
+          <p:cNvSpPr txBox="1">
+            <a:spLocks/>
+          </p:cNvSpPr>
+          <p:nvPr/>
+        </p:nvSpPr>
+        <p:spPr>
+          <a:xfrm>
+            <a:off x="79865" y="2038672"/>
+            <a:ext cx="4515377" cy="1542317"/>
+          </a:xfrm>
+          <a:prstGeom prst="rect">
+            <a:avLst/>
+          </a:prstGeom>
+        </p:spPr>
+        <p:txBody>
+          <a:bodyPr anchor="ctr">
+            <a:noAutofit/>
+          </a:bodyPr>
+          <a:lstStyle>
+            <a:defPPr>
+              <a:defRPr lang="fr-FR"/>
+            </a:defPPr>
+            <a:lvl1pPr marL="0" algn="l" defTabSz="914354" rtl="0" eaLnBrk="1" latinLnBrk="0" hangingPunct="1">
+              <a:defRPr sz="1800" kern="1200">
+                <a:solidFill>
+                  <a:schemeClr val="tx1"/>
+                </a:solidFill>
+                <a:latin typeface="+mn-lt"/>
+                <a:ea typeface="+mn-ea"/>
+                <a:cs typeface="+mn-cs"/>
+              </a:defRPr>
+            </a:lvl1pPr>
+            <a:lvl2pPr marL="457178" algn="l" defTabSz="914354" rtl="0" eaLnBrk="1" latinLnBrk="0" hangingPunct="1">
+              <a:defRPr sz="1800" kern="1200">
+                <a:solidFill>
+                  <a:schemeClr val="tx1"/>
+                </a:solidFill>
+                <a:latin typeface="+mn-lt"/>
+                <a:ea typeface="+mn-ea"/>
+                <a:cs typeface="+mn-cs"/>
+              </a:defRPr>
+            </a:lvl2pPr>
+            <a:lvl3pPr marL="914354" algn="l" defTabSz="914354" rtl="0" eaLnBrk="1" latinLnBrk="0" hangingPunct="1">
+              <a:defRPr sz="1800" kern="1200">
+                <a:solidFill>
+                  <a:schemeClr val="tx1"/>
+                </a:solidFill>
+                <a:latin typeface="+mn-lt"/>
+                <a:ea typeface="+mn-ea"/>
+                <a:cs typeface="+mn-cs"/>
+              </a:defRPr>
+            </a:lvl3pPr>
+            <a:lvl4pPr marL="1371532" algn="l" defTabSz="914354" rtl="0" eaLnBrk="1" latinLnBrk="0" hangingPunct="1">
+              <a:defRPr sz="1800" kern="1200">
+                <a:solidFill>
+                  <a:schemeClr val="tx1"/>
+                </a:solidFill>
+                <a:latin typeface="+mn-lt"/>
+                <a:ea typeface="+mn-ea"/>
+                <a:cs typeface="+mn-cs"/>
+              </a:defRPr>
+            </a:lvl4pPr>
+            <a:lvl5pPr marL="1828709" algn="l" defTabSz="914354" rtl="0" eaLnBrk="1" latinLnBrk="0" hangingPunct="1">
+              <a:defRPr sz="1800" kern="1200">
+                <a:solidFill>
+                  <a:schemeClr val="tx1"/>
+                </a:solidFill>
+                <a:latin typeface="+mn-lt"/>
+                <a:ea typeface="+mn-ea"/>
+                <a:cs typeface="+mn-cs"/>
+              </a:defRPr>
+            </a:lvl5pPr>
+            <a:lvl6pPr marL="2285886" algn="l" defTabSz="914354" rtl="0" eaLnBrk="1" latinLnBrk="0" hangingPunct="1">
+              <a:defRPr sz="1800" kern="1200">
+                <a:solidFill>
+                  <a:schemeClr val="tx1"/>
+                </a:solidFill>
+                <a:latin typeface="+mn-lt"/>
+                <a:ea typeface="+mn-ea"/>
+                <a:cs typeface="+mn-cs"/>
+              </a:defRPr>
+            </a:lvl6pPr>
+            <a:lvl7pPr marL="2743062" algn="l" defTabSz="914354" rtl="0" eaLnBrk="1" latinLnBrk="0" hangingPunct="1">
+              <a:defRPr sz="1800" kern="1200">
+                <a:solidFill>
+                  <a:schemeClr val="tx1"/>
+                </a:solidFill>
+                <a:latin typeface="+mn-lt"/>
+                <a:ea typeface="+mn-ea"/>
+                <a:cs typeface="+mn-cs"/>
+              </a:defRPr>
+            </a:lvl7pPr>
+            <a:lvl8pPr marL="3200240" algn="l" defTabSz="914354" rtl="0" eaLnBrk="1" latinLnBrk="0" hangingPunct="1">
+              <a:defRPr sz="1800" kern="1200">
+                <a:solidFill>
+                  <a:schemeClr val="tx1"/>
+                </a:solidFill>
+                <a:latin typeface="+mn-lt"/>
+                <a:ea typeface="+mn-ea"/>
+                <a:cs typeface="+mn-cs"/>
+              </a:defRPr>
+            </a:lvl8pPr>
+            <a:lvl9pPr marL="3657418" algn="l" defTabSz="914354" rtl="0" eaLnBrk="1" latinLnBrk="0" hangingPunct="1">
+              <a:defRPr sz="1800" kern="1200">
+                <a:solidFill>
+                  <a:schemeClr val="tx1"/>
+                </a:solidFill>
+                <a:latin typeface="+mn-lt"/>
+                <a:ea typeface="+mn-ea"/>
+                <a:cs typeface="+mn-cs"/>
+              </a:defRPr>
+            </a:lvl9pPr>
+          </a:lstStyle>
+          <a:p>
+            <a:pPr algn="ctr"/>
+            <a:r>
+              <a:rPr lang="en-US" sz="3600" dirty="0" err="1">
+                <a:solidFill>
+                  <a:schemeClr val="tx2"/>
+                </a:solidFill>
+              </a:rPr>
+              <a:t>Veille</a:t>
+            </a:r>
+            <a:r>
+              <a:rPr lang="en-US" sz="3600" dirty="0">
+                <a:solidFill>
+                  <a:schemeClr val="tx2"/>
+                </a:solidFill>
+              </a:rPr>
+              <a:t> </a:t>
+            </a:r>
+            <a:r>
+              <a:rPr lang="en-US" sz="3600" dirty="0" err="1">
+                <a:solidFill>
+                  <a:schemeClr val="tx2"/>
+                </a:solidFill>
+              </a:rPr>
+              <a:t>technologique</a:t>
+            </a:r>
+            <a:endParaRPr lang="en-US" sz="3600" dirty="0">
+              <a:solidFill>
+                <a:schemeClr val="tx2"/>
+              </a:solidFill>
+            </a:endParaRPr>
+          </a:p>
+          <a:p>
+            <a:pPr algn="ctr"/>
+            <a:r>
+              <a:rPr lang="en-US" sz="3600" dirty="0">
+                <a:solidFill>
+                  <a:schemeClr val="tx2"/>
+                </a:solidFill>
+              </a:rPr>
+              <a:t>pour le site menu-maker</a:t>
+            </a:r>
+          </a:p>
+        </p:txBody>
+      </p:sp>
+      <p:grpSp>
+        <p:nvGrpSpPr>
+          <p:cNvPr id="18" name="Group 45">
+            <a:extLst>
+              <a:ext uri="{FF2B5EF4-FFF2-40B4-BE49-F238E27FC236}">
+                <a16:creationId xmlns:a16="http://schemas.microsoft.com/office/drawing/2014/main" id="{74A056B4-EB10-E0C1-1760-12EC0BFF5263}"/>
+              </a:ext>
+            </a:extLst>
+          </p:cNvPr>
+          <p:cNvGrpSpPr/>
+          <p:nvPr/>
+        </p:nvGrpSpPr>
+        <p:grpSpPr>
+          <a:xfrm>
+            <a:off x="5713020" y="278070"/>
+            <a:ext cx="3816424" cy="830997"/>
+            <a:chOff x="4655840" y="219323"/>
+            <a:chExt cx="3816424" cy="830997"/>
+          </a:xfrm>
+        </p:grpSpPr>
+        <p:sp>
+          <p:nvSpPr>
+            <p:cNvPr id="36" name="TextBox 47">
+              <a:extLst>
+                <a:ext uri="{FF2B5EF4-FFF2-40B4-BE49-F238E27FC236}">
+                  <a16:creationId xmlns:a16="http://schemas.microsoft.com/office/drawing/2014/main" id="{B0397732-D902-2D44-16D7-0B8382195130}"/>
+                </a:ext>
+              </a:extLst>
+            </p:cNvPr>
+            <p:cNvSpPr txBox="1"/>
+            <p:nvPr/>
+          </p:nvSpPr>
+          <p:spPr>
+            <a:xfrm>
+              <a:off x="4655840" y="219323"/>
+              <a:ext cx="2040815" cy="369332"/>
+            </a:xfrm>
+            <a:prstGeom prst="rect">
+              <a:avLst/>
+            </a:prstGeom>
+            <a:noFill/>
+          </p:spPr>
+          <p:txBody>
+            <a:bodyPr wrap="none" rtlCol="0">
+              <a:spAutoFit/>
+            </a:bodyPr>
+            <a:lstStyle>
+              <a:defPPr>
+                <a:defRPr lang="fr-FR"/>
+              </a:defPPr>
+              <a:lvl1pPr marL="0" algn="l" defTabSz="914354" rtl="0" eaLnBrk="1" latinLnBrk="0" hangingPunct="1">
+                <a:defRPr sz="1800" kern="1200">
+                  <a:solidFill>
+                    <a:schemeClr val="tx1"/>
+                  </a:solidFill>
+                  <a:latin typeface="+mn-lt"/>
+                  <a:ea typeface="+mn-ea"/>
+                  <a:cs typeface="+mn-cs"/>
+                </a:defRPr>
+              </a:lvl1pPr>
+              <a:lvl2pPr marL="457178" algn="l" defTabSz="914354" rtl="0" eaLnBrk="1" latinLnBrk="0" hangingPunct="1">
+                <a:defRPr sz="1800" kern="1200">
+                  <a:solidFill>
+                    <a:schemeClr val="tx1"/>
+                  </a:solidFill>
+                  <a:latin typeface="+mn-lt"/>
+                  <a:ea typeface="+mn-ea"/>
+                  <a:cs typeface="+mn-cs"/>
+                </a:defRPr>
+              </a:lvl2pPr>
+              <a:lvl3pPr marL="914354" algn="l" defTabSz="914354" rtl="0" eaLnBrk="1" latinLnBrk="0" hangingPunct="1">
+                <a:defRPr sz="1800" kern="1200">
+                  <a:solidFill>
+                    <a:schemeClr val="tx1"/>
+                  </a:solidFill>
+                  <a:latin typeface="+mn-lt"/>
+                  <a:ea typeface="+mn-ea"/>
+                  <a:cs typeface="+mn-cs"/>
+                </a:defRPr>
+              </a:lvl3pPr>
+              <a:lvl4pPr marL="1371532" algn="l" defTabSz="914354" rtl="0" eaLnBrk="1" latinLnBrk="0" hangingPunct="1">
+                <a:defRPr sz="1800" kern="1200">
+                  <a:solidFill>
+                    <a:schemeClr val="tx1"/>
+                  </a:solidFill>
+                  <a:latin typeface="+mn-lt"/>
+                  <a:ea typeface="+mn-ea"/>
+                  <a:cs typeface="+mn-cs"/>
+                </a:defRPr>
+              </a:lvl4pPr>
+              <a:lvl5pPr marL="1828709" algn="l" defTabSz="914354" rtl="0" eaLnBrk="1" latinLnBrk="0" hangingPunct="1">
+                <a:defRPr sz="1800" kern="1200">
+                  <a:solidFill>
+                    <a:schemeClr val="tx1"/>
+                  </a:solidFill>
+                  <a:latin typeface="+mn-lt"/>
+                  <a:ea typeface="+mn-ea"/>
+                  <a:cs typeface="+mn-cs"/>
+                </a:defRPr>
+              </a:lvl5pPr>
+              <a:lvl6pPr marL="2285886" algn="l" defTabSz="914354" rtl="0" eaLnBrk="1" latinLnBrk="0" hangingPunct="1">
+                <a:defRPr sz="1800" kern="1200">
+                  <a:solidFill>
+                    <a:schemeClr val="tx1"/>
+                  </a:solidFill>
+                  <a:latin typeface="+mn-lt"/>
+                  <a:ea typeface="+mn-ea"/>
+                  <a:cs typeface="+mn-cs"/>
+                </a:defRPr>
+              </a:lvl6pPr>
+              <a:lvl7pPr marL="2743062" algn="l" defTabSz="914354" rtl="0" eaLnBrk="1" latinLnBrk="0" hangingPunct="1">
+                <a:defRPr sz="1800" kern="1200">
+                  <a:solidFill>
+                    <a:schemeClr val="tx1"/>
+                  </a:solidFill>
+                  <a:latin typeface="+mn-lt"/>
+                  <a:ea typeface="+mn-ea"/>
+                  <a:cs typeface="+mn-cs"/>
+                </a:defRPr>
+              </a:lvl7pPr>
+              <a:lvl8pPr marL="3200240" algn="l" defTabSz="914354" rtl="0" eaLnBrk="1" latinLnBrk="0" hangingPunct="1">
+                <a:defRPr sz="1800" kern="1200">
+                  <a:solidFill>
+                    <a:schemeClr val="tx1"/>
+                  </a:solidFill>
+                  <a:latin typeface="+mn-lt"/>
+                  <a:ea typeface="+mn-ea"/>
+                  <a:cs typeface="+mn-cs"/>
+                </a:defRPr>
+              </a:lvl8pPr>
+              <a:lvl9pPr marL="3657418" algn="l" defTabSz="914354" rtl="0" eaLnBrk="1" latinLnBrk="0" hangingPunct="1">
+                <a:defRPr sz="1800" kern="1200">
+                  <a:solidFill>
+                    <a:schemeClr val="tx1"/>
+                  </a:solidFill>
+                  <a:latin typeface="+mn-lt"/>
+                  <a:ea typeface="+mn-ea"/>
+                  <a:cs typeface="+mn-cs"/>
+                </a:defRPr>
+              </a:lvl9pPr>
+            </a:lstStyle>
+            <a:p>
+              <a:r>
+                <a:rPr lang="en-US" b="1" cap="all" dirty="0">
+                  <a:solidFill>
+                    <a:schemeClr val="accent6"/>
+                  </a:solidFill>
+                </a:rPr>
+                <a:t>01 – React Modal</a:t>
+              </a:r>
+            </a:p>
+          </p:txBody>
+        </p:sp>
+        <p:sp>
+          <p:nvSpPr>
+            <p:cNvPr id="37" name="TextBox 48">
+              <a:extLst>
+                <a:ext uri="{FF2B5EF4-FFF2-40B4-BE49-F238E27FC236}">
+                  <a16:creationId xmlns:a16="http://schemas.microsoft.com/office/drawing/2014/main" id="{4314CD71-EFA2-337D-DE28-A088853105AA}"/>
+                </a:ext>
+              </a:extLst>
+            </p:cNvPr>
+            <p:cNvSpPr txBox="1"/>
+            <p:nvPr/>
+          </p:nvSpPr>
+          <p:spPr>
+            <a:xfrm>
+              <a:off x="4655840" y="588655"/>
+              <a:ext cx="3816424" cy="461665"/>
+            </a:xfrm>
+            <a:prstGeom prst="rect">
+              <a:avLst/>
+            </a:prstGeom>
+            <a:noFill/>
+          </p:spPr>
+          <p:txBody>
+            <a:bodyPr wrap="square" rtlCol="0">
+              <a:spAutoFit/>
+            </a:bodyPr>
+            <a:lstStyle>
+              <a:defPPr>
+                <a:defRPr lang="fr-FR"/>
+              </a:defPPr>
+              <a:lvl1pPr marL="0" algn="l" defTabSz="914354" rtl="0" eaLnBrk="1" latinLnBrk="0" hangingPunct="1">
+                <a:defRPr sz="1800" kern="1200">
+                  <a:solidFill>
+                    <a:schemeClr val="tx1"/>
+                  </a:solidFill>
+                  <a:latin typeface="+mn-lt"/>
+                  <a:ea typeface="+mn-ea"/>
+                  <a:cs typeface="+mn-cs"/>
+                </a:defRPr>
+              </a:lvl1pPr>
+              <a:lvl2pPr marL="457178" algn="l" defTabSz="914354" rtl="0" eaLnBrk="1" latinLnBrk="0" hangingPunct="1">
+                <a:defRPr sz="1800" kern="1200">
+                  <a:solidFill>
+                    <a:schemeClr val="tx1"/>
+                  </a:solidFill>
+                  <a:latin typeface="+mn-lt"/>
+                  <a:ea typeface="+mn-ea"/>
+                  <a:cs typeface="+mn-cs"/>
+                </a:defRPr>
+              </a:lvl2pPr>
+              <a:lvl3pPr marL="914354" algn="l" defTabSz="914354" rtl="0" eaLnBrk="1" latinLnBrk="0" hangingPunct="1">
+                <a:defRPr sz="1800" kern="1200">
+                  <a:solidFill>
+                    <a:schemeClr val="tx1"/>
+                  </a:solidFill>
+                  <a:latin typeface="+mn-lt"/>
+                  <a:ea typeface="+mn-ea"/>
+                  <a:cs typeface="+mn-cs"/>
+                </a:defRPr>
+              </a:lvl3pPr>
+              <a:lvl4pPr marL="1371532" algn="l" defTabSz="914354" rtl="0" eaLnBrk="1" latinLnBrk="0" hangingPunct="1">
+                <a:defRPr sz="1800" kern="1200">
+                  <a:solidFill>
+                    <a:schemeClr val="tx1"/>
+                  </a:solidFill>
+                  <a:latin typeface="+mn-lt"/>
+                  <a:ea typeface="+mn-ea"/>
+                  <a:cs typeface="+mn-cs"/>
+                </a:defRPr>
+              </a:lvl4pPr>
+              <a:lvl5pPr marL="1828709" algn="l" defTabSz="914354" rtl="0" eaLnBrk="1" latinLnBrk="0" hangingPunct="1">
+                <a:defRPr sz="1800" kern="1200">
+                  <a:solidFill>
+                    <a:schemeClr val="tx1"/>
+                  </a:solidFill>
+                  <a:latin typeface="+mn-lt"/>
+                  <a:ea typeface="+mn-ea"/>
+                  <a:cs typeface="+mn-cs"/>
+                </a:defRPr>
+              </a:lvl5pPr>
+              <a:lvl6pPr marL="2285886" algn="l" defTabSz="914354" rtl="0" eaLnBrk="1" latinLnBrk="0" hangingPunct="1">
+                <a:defRPr sz="1800" kern="1200">
+                  <a:solidFill>
+                    <a:schemeClr val="tx1"/>
+                  </a:solidFill>
+                  <a:latin typeface="+mn-lt"/>
+                  <a:ea typeface="+mn-ea"/>
+                  <a:cs typeface="+mn-cs"/>
+                </a:defRPr>
+              </a:lvl6pPr>
+              <a:lvl7pPr marL="2743062" algn="l" defTabSz="914354" rtl="0" eaLnBrk="1" latinLnBrk="0" hangingPunct="1">
+                <a:defRPr sz="1800" kern="1200">
+                  <a:solidFill>
+                    <a:schemeClr val="tx1"/>
+                  </a:solidFill>
+                  <a:latin typeface="+mn-lt"/>
+                  <a:ea typeface="+mn-ea"/>
+                  <a:cs typeface="+mn-cs"/>
+                </a:defRPr>
+              </a:lvl7pPr>
+              <a:lvl8pPr marL="3200240" algn="l" defTabSz="914354" rtl="0" eaLnBrk="1" latinLnBrk="0" hangingPunct="1">
+                <a:defRPr sz="1800" kern="1200">
+                  <a:solidFill>
+                    <a:schemeClr val="tx1"/>
+                  </a:solidFill>
+                  <a:latin typeface="+mn-lt"/>
+                  <a:ea typeface="+mn-ea"/>
+                  <a:cs typeface="+mn-cs"/>
+                </a:defRPr>
+              </a:lvl8pPr>
+              <a:lvl9pPr marL="3657418" algn="l" defTabSz="914354" rtl="0" eaLnBrk="1" latinLnBrk="0" hangingPunct="1">
+                <a:defRPr sz="1800" kern="1200">
+                  <a:solidFill>
+                    <a:schemeClr val="tx1"/>
+                  </a:solidFill>
+                  <a:latin typeface="+mn-lt"/>
+                  <a:ea typeface="+mn-ea"/>
+                  <a:cs typeface="+mn-cs"/>
+                </a:defRPr>
+              </a:lvl9pPr>
+            </a:lstStyle>
+            <a:p>
+              <a:pPr algn="just"/>
+              <a:r>
+                <a:rPr lang="en-US" sz="1200" dirty="0"/>
+                <a:t>Tout le necessaire pour commencer a coder avec React-Modal</a:t>
+              </a:r>
+            </a:p>
+          </p:txBody>
+        </p:sp>
+      </p:grpSp>
+      <p:grpSp>
+        <p:nvGrpSpPr>
+          <p:cNvPr id="19" name="Group 50">
+            <a:extLst>
+              <a:ext uri="{FF2B5EF4-FFF2-40B4-BE49-F238E27FC236}">
+                <a16:creationId xmlns:a16="http://schemas.microsoft.com/office/drawing/2014/main" id="{1AB04B68-CF7F-5F3E-06A9-54E1F51C5064}"/>
+              </a:ext>
+            </a:extLst>
+          </p:cNvPr>
+          <p:cNvGrpSpPr/>
+          <p:nvPr/>
+        </p:nvGrpSpPr>
+        <p:grpSpPr>
+          <a:xfrm>
+            <a:off x="6577116" y="1924643"/>
+            <a:ext cx="3816424" cy="830997"/>
+            <a:chOff x="4655840" y="219323"/>
+            <a:chExt cx="3816424" cy="830997"/>
+          </a:xfrm>
+        </p:grpSpPr>
+        <p:sp>
+          <p:nvSpPr>
+            <p:cNvPr id="34" name="TextBox 51">
+              <a:extLst>
+                <a:ext uri="{FF2B5EF4-FFF2-40B4-BE49-F238E27FC236}">
+                  <a16:creationId xmlns:a16="http://schemas.microsoft.com/office/drawing/2014/main" id="{220420C0-2AEA-82FB-7AD7-4A90BAFB91FF}"/>
+                </a:ext>
+              </a:extLst>
+            </p:cNvPr>
+            <p:cNvSpPr txBox="1"/>
+            <p:nvPr/>
+          </p:nvSpPr>
+          <p:spPr>
+            <a:xfrm>
+              <a:off x="4655840" y="219323"/>
+              <a:ext cx="1680717" cy="369332"/>
+            </a:xfrm>
+            <a:prstGeom prst="rect">
+              <a:avLst/>
+            </a:prstGeom>
+            <a:noFill/>
+          </p:spPr>
+          <p:txBody>
+            <a:bodyPr wrap="none" rtlCol="0">
+              <a:spAutoFit/>
+            </a:bodyPr>
+            <a:lstStyle>
+              <a:defPPr>
+                <a:defRPr lang="fr-FR"/>
+              </a:defPPr>
+              <a:lvl1pPr marL="0" algn="l" defTabSz="914354" rtl="0" eaLnBrk="1" latinLnBrk="0" hangingPunct="1">
+                <a:defRPr sz="1800" kern="1200">
+                  <a:solidFill>
+                    <a:schemeClr val="tx1"/>
+                  </a:solidFill>
+                  <a:latin typeface="+mn-lt"/>
+                  <a:ea typeface="+mn-ea"/>
+                  <a:cs typeface="+mn-cs"/>
+                </a:defRPr>
+              </a:lvl1pPr>
+              <a:lvl2pPr marL="457178" algn="l" defTabSz="914354" rtl="0" eaLnBrk="1" latinLnBrk="0" hangingPunct="1">
+                <a:defRPr sz="1800" kern="1200">
+                  <a:solidFill>
+                    <a:schemeClr val="tx1"/>
+                  </a:solidFill>
+                  <a:latin typeface="+mn-lt"/>
+                  <a:ea typeface="+mn-ea"/>
+                  <a:cs typeface="+mn-cs"/>
+                </a:defRPr>
+              </a:lvl2pPr>
+              <a:lvl3pPr marL="914354" algn="l" defTabSz="914354" rtl="0" eaLnBrk="1" latinLnBrk="0" hangingPunct="1">
+                <a:defRPr sz="1800" kern="1200">
+                  <a:solidFill>
+                    <a:schemeClr val="tx1"/>
+                  </a:solidFill>
+                  <a:latin typeface="+mn-lt"/>
+                  <a:ea typeface="+mn-ea"/>
+                  <a:cs typeface="+mn-cs"/>
+                </a:defRPr>
+              </a:lvl3pPr>
+              <a:lvl4pPr marL="1371532" algn="l" defTabSz="914354" rtl="0" eaLnBrk="1" latinLnBrk="0" hangingPunct="1">
+                <a:defRPr sz="1800" kern="1200">
+                  <a:solidFill>
+                    <a:schemeClr val="tx1"/>
+                  </a:solidFill>
+                  <a:latin typeface="+mn-lt"/>
+                  <a:ea typeface="+mn-ea"/>
+                  <a:cs typeface="+mn-cs"/>
+                </a:defRPr>
+              </a:lvl4pPr>
+              <a:lvl5pPr marL="1828709" algn="l" defTabSz="914354" rtl="0" eaLnBrk="1" latinLnBrk="0" hangingPunct="1">
+                <a:defRPr sz="1800" kern="1200">
+                  <a:solidFill>
+                    <a:schemeClr val="tx1"/>
+                  </a:solidFill>
+                  <a:latin typeface="+mn-lt"/>
+                  <a:ea typeface="+mn-ea"/>
+                  <a:cs typeface="+mn-cs"/>
+                </a:defRPr>
+              </a:lvl5pPr>
+              <a:lvl6pPr marL="2285886" algn="l" defTabSz="914354" rtl="0" eaLnBrk="1" latinLnBrk="0" hangingPunct="1">
+                <a:defRPr sz="1800" kern="1200">
+                  <a:solidFill>
+                    <a:schemeClr val="tx1"/>
+                  </a:solidFill>
+                  <a:latin typeface="+mn-lt"/>
+                  <a:ea typeface="+mn-ea"/>
+                  <a:cs typeface="+mn-cs"/>
+                </a:defRPr>
+              </a:lvl6pPr>
+              <a:lvl7pPr marL="2743062" algn="l" defTabSz="914354" rtl="0" eaLnBrk="1" latinLnBrk="0" hangingPunct="1">
+                <a:defRPr sz="1800" kern="1200">
+                  <a:solidFill>
+                    <a:schemeClr val="tx1"/>
+                  </a:solidFill>
+                  <a:latin typeface="+mn-lt"/>
+                  <a:ea typeface="+mn-ea"/>
+                  <a:cs typeface="+mn-cs"/>
+                </a:defRPr>
+              </a:lvl7pPr>
+              <a:lvl8pPr marL="3200240" algn="l" defTabSz="914354" rtl="0" eaLnBrk="1" latinLnBrk="0" hangingPunct="1">
+                <a:defRPr sz="1800" kern="1200">
+                  <a:solidFill>
+                    <a:schemeClr val="tx1"/>
+                  </a:solidFill>
+                  <a:latin typeface="+mn-lt"/>
+                  <a:ea typeface="+mn-ea"/>
+                  <a:cs typeface="+mn-cs"/>
+                </a:defRPr>
+              </a:lvl8pPr>
+              <a:lvl9pPr marL="3657418" algn="l" defTabSz="914354" rtl="0" eaLnBrk="1" latinLnBrk="0" hangingPunct="1">
+                <a:defRPr sz="1800" kern="1200">
+                  <a:solidFill>
+                    <a:schemeClr val="tx1"/>
+                  </a:solidFill>
+                  <a:latin typeface="+mn-lt"/>
+                  <a:ea typeface="+mn-ea"/>
+                  <a:cs typeface="+mn-cs"/>
+                </a:defRPr>
+              </a:lvl9pPr>
+            </a:lstStyle>
+            <a:p>
+              <a:r>
+                <a:rPr lang="en-US" b="1" cap="all" dirty="0">
+                  <a:solidFill>
+                    <a:schemeClr val="accent5"/>
+                  </a:solidFill>
+                </a:rPr>
+                <a:t>02 – React pdf</a:t>
+              </a:r>
+            </a:p>
+          </p:txBody>
+        </p:sp>
+        <p:sp>
+          <p:nvSpPr>
+            <p:cNvPr id="35" name="TextBox 52">
+              <a:extLst>
+                <a:ext uri="{FF2B5EF4-FFF2-40B4-BE49-F238E27FC236}">
+                  <a16:creationId xmlns:a16="http://schemas.microsoft.com/office/drawing/2014/main" id="{A4D534DC-2ADF-F6C1-532F-A8459E643E6D}"/>
+                </a:ext>
+              </a:extLst>
+            </p:cNvPr>
+            <p:cNvSpPr txBox="1"/>
+            <p:nvPr/>
+          </p:nvSpPr>
+          <p:spPr>
+            <a:xfrm>
+              <a:off x="4655840" y="588655"/>
+              <a:ext cx="3816424" cy="461665"/>
+            </a:xfrm>
+            <a:prstGeom prst="rect">
+              <a:avLst/>
+            </a:prstGeom>
+            <a:noFill/>
+          </p:spPr>
+          <p:txBody>
+            <a:bodyPr wrap="square" rtlCol="0">
+              <a:spAutoFit/>
+            </a:bodyPr>
+            <a:lstStyle>
+              <a:defPPr>
+                <a:defRPr lang="fr-FR"/>
+              </a:defPPr>
+              <a:lvl1pPr marL="0" algn="l" defTabSz="914354" rtl="0" eaLnBrk="1" latinLnBrk="0" hangingPunct="1">
+                <a:defRPr sz="1800" kern="1200">
+                  <a:solidFill>
+                    <a:schemeClr val="tx1"/>
+                  </a:solidFill>
+                  <a:latin typeface="+mn-lt"/>
+                  <a:ea typeface="+mn-ea"/>
+                  <a:cs typeface="+mn-cs"/>
+                </a:defRPr>
+              </a:lvl1pPr>
+              <a:lvl2pPr marL="457178" algn="l" defTabSz="914354" rtl="0" eaLnBrk="1" latinLnBrk="0" hangingPunct="1">
+                <a:defRPr sz="1800" kern="1200">
+                  <a:solidFill>
+                    <a:schemeClr val="tx1"/>
+                  </a:solidFill>
+                  <a:latin typeface="+mn-lt"/>
+                  <a:ea typeface="+mn-ea"/>
+                  <a:cs typeface="+mn-cs"/>
+                </a:defRPr>
+              </a:lvl2pPr>
+              <a:lvl3pPr marL="914354" algn="l" defTabSz="914354" rtl="0" eaLnBrk="1" latinLnBrk="0" hangingPunct="1">
+                <a:defRPr sz="1800" kern="1200">
+                  <a:solidFill>
+                    <a:schemeClr val="tx1"/>
+                  </a:solidFill>
+                  <a:latin typeface="+mn-lt"/>
+                  <a:ea typeface="+mn-ea"/>
+                  <a:cs typeface="+mn-cs"/>
+                </a:defRPr>
+              </a:lvl3pPr>
+              <a:lvl4pPr marL="1371532" algn="l" defTabSz="914354" rtl="0" eaLnBrk="1" latinLnBrk="0" hangingPunct="1">
+                <a:defRPr sz="1800" kern="1200">
+                  <a:solidFill>
+                    <a:schemeClr val="tx1"/>
+                  </a:solidFill>
+                  <a:latin typeface="+mn-lt"/>
+                  <a:ea typeface="+mn-ea"/>
+                  <a:cs typeface="+mn-cs"/>
+                </a:defRPr>
+              </a:lvl4pPr>
+              <a:lvl5pPr marL="1828709" algn="l" defTabSz="914354" rtl="0" eaLnBrk="1" latinLnBrk="0" hangingPunct="1">
+                <a:defRPr sz="1800" kern="1200">
+                  <a:solidFill>
+                    <a:schemeClr val="tx1"/>
+                  </a:solidFill>
+                  <a:latin typeface="+mn-lt"/>
+                  <a:ea typeface="+mn-ea"/>
+                  <a:cs typeface="+mn-cs"/>
+                </a:defRPr>
+              </a:lvl5pPr>
+              <a:lvl6pPr marL="2285886" algn="l" defTabSz="914354" rtl="0" eaLnBrk="1" latinLnBrk="0" hangingPunct="1">
+                <a:defRPr sz="1800" kern="1200">
+                  <a:solidFill>
+                    <a:schemeClr val="tx1"/>
+                  </a:solidFill>
+                  <a:latin typeface="+mn-lt"/>
+                  <a:ea typeface="+mn-ea"/>
+                  <a:cs typeface="+mn-cs"/>
+                </a:defRPr>
+              </a:lvl6pPr>
+              <a:lvl7pPr marL="2743062" algn="l" defTabSz="914354" rtl="0" eaLnBrk="1" latinLnBrk="0" hangingPunct="1">
+                <a:defRPr sz="1800" kern="1200">
+                  <a:solidFill>
+                    <a:schemeClr val="tx1"/>
+                  </a:solidFill>
+                  <a:latin typeface="+mn-lt"/>
+                  <a:ea typeface="+mn-ea"/>
+                  <a:cs typeface="+mn-cs"/>
+                </a:defRPr>
+              </a:lvl7pPr>
+              <a:lvl8pPr marL="3200240" algn="l" defTabSz="914354" rtl="0" eaLnBrk="1" latinLnBrk="0" hangingPunct="1">
+                <a:defRPr sz="1800" kern="1200">
+                  <a:solidFill>
+                    <a:schemeClr val="tx1"/>
+                  </a:solidFill>
+                  <a:latin typeface="+mn-lt"/>
+                  <a:ea typeface="+mn-ea"/>
+                  <a:cs typeface="+mn-cs"/>
+                </a:defRPr>
+              </a:lvl8pPr>
+              <a:lvl9pPr marL="3657418" algn="l" defTabSz="914354" rtl="0" eaLnBrk="1" latinLnBrk="0" hangingPunct="1">
+                <a:defRPr sz="1800" kern="1200">
+                  <a:solidFill>
+                    <a:schemeClr val="tx1"/>
+                  </a:solidFill>
+                  <a:latin typeface="+mn-lt"/>
+                  <a:ea typeface="+mn-ea"/>
+                  <a:cs typeface="+mn-cs"/>
+                </a:defRPr>
+              </a:lvl9pPr>
+            </a:lstStyle>
+            <a:p>
+              <a:pPr algn="just"/>
+              <a:r>
+                <a:rPr lang="en-US" sz="1200" dirty="0"/>
+                <a:t>Tout le necessaire pour commencer a coder avec React-PDF</a:t>
+              </a:r>
+            </a:p>
+          </p:txBody>
+        </p:sp>
+      </p:grpSp>
+      <p:grpSp>
+        <p:nvGrpSpPr>
+          <p:cNvPr id="20" name="Group 53">
+            <a:extLst>
+              <a:ext uri="{FF2B5EF4-FFF2-40B4-BE49-F238E27FC236}">
+                <a16:creationId xmlns:a16="http://schemas.microsoft.com/office/drawing/2014/main" id="{FD553C70-87CF-F0F2-C339-F5B1986A02F6}"/>
+              </a:ext>
+            </a:extLst>
+          </p:cNvPr>
+          <p:cNvGrpSpPr/>
+          <p:nvPr/>
+        </p:nvGrpSpPr>
+        <p:grpSpPr>
+          <a:xfrm>
+            <a:off x="6577116" y="3571216"/>
+            <a:ext cx="3816424" cy="646331"/>
+            <a:chOff x="4655840" y="219323"/>
+            <a:chExt cx="3816424" cy="646331"/>
+          </a:xfrm>
+        </p:grpSpPr>
+        <p:sp>
+          <p:nvSpPr>
+            <p:cNvPr id="32" name="TextBox 54">
+              <a:extLst>
+                <a:ext uri="{FF2B5EF4-FFF2-40B4-BE49-F238E27FC236}">
+                  <a16:creationId xmlns:a16="http://schemas.microsoft.com/office/drawing/2014/main" id="{0611343C-D61D-5D9C-F2D7-C154956129F7}"/>
+                </a:ext>
+              </a:extLst>
+            </p:cNvPr>
+            <p:cNvSpPr txBox="1"/>
+            <p:nvPr/>
+          </p:nvSpPr>
+          <p:spPr>
+            <a:xfrm>
+              <a:off x="4655840" y="219323"/>
+              <a:ext cx="2187650" cy="369332"/>
+            </a:xfrm>
+            <a:prstGeom prst="rect">
+              <a:avLst/>
+            </a:prstGeom>
+            <a:noFill/>
+          </p:spPr>
+          <p:txBody>
+            <a:bodyPr wrap="none" rtlCol="0">
+              <a:spAutoFit/>
+            </a:bodyPr>
+            <a:lstStyle>
+              <a:defPPr>
+                <a:defRPr lang="fr-FR"/>
+              </a:defPPr>
+              <a:lvl1pPr marL="0" algn="l" defTabSz="914354" rtl="0" eaLnBrk="1" latinLnBrk="0" hangingPunct="1">
+                <a:defRPr sz="1800" kern="1200">
+                  <a:solidFill>
+                    <a:schemeClr val="tx1"/>
+                  </a:solidFill>
+                  <a:latin typeface="+mn-lt"/>
+                  <a:ea typeface="+mn-ea"/>
+                  <a:cs typeface="+mn-cs"/>
+                </a:defRPr>
+              </a:lvl1pPr>
+              <a:lvl2pPr marL="457178" algn="l" defTabSz="914354" rtl="0" eaLnBrk="1" latinLnBrk="0" hangingPunct="1">
+                <a:defRPr sz="1800" kern="1200">
+                  <a:solidFill>
+                    <a:schemeClr val="tx1"/>
+                  </a:solidFill>
+                  <a:latin typeface="+mn-lt"/>
+                  <a:ea typeface="+mn-ea"/>
+                  <a:cs typeface="+mn-cs"/>
+                </a:defRPr>
+              </a:lvl2pPr>
+              <a:lvl3pPr marL="914354" algn="l" defTabSz="914354" rtl="0" eaLnBrk="1" latinLnBrk="0" hangingPunct="1">
+                <a:defRPr sz="1800" kern="1200">
+                  <a:solidFill>
+                    <a:schemeClr val="tx1"/>
+                  </a:solidFill>
+                  <a:latin typeface="+mn-lt"/>
+                  <a:ea typeface="+mn-ea"/>
+                  <a:cs typeface="+mn-cs"/>
+                </a:defRPr>
+              </a:lvl3pPr>
+              <a:lvl4pPr marL="1371532" algn="l" defTabSz="914354" rtl="0" eaLnBrk="1" latinLnBrk="0" hangingPunct="1">
+                <a:defRPr sz="1800" kern="1200">
+                  <a:solidFill>
+                    <a:schemeClr val="tx1"/>
+                  </a:solidFill>
+                  <a:latin typeface="+mn-lt"/>
+                  <a:ea typeface="+mn-ea"/>
+                  <a:cs typeface="+mn-cs"/>
+                </a:defRPr>
+              </a:lvl4pPr>
+              <a:lvl5pPr marL="1828709" algn="l" defTabSz="914354" rtl="0" eaLnBrk="1" latinLnBrk="0" hangingPunct="1">
+                <a:defRPr sz="1800" kern="1200">
+                  <a:solidFill>
+                    <a:schemeClr val="tx1"/>
+                  </a:solidFill>
+                  <a:latin typeface="+mn-lt"/>
+                  <a:ea typeface="+mn-ea"/>
+                  <a:cs typeface="+mn-cs"/>
+                </a:defRPr>
+              </a:lvl5pPr>
+              <a:lvl6pPr marL="2285886" algn="l" defTabSz="914354" rtl="0" eaLnBrk="1" latinLnBrk="0" hangingPunct="1">
+                <a:defRPr sz="1800" kern="1200">
+                  <a:solidFill>
+                    <a:schemeClr val="tx1"/>
+                  </a:solidFill>
+                  <a:latin typeface="+mn-lt"/>
+                  <a:ea typeface="+mn-ea"/>
+                  <a:cs typeface="+mn-cs"/>
+                </a:defRPr>
+              </a:lvl6pPr>
+              <a:lvl7pPr marL="2743062" algn="l" defTabSz="914354" rtl="0" eaLnBrk="1" latinLnBrk="0" hangingPunct="1">
+                <a:defRPr sz="1800" kern="1200">
+                  <a:solidFill>
+                    <a:schemeClr val="tx1"/>
+                  </a:solidFill>
+                  <a:latin typeface="+mn-lt"/>
+                  <a:ea typeface="+mn-ea"/>
+                  <a:cs typeface="+mn-cs"/>
+                </a:defRPr>
+              </a:lvl7pPr>
+              <a:lvl8pPr marL="3200240" algn="l" defTabSz="914354" rtl="0" eaLnBrk="1" latinLnBrk="0" hangingPunct="1">
+                <a:defRPr sz="1800" kern="1200">
+                  <a:solidFill>
+                    <a:schemeClr val="tx1"/>
+                  </a:solidFill>
+                  <a:latin typeface="+mn-lt"/>
+                  <a:ea typeface="+mn-ea"/>
+                  <a:cs typeface="+mn-cs"/>
+                </a:defRPr>
+              </a:lvl8pPr>
+              <a:lvl9pPr marL="3657418" algn="l" defTabSz="914354" rtl="0" eaLnBrk="1" latinLnBrk="0" hangingPunct="1">
+                <a:defRPr sz="1800" kern="1200">
+                  <a:solidFill>
+                    <a:schemeClr val="tx1"/>
+                  </a:solidFill>
+                  <a:latin typeface="+mn-lt"/>
+                  <a:ea typeface="+mn-ea"/>
+                  <a:cs typeface="+mn-cs"/>
+                </a:defRPr>
+              </a:lvl9pPr>
+            </a:lstStyle>
+            <a:p>
+              <a:r>
+                <a:rPr lang="en-US" b="1" cap="all" dirty="0">
+                  <a:solidFill>
+                    <a:srgbClr val="6B37C9"/>
+                  </a:solidFill>
+                </a:rPr>
+                <a:t>03 – Api </a:t>
+              </a:r>
+              <a:r>
+                <a:rPr lang="en-US" b="1" cap="all" dirty="0" err="1">
+                  <a:solidFill>
+                    <a:srgbClr val="6B37C9"/>
+                  </a:solidFill>
+                </a:rPr>
+                <a:t>instagram</a:t>
+              </a:r>
+              <a:endParaRPr lang="en-US" b="1" cap="all" dirty="0">
+                <a:solidFill>
+                  <a:srgbClr val="6B37C9"/>
+                </a:solidFill>
+              </a:endParaRPr>
+            </a:p>
+          </p:txBody>
+        </p:sp>
+        <p:sp>
+          <p:nvSpPr>
+            <p:cNvPr id="33" name="TextBox 55">
+              <a:extLst>
+                <a:ext uri="{FF2B5EF4-FFF2-40B4-BE49-F238E27FC236}">
+                  <a16:creationId xmlns:a16="http://schemas.microsoft.com/office/drawing/2014/main" id="{411614E1-6AB8-8DAA-2665-79BEFDC12ABA}"/>
+                </a:ext>
+              </a:extLst>
+            </p:cNvPr>
+            <p:cNvSpPr txBox="1"/>
+            <p:nvPr/>
+          </p:nvSpPr>
+          <p:spPr>
+            <a:xfrm>
+              <a:off x="4655840" y="588655"/>
+              <a:ext cx="3816424" cy="276999"/>
+            </a:xfrm>
+            <a:prstGeom prst="rect">
+              <a:avLst/>
+            </a:prstGeom>
+            <a:noFill/>
+          </p:spPr>
+          <p:txBody>
+            <a:bodyPr wrap="square" rtlCol="0">
+              <a:spAutoFit/>
+            </a:bodyPr>
+            <a:lstStyle>
+              <a:defPPr>
+                <a:defRPr lang="fr-FR"/>
+              </a:defPPr>
+              <a:lvl1pPr marL="0" algn="l" defTabSz="914354" rtl="0" eaLnBrk="1" latinLnBrk="0" hangingPunct="1">
+                <a:defRPr sz="1800" kern="1200">
+                  <a:solidFill>
+                    <a:schemeClr val="tx1"/>
+                  </a:solidFill>
+                  <a:latin typeface="+mn-lt"/>
+                  <a:ea typeface="+mn-ea"/>
+                  <a:cs typeface="+mn-cs"/>
+                </a:defRPr>
+              </a:lvl1pPr>
+              <a:lvl2pPr marL="457178" algn="l" defTabSz="914354" rtl="0" eaLnBrk="1" latinLnBrk="0" hangingPunct="1">
+                <a:defRPr sz="1800" kern="1200">
+                  <a:solidFill>
+                    <a:schemeClr val="tx1"/>
+                  </a:solidFill>
+                  <a:latin typeface="+mn-lt"/>
+                  <a:ea typeface="+mn-ea"/>
+                  <a:cs typeface="+mn-cs"/>
+                </a:defRPr>
+              </a:lvl2pPr>
+              <a:lvl3pPr marL="914354" algn="l" defTabSz="914354" rtl="0" eaLnBrk="1" latinLnBrk="0" hangingPunct="1">
+                <a:defRPr sz="1800" kern="1200">
+                  <a:solidFill>
+                    <a:schemeClr val="tx1"/>
+                  </a:solidFill>
+                  <a:latin typeface="+mn-lt"/>
+                  <a:ea typeface="+mn-ea"/>
+                  <a:cs typeface="+mn-cs"/>
+                </a:defRPr>
+              </a:lvl3pPr>
+              <a:lvl4pPr marL="1371532" algn="l" defTabSz="914354" rtl="0" eaLnBrk="1" latinLnBrk="0" hangingPunct="1">
+                <a:defRPr sz="1800" kern="1200">
+                  <a:solidFill>
+                    <a:schemeClr val="tx1"/>
+                  </a:solidFill>
+                  <a:latin typeface="+mn-lt"/>
+                  <a:ea typeface="+mn-ea"/>
+                  <a:cs typeface="+mn-cs"/>
+                </a:defRPr>
+              </a:lvl4pPr>
+              <a:lvl5pPr marL="1828709" algn="l" defTabSz="914354" rtl="0" eaLnBrk="1" latinLnBrk="0" hangingPunct="1">
+                <a:defRPr sz="1800" kern="1200">
+                  <a:solidFill>
+                    <a:schemeClr val="tx1"/>
+                  </a:solidFill>
+                  <a:latin typeface="+mn-lt"/>
+                  <a:ea typeface="+mn-ea"/>
+                  <a:cs typeface="+mn-cs"/>
+                </a:defRPr>
+              </a:lvl5pPr>
+              <a:lvl6pPr marL="2285886" algn="l" defTabSz="914354" rtl="0" eaLnBrk="1" latinLnBrk="0" hangingPunct="1">
+                <a:defRPr sz="1800" kern="1200">
+                  <a:solidFill>
+                    <a:schemeClr val="tx1"/>
+                  </a:solidFill>
+                  <a:latin typeface="+mn-lt"/>
+                  <a:ea typeface="+mn-ea"/>
+                  <a:cs typeface="+mn-cs"/>
+                </a:defRPr>
+              </a:lvl6pPr>
+              <a:lvl7pPr marL="2743062" algn="l" defTabSz="914354" rtl="0" eaLnBrk="1" latinLnBrk="0" hangingPunct="1">
+                <a:defRPr sz="1800" kern="1200">
+                  <a:solidFill>
+                    <a:schemeClr val="tx1"/>
+                  </a:solidFill>
+                  <a:latin typeface="+mn-lt"/>
+                  <a:ea typeface="+mn-ea"/>
+                  <a:cs typeface="+mn-cs"/>
+                </a:defRPr>
+              </a:lvl7pPr>
+              <a:lvl8pPr marL="3200240" algn="l" defTabSz="914354" rtl="0" eaLnBrk="1" latinLnBrk="0" hangingPunct="1">
+                <a:defRPr sz="1800" kern="1200">
+                  <a:solidFill>
+                    <a:schemeClr val="tx1"/>
+                  </a:solidFill>
+                  <a:latin typeface="+mn-lt"/>
+                  <a:ea typeface="+mn-ea"/>
+                  <a:cs typeface="+mn-cs"/>
+                </a:defRPr>
+              </a:lvl8pPr>
+              <a:lvl9pPr marL="3657418" algn="l" defTabSz="914354" rtl="0" eaLnBrk="1" latinLnBrk="0" hangingPunct="1">
+                <a:defRPr sz="1800" kern="1200">
+                  <a:solidFill>
+                    <a:schemeClr val="tx1"/>
+                  </a:solidFill>
+                  <a:latin typeface="+mn-lt"/>
+                  <a:ea typeface="+mn-ea"/>
+                  <a:cs typeface="+mn-cs"/>
+                </a:defRPr>
+              </a:lvl9pPr>
+            </a:lstStyle>
+            <a:p>
+              <a:pPr algn="just"/>
+              <a:r>
+                <a:rPr lang="en-US" sz="1200" dirty="0"/>
+                <a:t>Comment poster sur son </a:t>
+              </a:r>
+              <a:r>
+                <a:rPr lang="en-US" sz="1200" dirty="0" err="1"/>
+                <a:t>compte</a:t>
+              </a:r>
+              <a:r>
+                <a:rPr lang="en-US" sz="1200" dirty="0"/>
+                <a:t> Instagram </a:t>
+              </a:r>
+              <a:r>
+                <a:rPr lang="en-US" sz="1200" dirty="0" err="1"/>
+                <a:t>professionnel</a:t>
+              </a:r>
+              <a:r>
+                <a:rPr lang="en-US" sz="1200" dirty="0"/>
+                <a:t> </a:t>
+              </a:r>
+            </a:p>
+          </p:txBody>
+        </p:sp>
+      </p:grpSp>
+      <p:grpSp>
+        <p:nvGrpSpPr>
+          <p:cNvPr id="21" name="Group 56">
+            <a:extLst>
+              <a:ext uri="{FF2B5EF4-FFF2-40B4-BE49-F238E27FC236}">
+                <a16:creationId xmlns:a16="http://schemas.microsoft.com/office/drawing/2014/main" id="{8A5AEB68-B552-8C71-C689-23A0553DEC5B}"/>
+              </a:ext>
+            </a:extLst>
+          </p:cNvPr>
+          <p:cNvGrpSpPr/>
+          <p:nvPr/>
+        </p:nvGrpSpPr>
+        <p:grpSpPr>
+          <a:xfrm>
+            <a:off x="5713020" y="5217789"/>
+            <a:ext cx="3816424" cy="646331"/>
+            <a:chOff x="4655840" y="219323"/>
+            <a:chExt cx="3816424" cy="646331"/>
+          </a:xfrm>
+        </p:grpSpPr>
+        <p:sp>
+          <p:nvSpPr>
+            <p:cNvPr id="30" name="TextBox 57">
+              <a:extLst>
+                <a:ext uri="{FF2B5EF4-FFF2-40B4-BE49-F238E27FC236}">
+                  <a16:creationId xmlns:a16="http://schemas.microsoft.com/office/drawing/2014/main" id="{B5468E55-CB36-D303-5279-B84A13BD7B69}"/>
+                </a:ext>
+              </a:extLst>
+            </p:cNvPr>
+            <p:cNvSpPr txBox="1"/>
+            <p:nvPr/>
+          </p:nvSpPr>
+          <p:spPr>
+            <a:xfrm>
+              <a:off x="4655840" y="219323"/>
+              <a:ext cx="1238801" cy="369332"/>
+            </a:xfrm>
+            <a:prstGeom prst="rect">
+              <a:avLst/>
+            </a:prstGeom>
+            <a:noFill/>
+          </p:spPr>
+          <p:txBody>
+            <a:bodyPr wrap="none" rtlCol="0">
+              <a:spAutoFit/>
+            </a:bodyPr>
+            <a:lstStyle>
+              <a:defPPr>
+                <a:defRPr lang="fr-FR"/>
+              </a:defPPr>
+              <a:lvl1pPr marL="0" algn="l" defTabSz="914354" rtl="0" eaLnBrk="1" latinLnBrk="0" hangingPunct="1">
+                <a:defRPr sz="1800" kern="1200">
+                  <a:solidFill>
+                    <a:schemeClr val="tx1"/>
+                  </a:solidFill>
+                  <a:latin typeface="+mn-lt"/>
+                  <a:ea typeface="+mn-ea"/>
+                  <a:cs typeface="+mn-cs"/>
+                </a:defRPr>
+              </a:lvl1pPr>
+              <a:lvl2pPr marL="457178" algn="l" defTabSz="914354" rtl="0" eaLnBrk="1" latinLnBrk="0" hangingPunct="1">
+                <a:defRPr sz="1800" kern="1200">
+                  <a:solidFill>
+                    <a:schemeClr val="tx1"/>
+                  </a:solidFill>
+                  <a:latin typeface="+mn-lt"/>
+                  <a:ea typeface="+mn-ea"/>
+                  <a:cs typeface="+mn-cs"/>
+                </a:defRPr>
+              </a:lvl2pPr>
+              <a:lvl3pPr marL="914354" algn="l" defTabSz="914354" rtl="0" eaLnBrk="1" latinLnBrk="0" hangingPunct="1">
+                <a:defRPr sz="1800" kern="1200">
+                  <a:solidFill>
+                    <a:schemeClr val="tx1"/>
+                  </a:solidFill>
+                  <a:latin typeface="+mn-lt"/>
+                  <a:ea typeface="+mn-ea"/>
+                  <a:cs typeface="+mn-cs"/>
+                </a:defRPr>
+              </a:lvl3pPr>
+              <a:lvl4pPr marL="1371532" algn="l" defTabSz="914354" rtl="0" eaLnBrk="1" latinLnBrk="0" hangingPunct="1">
+                <a:defRPr sz="1800" kern="1200">
+                  <a:solidFill>
+                    <a:schemeClr val="tx1"/>
+                  </a:solidFill>
+                  <a:latin typeface="+mn-lt"/>
+                  <a:ea typeface="+mn-ea"/>
+                  <a:cs typeface="+mn-cs"/>
+                </a:defRPr>
+              </a:lvl4pPr>
+              <a:lvl5pPr marL="1828709" algn="l" defTabSz="914354" rtl="0" eaLnBrk="1" latinLnBrk="0" hangingPunct="1">
+                <a:defRPr sz="1800" kern="1200">
+                  <a:solidFill>
+                    <a:schemeClr val="tx1"/>
+                  </a:solidFill>
+                  <a:latin typeface="+mn-lt"/>
+                  <a:ea typeface="+mn-ea"/>
+                  <a:cs typeface="+mn-cs"/>
+                </a:defRPr>
+              </a:lvl5pPr>
+              <a:lvl6pPr marL="2285886" algn="l" defTabSz="914354" rtl="0" eaLnBrk="1" latinLnBrk="0" hangingPunct="1">
+                <a:defRPr sz="1800" kern="1200">
+                  <a:solidFill>
+                    <a:schemeClr val="tx1"/>
+                  </a:solidFill>
+                  <a:latin typeface="+mn-lt"/>
+                  <a:ea typeface="+mn-ea"/>
+                  <a:cs typeface="+mn-cs"/>
+                </a:defRPr>
+              </a:lvl6pPr>
+              <a:lvl7pPr marL="2743062" algn="l" defTabSz="914354" rtl="0" eaLnBrk="1" latinLnBrk="0" hangingPunct="1">
+                <a:defRPr sz="1800" kern="1200">
+                  <a:solidFill>
+                    <a:schemeClr val="tx1"/>
+                  </a:solidFill>
+                  <a:latin typeface="+mn-lt"/>
+                  <a:ea typeface="+mn-ea"/>
+                  <a:cs typeface="+mn-cs"/>
+                </a:defRPr>
+              </a:lvl7pPr>
+              <a:lvl8pPr marL="3200240" algn="l" defTabSz="914354" rtl="0" eaLnBrk="1" latinLnBrk="0" hangingPunct="1">
+                <a:defRPr sz="1800" kern="1200">
+                  <a:solidFill>
+                    <a:schemeClr val="tx1"/>
+                  </a:solidFill>
+                  <a:latin typeface="+mn-lt"/>
+                  <a:ea typeface="+mn-ea"/>
+                  <a:cs typeface="+mn-cs"/>
+                </a:defRPr>
+              </a:lvl8pPr>
+              <a:lvl9pPr marL="3657418" algn="l" defTabSz="914354" rtl="0" eaLnBrk="1" latinLnBrk="0" hangingPunct="1">
+                <a:defRPr sz="1800" kern="1200">
+                  <a:solidFill>
+                    <a:schemeClr val="tx1"/>
+                  </a:solidFill>
+                  <a:latin typeface="+mn-lt"/>
+                  <a:ea typeface="+mn-ea"/>
+                  <a:cs typeface="+mn-cs"/>
+                </a:defRPr>
+              </a:lvl9pPr>
+            </a:lstStyle>
+            <a:p>
+              <a:r>
+                <a:rPr lang="en-US" b="1" cap="all" dirty="0">
+                  <a:solidFill>
+                    <a:schemeClr val="accent2"/>
+                  </a:solidFill>
+                </a:rPr>
+                <a:t>04 - </a:t>
+              </a:r>
+              <a:r>
+                <a:rPr lang="en-US" b="1" cap="all" dirty="0" err="1">
+                  <a:solidFill>
+                    <a:schemeClr val="accent2"/>
+                  </a:solidFill>
+                </a:rPr>
+                <a:t>Eslint</a:t>
+              </a:r>
+              <a:endParaRPr lang="en-US" b="1" cap="all" dirty="0">
+                <a:solidFill>
+                  <a:schemeClr val="accent2"/>
+                </a:solidFill>
+              </a:endParaRPr>
+            </a:p>
+          </p:txBody>
+        </p:sp>
+        <p:sp>
+          <p:nvSpPr>
+            <p:cNvPr id="31" name="TextBox 58">
+              <a:extLst>
+                <a:ext uri="{FF2B5EF4-FFF2-40B4-BE49-F238E27FC236}">
+                  <a16:creationId xmlns:a16="http://schemas.microsoft.com/office/drawing/2014/main" id="{992F3487-6F91-EA29-901C-7C50300A69BE}"/>
+                </a:ext>
+              </a:extLst>
+            </p:cNvPr>
+            <p:cNvSpPr txBox="1"/>
+            <p:nvPr/>
+          </p:nvSpPr>
+          <p:spPr>
+            <a:xfrm>
+              <a:off x="4655840" y="588655"/>
+              <a:ext cx="3816424" cy="276999"/>
+            </a:xfrm>
+            <a:prstGeom prst="rect">
+              <a:avLst/>
+            </a:prstGeom>
+            <a:noFill/>
+          </p:spPr>
+          <p:txBody>
+            <a:bodyPr wrap="square" rtlCol="0">
+              <a:spAutoFit/>
+            </a:bodyPr>
+            <a:lstStyle>
+              <a:defPPr>
+                <a:defRPr lang="fr-FR"/>
+              </a:defPPr>
+              <a:lvl1pPr marL="0" algn="l" defTabSz="914354" rtl="0" eaLnBrk="1" latinLnBrk="0" hangingPunct="1">
+                <a:defRPr sz="1800" kern="1200">
+                  <a:solidFill>
+                    <a:schemeClr val="tx1"/>
+                  </a:solidFill>
+                  <a:latin typeface="+mn-lt"/>
+                  <a:ea typeface="+mn-ea"/>
+                  <a:cs typeface="+mn-cs"/>
+                </a:defRPr>
+              </a:lvl1pPr>
+              <a:lvl2pPr marL="457178" algn="l" defTabSz="914354" rtl="0" eaLnBrk="1" latinLnBrk="0" hangingPunct="1">
+                <a:defRPr sz="1800" kern="1200">
+                  <a:solidFill>
+                    <a:schemeClr val="tx1"/>
+                  </a:solidFill>
+                  <a:latin typeface="+mn-lt"/>
+                  <a:ea typeface="+mn-ea"/>
+                  <a:cs typeface="+mn-cs"/>
+                </a:defRPr>
+              </a:lvl2pPr>
+              <a:lvl3pPr marL="914354" algn="l" defTabSz="914354" rtl="0" eaLnBrk="1" latinLnBrk="0" hangingPunct="1">
+                <a:defRPr sz="1800" kern="1200">
+                  <a:solidFill>
+                    <a:schemeClr val="tx1"/>
+                  </a:solidFill>
+                  <a:latin typeface="+mn-lt"/>
+                  <a:ea typeface="+mn-ea"/>
+                  <a:cs typeface="+mn-cs"/>
+                </a:defRPr>
+              </a:lvl3pPr>
+              <a:lvl4pPr marL="1371532" algn="l" defTabSz="914354" rtl="0" eaLnBrk="1" latinLnBrk="0" hangingPunct="1">
+                <a:defRPr sz="1800" kern="1200">
+                  <a:solidFill>
+                    <a:schemeClr val="tx1"/>
+                  </a:solidFill>
+                  <a:latin typeface="+mn-lt"/>
+                  <a:ea typeface="+mn-ea"/>
+                  <a:cs typeface="+mn-cs"/>
+                </a:defRPr>
+              </a:lvl4pPr>
+              <a:lvl5pPr marL="1828709" algn="l" defTabSz="914354" rtl="0" eaLnBrk="1" latinLnBrk="0" hangingPunct="1">
+                <a:defRPr sz="1800" kern="1200">
+                  <a:solidFill>
+                    <a:schemeClr val="tx1"/>
+                  </a:solidFill>
+                  <a:latin typeface="+mn-lt"/>
+                  <a:ea typeface="+mn-ea"/>
+                  <a:cs typeface="+mn-cs"/>
+                </a:defRPr>
+              </a:lvl5pPr>
+              <a:lvl6pPr marL="2285886" algn="l" defTabSz="914354" rtl="0" eaLnBrk="1" latinLnBrk="0" hangingPunct="1">
+                <a:defRPr sz="1800" kern="1200">
+                  <a:solidFill>
+                    <a:schemeClr val="tx1"/>
+                  </a:solidFill>
+                  <a:latin typeface="+mn-lt"/>
+                  <a:ea typeface="+mn-ea"/>
+                  <a:cs typeface="+mn-cs"/>
+                </a:defRPr>
+              </a:lvl6pPr>
+              <a:lvl7pPr marL="2743062" algn="l" defTabSz="914354" rtl="0" eaLnBrk="1" latinLnBrk="0" hangingPunct="1">
+                <a:defRPr sz="1800" kern="1200">
+                  <a:solidFill>
+                    <a:schemeClr val="tx1"/>
+                  </a:solidFill>
+                  <a:latin typeface="+mn-lt"/>
+                  <a:ea typeface="+mn-ea"/>
+                  <a:cs typeface="+mn-cs"/>
+                </a:defRPr>
+              </a:lvl7pPr>
+              <a:lvl8pPr marL="3200240" algn="l" defTabSz="914354" rtl="0" eaLnBrk="1" latinLnBrk="0" hangingPunct="1">
+                <a:defRPr sz="1800" kern="1200">
+                  <a:solidFill>
+                    <a:schemeClr val="tx1"/>
+                  </a:solidFill>
+                  <a:latin typeface="+mn-lt"/>
+                  <a:ea typeface="+mn-ea"/>
+                  <a:cs typeface="+mn-cs"/>
+                </a:defRPr>
+              </a:lvl8pPr>
+              <a:lvl9pPr marL="3657418" algn="l" defTabSz="914354" rtl="0" eaLnBrk="1" latinLnBrk="0" hangingPunct="1">
+                <a:defRPr sz="1800" kern="1200">
+                  <a:solidFill>
+                    <a:schemeClr val="tx1"/>
+                  </a:solidFill>
+                  <a:latin typeface="+mn-lt"/>
+                  <a:ea typeface="+mn-ea"/>
+                  <a:cs typeface="+mn-cs"/>
+                </a:defRPr>
+              </a:lvl9pPr>
+            </a:lstStyle>
+            <a:p>
+              <a:pPr algn="just"/>
+              <a:r>
+                <a:rPr lang="en-US" sz="1200" dirty="0" err="1"/>
+                <a:t>Outils</a:t>
+              </a:r>
+              <a:r>
+                <a:rPr lang="en-US" sz="1200" dirty="0"/>
+                <a:t> de code </a:t>
+              </a:r>
+              <a:r>
+                <a:rPr lang="en-US" sz="1200" dirty="0" err="1"/>
+                <a:t>javascript</a:t>
+              </a:r>
+              <a:r>
+                <a:rPr lang="en-US" sz="1200" dirty="0"/>
+                <a:t> </a:t>
+              </a:r>
+              <a:r>
+                <a:rPr lang="en-US" sz="1200" dirty="0" err="1"/>
+                <a:t>recommandées</a:t>
+              </a:r>
+              <a:r>
+                <a:rPr lang="en-US" sz="1200" dirty="0"/>
+                <a:t> sur VS code </a:t>
+              </a:r>
+            </a:p>
+          </p:txBody>
+        </p:sp>
+      </p:grpSp>
+      <p:sp>
+        <p:nvSpPr>
+          <p:cNvPr id="22" name="Oval 59">
+            <a:extLst>
+              <a:ext uri="{FF2B5EF4-FFF2-40B4-BE49-F238E27FC236}">
+                <a16:creationId xmlns:a16="http://schemas.microsoft.com/office/drawing/2014/main" id="{24E4FF5D-1E7F-0DF9-A2A8-4AC79EEE1EA8}"/>
+              </a:ext>
+            </a:extLst>
+          </p:cNvPr>
+          <p:cNvSpPr/>
+          <p:nvPr/>
+        </p:nvSpPr>
+        <p:spPr>
+          <a:xfrm>
+            <a:off x="4084289" y="449539"/>
+            <a:ext cx="1025215" cy="1025215"/>
+          </a:xfrm>
+          <a:prstGeom prst="ellipse">
+            <a:avLst/>
+          </a:prstGeom>
+          <a:solidFill>
+            <a:srgbClr val="DBDBDB"/>
+          </a:solidFill>
+          <a:ln>
+            <a:noFill/>
+          </a:ln>
+        </p:spPr>
+        <p:style>
+          <a:lnRef idx="2">
+            <a:schemeClr val="accent1">
+              <a:shade val="50000"/>
+            </a:schemeClr>
+          </a:lnRef>
+          <a:fillRef idx="1">
+            <a:schemeClr val="accent1"/>
+          </a:fillRef>
+          <a:effectRef idx="0">
+            <a:schemeClr val="accent1"/>
+          </a:effectRef>
+          <a:fontRef idx="minor">
+            <a:schemeClr val="lt1"/>
+          </a:fontRef>
+        </p:style>
+        <p:txBody>
+          <a:bodyPr rtlCol="0" anchor="ctr"/>
+          <a:lstStyle>
+            <a:defPPr>
+              <a:defRPr lang="fr-FR"/>
+            </a:defPPr>
+            <a:lvl1pPr marL="0" algn="l" defTabSz="914354" rtl="0" eaLnBrk="1" latinLnBrk="0" hangingPunct="1">
+              <a:defRPr sz="1800" kern="1200">
+                <a:solidFill>
+                  <a:schemeClr val="lt1"/>
+                </a:solidFill>
+                <a:latin typeface="+mn-lt"/>
+                <a:ea typeface="+mn-ea"/>
+                <a:cs typeface="+mn-cs"/>
+              </a:defRPr>
+            </a:lvl1pPr>
+            <a:lvl2pPr marL="457178" algn="l" defTabSz="914354" rtl="0" eaLnBrk="1" latinLnBrk="0" hangingPunct="1">
+              <a:defRPr sz="1800" kern="1200">
+                <a:solidFill>
+                  <a:schemeClr val="lt1"/>
+                </a:solidFill>
+                <a:latin typeface="+mn-lt"/>
+                <a:ea typeface="+mn-ea"/>
+                <a:cs typeface="+mn-cs"/>
+              </a:defRPr>
+            </a:lvl2pPr>
+            <a:lvl3pPr marL="914354" algn="l" defTabSz="914354" rtl="0" eaLnBrk="1" latinLnBrk="0" hangingPunct="1">
+              <a:defRPr sz="1800" kern="1200">
+                <a:solidFill>
+                  <a:schemeClr val="lt1"/>
+                </a:solidFill>
+                <a:latin typeface="+mn-lt"/>
+                <a:ea typeface="+mn-ea"/>
+                <a:cs typeface="+mn-cs"/>
+              </a:defRPr>
+            </a:lvl3pPr>
+            <a:lvl4pPr marL="1371532" algn="l" defTabSz="914354" rtl="0" eaLnBrk="1" latinLnBrk="0" hangingPunct="1">
+              <a:defRPr sz="1800" kern="1200">
+                <a:solidFill>
+                  <a:schemeClr val="lt1"/>
+                </a:solidFill>
+                <a:latin typeface="+mn-lt"/>
+                <a:ea typeface="+mn-ea"/>
+                <a:cs typeface="+mn-cs"/>
+              </a:defRPr>
+            </a:lvl4pPr>
+            <a:lvl5pPr marL="1828709" algn="l" defTabSz="914354" rtl="0" eaLnBrk="1" latinLnBrk="0" hangingPunct="1">
+              <a:defRPr sz="1800" kern="1200">
+                <a:solidFill>
+                  <a:schemeClr val="lt1"/>
+                </a:solidFill>
+                <a:latin typeface="+mn-lt"/>
+                <a:ea typeface="+mn-ea"/>
+                <a:cs typeface="+mn-cs"/>
+              </a:defRPr>
+            </a:lvl5pPr>
+            <a:lvl6pPr marL="2285886" algn="l" defTabSz="914354" rtl="0" eaLnBrk="1" latinLnBrk="0" hangingPunct="1">
+              <a:defRPr sz="1800" kern="1200">
+                <a:solidFill>
+                  <a:schemeClr val="lt1"/>
+                </a:solidFill>
+                <a:latin typeface="+mn-lt"/>
+                <a:ea typeface="+mn-ea"/>
+                <a:cs typeface="+mn-cs"/>
+              </a:defRPr>
+            </a:lvl6pPr>
+            <a:lvl7pPr marL="2743062" algn="l" defTabSz="914354" rtl="0" eaLnBrk="1" latinLnBrk="0" hangingPunct="1">
+              <a:defRPr sz="1800" kern="1200">
+                <a:solidFill>
+                  <a:schemeClr val="lt1"/>
+                </a:solidFill>
+                <a:latin typeface="+mn-lt"/>
+                <a:ea typeface="+mn-ea"/>
+                <a:cs typeface="+mn-cs"/>
+              </a:defRPr>
+            </a:lvl7pPr>
+            <a:lvl8pPr marL="3200240" algn="l" defTabSz="914354" rtl="0" eaLnBrk="1" latinLnBrk="0" hangingPunct="1">
+              <a:defRPr sz="1800" kern="1200">
+                <a:solidFill>
+                  <a:schemeClr val="lt1"/>
+                </a:solidFill>
+                <a:latin typeface="+mn-lt"/>
+                <a:ea typeface="+mn-ea"/>
+                <a:cs typeface="+mn-cs"/>
+              </a:defRPr>
+            </a:lvl8pPr>
+            <a:lvl9pPr marL="3657418" algn="l" defTabSz="914354" rtl="0" eaLnBrk="1" latinLnBrk="0" hangingPunct="1">
+              <a:defRPr sz="1800" kern="1200">
+                <a:solidFill>
+                  <a:schemeClr val="lt1"/>
+                </a:solidFill>
+                <a:latin typeface="+mn-lt"/>
+                <a:ea typeface="+mn-ea"/>
+                <a:cs typeface="+mn-cs"/>
+              </a:defRPr>
+            </a:lvl9pPr>
+          </a:lstStyle>
+          <a:p>
+            <a:pPr algn="ctr"/>
+            <a:endParaRPr lang="en-US"/>
+          </a:p>
+        </p:txBody>
+      </p:sp>
+      <p:sp>
+        <p:nvSpPr>
+          <p:cNvPr id="23" name="Oval 60">
+            <a:extLst>
+              <a:ext uri="{FF2B5EF4-FFF2-40B4-BE49-F238E27FC236}">
+                <a16:creationId xmlns:a16="http://schemas.microsoft.com/office/drawing/2014/main" id="{FCE122AE-5499-0FD6-FC8E-C1CC58C6646C}"/>
+              </a:ext>
+            </a:extLst>
+          </p:cNvPr>
+          <p:cNvSpPr/>
+          <p:nvPr/>
+        </p:nvSpPr>
+        <p:spPr>
+          <a:xfrm>
+            <a:off x="4768365" y="2099757"/>
+            <a:ext cx="1025215" cy="1025215"/>
+          </a:xfrm>
+          <a:prstGeom prst="ellipse">
+            <a:avLst/>
+          </a:prstGeom>
+          <a:solidFill>
+            <a:srgbClr val="DBDBDB"/>
+          </a:solidFill>
+          <a:ln>
+            <a:noFill/>
+          </a:ln>
+        </p:spPr>
+        <p:style>
+          <a:lnRef idx="2">
+            <a:schemeClr val="accent1">
+              <a:shade val="50000"/>
+            </a:schemeClr>
+          </a:lnRef>
+          <a:fillRef idx="1">
+            <a:schemeClr val="accent1"/>
+          </a:fillRef>
+          <a:effectRef idx="0">
+            <a:schemeClr val="accent1"/>
+          </a:effectRef>
+          <a:fontRef idx="minor">
+            <a:schemeClr val="lt1"/>
+          </a:fontRef>
+        </p:style>
+        <p:txBody>
+          <a:bodyPr rtlCol="0" anchor="ctr"/>
+          <a:lstStyle>
+            <a:defPPr>
+              <a:defRPr lang="fr-FR"/>
+            </a:defPPr>
+            <a:lvl1pPr marL="0" algn="l" defTabSz="914354" rtl="0" eaLnBrk="1" latinLnBrk="0" hangingPunct="1">
+              <a:defRPr sz="1800" kern="1200">
+                <a:solidFill>
+                  <a:schemeClr val="lt1"/>
+                </a:solidFill>
+                <a:latin typeface="+mn-lt"/>
+                <a:ea typeface="+mn-ea"/>
+                <a:cs typeface="+mn-cs"/>
+              </a:defRPr>
+            </a:lvl1pPr>
+            <a:lvl2pPr marL="457178" algn="l" defTabSz="914354" rtl="0" eaLnBrk="1" latinLnBrk="0" hangingPunct="1">
+              <a:defRPr sz="1800" kern="1200">
+                <a:solidFill>
+                  <a:schemeClr val="lt1"/>
+                </a:solidFill>
+                <a:latin typeface="+mn-lt"/>
+                <a:ea typeface="+mn-ea"/>
+                <a:cs typeface="+mn-cs"/>
+              </a:defRPr>
+            </a:lvl2pPr>
+            <a:lvl3pPr marL="914354" algn="l" defTabSz="914354" rtl="0" eaLnBrk="1" latinLnBrk="0" hangingPunct="1">
+              <a:defRPr sz="1800" kern="1200">
+                <a:solidFill>
+                  <a:schemeClr val="lt1"/>
+                </a:solidFill>
+                <a:latin typeface="+mn-lt"/>
+                <a:ea typeface="+mn-ea"/>
+                <a:cs typeface="+mn-cs"/>
+              </a:defRPr>
+            </a:lvl3pPr>
+            <a:lvl4pPr marL="1371532" algn="l" defTabSz="914354" rtl="0" eaLnBrk="1" latinLnBrk="0" hangingPunct="1">
+              <a:defRPr sz="1800" kern="1200">
+                <a:solidFill>
+                  <a:schemeClr val="lt1"/>
+                </a:solidFill>
+                <a:latin typeface="+mn-lt"/>
+                <a:ea typeface="+mn-ea"/>
+                <a:cs typeface="+mn-cs"/>
+              </a:defRPr>
+            </a:lvl4pPr>
+            <a:lvl5pPr marL="1828709" algn="l" defTabSz="914354" rtl="0" eaLnBrk="1" latinLnBrk="0" hangingPunct="1">
+              <a:defRPr sz="1800" kern="1200">
+                <a:solidFill>
+                  <a:schemeClr val="lt1"/>
+                </a:solidFill>
+                <a:latin typeface="+mn-lt"/>
+                <a:ea typeface="+mn-ea"/>
+                <a:cs typeface="+mn-cs"/>
+              </a:defRPr>
+            </a:lvl5pPr>
+            <a:lvl6pPr marL="2285886" algn="l" defTabSz="914354" rtl="0" eaLnBrk="1" latinLnBrk="0" hangingPunct="1">
+              <a:defRPr sz="1800" kern="1200">
+                <a:solidFill>
+                  <a:schemeClr val="lt1"/>
+                </a:solidFill>
+                <a:latin typeface="+mn-lt"/>
+                <a:ea typeface="+mn-ea"/>
+                <a:cs typeface="+mn-cs"/>
+              </a:defRPr>
+            </a:lvl6pPr>
+            <a:lvl7pPr marL="2743062" algn="l" defTabSz="914354" rtl="0" eaLnBrk="1" latinLnBrk="0" hangingPunct="1">
+              <a:defRPr sz="1800" kern="1200">
+                <a:solidFill>
+                  <a:schemeClr val="lt1"/>
+                </a:solidFill>
+                <a:latin typeface="+mn-lt"/>
+                <a:ea typeface="+mn-ea"/>
+                <a:cs typeface="+mn-cs"/>
+              </a:defRPr>
+            </a:lvl7pPr>
+            <a:lvl8pPr marL="3200240" algn="l" defTabSz="914354" rtl="0" eaLnBrk="1" latinLnBrk="0" hangingPunct="1">
+              <a:defRPr sz="1800" kern="1200">
+                <a:solidFill>
+                  <a:schemeClr val="lt1"/>
+                </a:solidFill>
+                <a:latin typeface="+mn-lt"/>
+                <a:ea typeface="+mn-ea"/>
+                <a:cs typeface="+mn-cs"/>
+              </a:defRPr>
+            </a:lvl8pPr>
+            <a:lvl9pPr marL="3657418" algn="l" defTabSz="914354" rtl="0" eaLnBrk="1" latinLnBrk="0" hangingPunct="1">
+              <a:defRPr sz="1800" kern="1200">
+                <a:solidFill>
+                  <a:schemeClr val="lt1"/>
+                </a:solidFill>
+                <a:latin typeface="+mn-lt"/>
+                <a:ea typeface="+mn-ea"/>
+                <a:cs typeface="+mn-cs"/>
+              </a:defRPr>
+            </a:lvl9pPr>
+          </a:lstStyle>
+          <a:p>
+            <a:pPr algn="ctr"/>
+            <a:endParaRPr lang="en-US"/>
+          </a:p>
+        </p:txBody>
+      </p:sp>
+      <p:sp>
+        <p:nvSpPr>
+          <p:cNvPr id="24" name="Oval 61">
+            <a:extLst>
+              <a:ext uri="{FF2B5EF4-FFF2-40B4-BE49-F238E27FC236}">
+                <a16:creationId xmlns:a16="http://schemas.microsoft.com/office/drawing/2014/main" id="{5A1F47F2-5F7E-9B11-C4C4-BB134BC07760}"/>
+              </a:ext>
+            </a:extLst>
+          </p:cNvPr>
+          <p:cNvSpPr/>
+          <p:nvPr/>
+        </p:nvSpPr>
+        <p:spPr>
+          <a:xfrm>
+            <a:off x="4768365" y="3733033"/>
+            <a:ext cx="1025215" cy="1025215"/>
+          </a:xfrm>
+          <a:prstGeom prst="ellipse">
+            <a:avLst/>
+          </a:prstGeom>
+          <a:solidFill>
+            <a:srgbClr val="DBDBDB"/>
+          </a:solidFill>
+          <a:ln>
+            <a:noFill/>
+          </a:ln>
+        </p:spPr>
+        <p:style>
+          <a:lnRef idx="2">
+            <a:schemeClr val="accent1">
+              <a:shade val="50000"/>
+            </a:schemeClr>
+          </a:lnRef>
+          <a:fillRef idx="1">
+            <a:schemeClr val="accent1"/>
+          </a:fillRef>
+          <a:effectRef idx="0">
+            <a:schemeClr val="accent1"/>
+          </a:effectRef>
+          <a:fontRef idx="minor">
+            <a:schemeClr val="lt1"/>
+          </a:fontRef>
+        </p:style>
+        <p:txBody>
+          <a:bodyPr rtlCol="0" anchor="ctr"/>
+          <a:lstStyle>
+            <a:defPPr>
+              <a:defRPr lang="fr-FR"/>
+            </a:defPPr>
+            <a:lvl1pPr marL="0" algn="l" defTabSz="914354" rtl="0" eaLnBrk="1" latinLnBrk="0" hangingPunct="1">
+              <a:defRPr sz="1800" kern="1200">
+                <a:solidFill>
+                  <a:schemeClr val="lt1"/>
+                </a:solidFill>
+                <a:latin typeface="+mn-lt"/>
+                <a:ea typeface="+mn-ea"/>
+                <a:cs typeface="+mn-cs"/>
+              </a:defRPr>
+            </a:lvl1pPr>
+            <a:lvl2pPr marL="457178" algn="l" defTabSz="914354" rtl="0" eaLnBrk="1" latinLnBrk="0" hangingPunct="1">
+              <a:defRPr sz="1800" kern="1200">
+                <a:solidFill>
+                  <a:schemeClr val="lt1"/>
+                </a:solidFill>
+                <a:latin typeface="+mn-lt"/>
+                <a:ea typeface="+mn-ea"/>
+                <a:cs typeface="+mn-cs"/>
+              </a:defRPr>
+            </a:lvl2pPr>
+            <a:lvl3pPr marL="914354" algn="l" defTabSz="914354" rtl="0" eaLnBrk="1" latinLnBrk="0" hangingPunct="1">
+              <a:defRPr sz="1800" kern="1200">
+                <a:solidFill>
+                  <a:schemeClr val="lt1"/>
+                </a:solidFill>
+                <a:latin typeface="+mn-lt"/>
+                <a:ea typeface="+mn-ea"/>
+                <a:cs typeface="+mn-cs"/>
+              </a:defRPr>
+            </a:lvl3pPr>
+            <a:lvl4pPr marL="1371532" algn="l" defTabSz="914354" rtl="0" eaLnBrk="1" latinLnBrk="0" hangingPunct="1">
+              <a:defRPr sz="1800" kern="1200">
+                <a:solidFill>
+                  <a:schemeClr val="lt1"/>
+                </a:solidFill>
+                <a:latin typeface="+mn-lt"/>
+                <a:ea typeface="+mn-ea"/>
+                <a:cs typeface="+mn-cs"/>
+              </a:defRPr>
+            </a:lvl4pPr>
+            <a:lvl5pPr marL="1828709" algn="l" defTabSz="914354" rtl="0" eaLnBrk="1" latinLnBrk="0" hangingPunct="1">
+              <a:defRPr sz="1800" kern="1200">
+                <a:solidFill>
+                  <a:schemeClr val="lt1"/>
+                </a:solidFill>
+                <a:latin typeface="+mn-lt"/>
+                <a:ea typeface="+mn-ea"/>
+                <a:cs typeface="+mn-cs"/>
+              </a:defRPr>
+            </a:lvl5pPr>
+            <a:lvl6pPr marL="2285886" algn="l" defTabSz="914354" rtl="0" eaLnBrk="1" latinLnBrk="0" hangingPunct="1">
+              <a:defRPr sz="1800" kern="1200">
+                <a:solidFill>
+                  <a:schemeClr val="lt1"/>
+                </a:solidFill>
+                <a:latin typeface="+mn-lt"/>
+                <a:ea typeface="+mn-ea"/>
+                <a:cs typeface="+mn-cs"/>
+              </a:defRPr>
+            </a:lvl6pPr>
+            <a:lvl7pPr marL="2743062" algn="l" defTabSz="914354" rtl="0" eaLnBrk="1" latinLnBrk="0" hangingPunct="1">
+              <a:defRPr sz="1800" kern="1200">
+                <a:solidFill>
+                  <a:schemeClr val="lt1"/>
+                </a:solidFill>
+                <a:latin typeface="+mn-lt"/>
+                <a:ea typeface="+mn-ea"/>
+                <a:cs typeface="+mn-cs"/>
+              </a:defRPr>
+            </a:lvl7pPr>
+            <a:lvl8pPr marL="3200240" algn="l" defTabSz="914354" rtl="0" eaLnBrk="1" latinLnBrk="0" hangingPunct="1">
+              <a:defRPr sz="1800" kern="1200">
+                <a:solidFill>
+                  <a:schemeClr val="lt1"/>
+                </a:solidFill>
+                <a:latin typeface="+mn-lt"/>
+                <a:ea typeface="+mn-ea"/>
+                <a:cs typeface="+mn-cs"/>
+              </a:defRPr>
+            </a:lvl8pPr>
+            <a:lvl9pPr marL="3657418" algn="l" defTabSz="914354" rtl="0" eaLnBrk="1" latinLnBrk="0" hangingPunct="1">
+              <a:defRPr sz="1800" kern="1200">
+                <a:solidFill>
+                  <a:schemeClr val="lt1"/>
+                </a:solidFill>
+                <a:latin typeface="+mn-lt"/>
+                <a:ea typeface="+mn-ea"/>
+                <a:cs typeface="+mn-cs"/>
+              </a:defRPr>
+            </a:lvl9pPr>
+          </a:lstStyle>
+          <a:p>
+            <a:pPr algn="ctr"/>
+            <a:endParaRPr lang="en-US"/>
+          </a:p>
+        </p:txBody>
+      </p:sp>
+      <p:sp>
+        <p:nvSpPr>
+          <p:cNvPr id="25" name="Oval 62">
+            <a:extLst>
+              <a:ext uri="{FF2B5EF4-FFF2-40B4-BE49-F238E27FC236}">
+                <a16:creationId xmlns:a16="http://schemas.microsoft.com/office/drawing/2014/main" id="{13D816CA-1E47-1E2D-D577-AB947CE601AE}"/>
+              </a:ext>
+            </a:extLst>
+          </p:cNvPr>
+          <p:cNvSpPr/>
+          <p:nvPr/>
+        </p:nvSpPr>
+        <p:spPr>
+          <a:xfrm>
+            <a:off x="4091973" y="5383247"/>
+            <a:ext cx="1025215" cy="1025215"/>
+          </a:xfrm>
+          <a:prstGeom prst="ellipse">
+            <a:avLst/>
+          </a:prstGeom>
+          <a:solidFill>
+            <a:srgbClr val="DBDBDB"/>
+          </a:solidFill>
+          <a:ln>
+            <a:noFill/>
+          </a:ln>
+        </p:spPr>
+        <p:style>
+          <a:lnRef idx="2">
+            <a:schemeClr val="accent1">
+              <a:shade val="50000"/>
+            </a:schemeClr>
+          </a:lnRef>
+          <a:fillRef idx="1">
+            <a:schemeClr val="accent1"/>
+          </a:fillRef>
+          <a:effectRef idx="0">
+            <a:schemeClr val="accent1"/>
+          </a:effectRef>
+          <a:fontRef idx="minor">
+            <a:schemeClr val="lt1"/>
+          </a:fontRef>
+        </p:style>
+        <p:txBody>
+          <a:bodyPr rtlCol="0" anchor="ctr"/>
+          <a:lstStyle>
+            <a:defPPr>
+              <a:defRPr lang="fr-FR"/>
+            </a:defPPr>
+            <a:lvl1pPr marL="0" algn="l" defTabSz="914354" rtl="0" eaLnBrk="1" latinLnBrk="0" hangingPunct="1">
+              <a:defRPr sz="1800" kern="1200">
+                <a:solidFill>
+                  <a:schemeClr val="lt1"/>
+                </a:solidFill>
+                <a:latin typeface="+mn-lt"/>
+                <a:ea typeface="+mn-ea"/>
+                <a:cs typeface="+mn-cs"/>
+              </a:defRPr>
+            </a:lvl1pPr>
+            <a:lvl2pPr marL="457178" algn="l" defTabSz="914354" rtl="0" eaLnBrk="1" latinLnBrk="0" hangingPunct="1">
+              <a:defRPr sz="1800" kern="1200">
+                <a:solidFill>
+                  <a:schemeClr val="lt1"/>
+                </a:solidFill>
+                <a:latin typeface="+mn-lt"/>
+                <a:ea typeface="+mn-ea"/>
+                <a:cs typeface="+mn-cs"/>
+              </a:defRPr>
+            </a:lvl2pPr>
+            <a:lvl3pPr marL="914354" algn="l" defTabSz="914354" rtl="0" eaLnBrk="1" latinLnBrk="0" hangingPunct="1">
+              <a:defRPr sz="1800" kern="1200">
+                <a:solidFill>
+                  <a:schemeClr val="lt1"/>
+                </a:solidFill>
+                <a:latin typeface="+mn-lt"/>
+                <a:ea typeface="+mn-ea"/>
+                <a:cs typeface="+mn-cs"/>
+              </a:defRPr>
+            </a:lvl3pPr>
+            <a:lvl4pPr marL="1371532" algn="l" defTabSz="914354" rtl="0" eaLnBrk="1" latinLnBrk="0" hangingPunct="1">
+              <a:defRPr sz="1800" kern="1200">
+                <a:solidFill>
+                  <a:schemeClr val="lt1"/>
+                </a:solidFill>
+                <a:latin typeface="+mn-lt"/>
+                <a:ea typeface="+mn-ea"/>
+                <a:cs typeface="+mn-cs"/>
+              </a:defRPr>
+            </a:lvl4pPr>
+            <a:lvl5pPr marL="1828709" algn="l" defTabSz="914354" rtl="0" eaLnBrk="1" latinLnBrk="0" hangingPunct="1">
+              <a:defRPr sz="1800" kern="1200">
+                <a:solidFill>
+                  <a:schemeClr val="lt1"/>
+                </a:solidFill>
+                <a:latin typeface="+mn-lt"/>
+                <a:ea typeface="+mn-ea"/>
+                <a:cs typeface="+mn-cs"/>
+              </a:defRPr>
+            </a:lvl5pPr>
+            <a:lvl6pPr marL="2285886" algn="l" defTabSz="914354" rtl="0" eaLnBrk="1" latinLnBrk="0" hangingPunct="1">
+              <a:defRPr sz="1800" kern="1200">
+                <a:solidFill>
+                  <a:schemeClr val="lt1"/>
+                </a:solidFill>
+                <a:latin typeface="+mn-lt"/>
+                <a:ea typeface="+mn-ea"/>
+                <a:cs typeface="+mn-cs"/>
+              </a:defRPr>
+            </a:lvl6pPr>
+            <a:lvl7pPr marL="2743062" algn="l" defTabSz="914354" rtl="0" eaLnBrk="1" latinLnBrk="0" hangingPunct="1">
+              <a:defRPr sz="1800" kern="1200">
+                <a:solidFill>
+                  <a:schemeClr val="lt1"/>
+                </a:solidFill>
+                <a:latin typeface="+mn-lt"/>
+                <a:ea typeface="+mn-ea"/>
+                <a:cs typeface="+mn-cs"/>
+              </a:defRPr>
+            </a:lvl7pPr>
+            <a:lvl8pPr marL="3200240" algn="l" defTabSz="914354" rtl="0" eaLnBrk="1" latinLnBrk="0" hangingPunct="1">
+              <a:defRPr sz="1800" kern="1200">
+                <a:solidFill>
+                  <a:schemeClr val="lt1"/>
+                </a:solidFill>
+                <a:latin typeface="+mn-lt"/>
+                <a:ea typeface="+mn-ea"/>
+                <a:cs typeface="+mn-cs"/>
+              </a:defRPr>
+            </a:lvl8pPr>
+            <a:lvl9pPr marL="3657418" algn="l" defTabSz="914354" rtl="0" eaLnBrk="1" latinLnBrk="0" hangingPunct="1">
+              <a:defRPr sz="1800" kern="1200">
+                <a:solidFill>
+                  <a:schemeClr val="lt1"/>
+                </a:solidFill>
+                <a:latin typeface="+mn-lt"/>
+                <a:ea typeface="+mn-ea"/>
+                <a:cs typeface="+mn-cs"/>
+              </a:defRPr>
+            </a:lvl9pPr>
+          </a:lstStyle>
+          <a:p>
+            <a:pPr algn="ctr"/>
+            <a:endParaRPr lang="en-US" dirty="0"/>
+          </a:p>
+        </p:txBody>
+      </p:sp>
+      <p:sp>
+        <p:nvSpPr>
+          <p:cNvPr id="27" name="Shape 2587">
+            <a:extLst>
+              <a:ext uri="{FF2B5EF4-FFF2-40B4-BE49-F238E27FC236}">
+                <a16:creationId xmlns:a16="http://schemas.microsoft.com/office/drawing/2014/main" id="{5C735A09-B8CF-DDD2-214B-E1DD863697E0}"/>
+              </a:ext>
+            </a:extLst>
+          </p:cNvPr>
+          <p:cNvSpPr/>
+          <p:nvPr/>
+        </p:nvSpPr>
+        <p:spPr>
+          <a:xfrm>
+            <a:off x="4309958" y="654531"/>
+            <a:ext cx="570568" cy="570568"/>
+          </a:xfrm>
+          <a:custGeom>
+            <a:avLst/>
+            <a:gdLst/>
+            <a:ahLst/>
+            <a:cxnLst>
+              <a:cxn ang="0">
+                <a:pos x="wd2" y="hd2"/>
+              </a:cxn>
+              <a:cxn ang="5400000">
+                <a:pos x="wd2" y="hd2"/>
+              </a:cxn>
+              <a:cxn ang="10800000">
+                <a:pos x="wd2" y="hd2"/>
+              </a:cxn>
+              <a:cxn ang="16200000">
+                <a:pos x="wd2" y="hd2"/>
+              </a:cxn>
+            </a:cxnLst>
+            <a:rect l="0" t="0" r="r" b="b"/>
+            <a:pathLst>
+              <a:path w="21600" h="21600" extrusionOk="0">
+                <a:moveTo>
+                  <a:pt x="12281" y="19846"/>
+                </a:moveTo>
+                <a:lnTo>
+                  <a:pt x="9413" y="12882"/>
+                </a:lnTo>
+                <a:lnTo>
+                  <a:pt x="19655" y="2640"/>
+                </a:lnTo>
+                <a:cubicBezTo>
+                  <a:pt x="19655" y="2640"/>
+                  <a:pt x="12281" y="19846"/>
+                  <a:pt x="12281" y="19846"/>
+                </a:cubicBezTo>
+                <a:close/>
+                <a:moveTo>
+                  <a:pt x="1755" y="9320"/>
+                </a:moveTo>
+                <a:lnTo>
+                  <a:pt x="18960" y="1945"/>
+                </a:lnTo>
+                <a:lnTo>
+                  <a:pt x="8719" y="12187"/>
+                </a:lnTo>
+                <a:cubicBezTo>
+                  <a:pt x="8719" y="12187"/>
+                  <a:pt x="1755" y="9320"/>
+                  <a:pt x="1755" y="9320"/>
+                </a:cubicBezTo>
+                <a:close/>
+                <a:moveTo>
+                  <a:pt x="21600" y="491"/>
+                </a:moveTo>
+                <a:cubicBezTo>
+                  <a:pt x="21600" y="220"/>
+                  <a:pt x="21380" y="0"/>
+                  <a:pt x="21109" y="0"/>
+                </a:cubicBezTo>
+                <a:cubicBezTo>
+                  <a:pt x="21034" y="0"/>
+                  <a:pt x="20964" y="20"/>
+                  <a:pt x="20900" y="52"/>
+                </a:cubicBezTo>
+                <a:lnTo>
+                  <a:pt x="20898" y="48"/>
+                </a:lnTo>
+                <a:lnTo>
+                  <a:pt x="302" y="8875"/>
+                </a:lnTo>
+                <a:cubicBezTo>
+                  <a:pt x="301" y="8875"/>
+                  <a:pt x="299" y="8876"/>
+                  <a:pt x="297" y="8877"/>
+                </a:cubicBezTo>
+                <a:lnTo>
+                  <a:pt x="280" y="8885"/>
+                </a:lnTo>
+                <a:lnTo>
+                  <a:pt x="281" y="8887"/>
+                </a:lnTo>
+                <a:cubicBezTo>
+                  <a:pt x="116" y="8967"/>
+                  <a:pt x="0" y="9132"/>
+                  <a:pt x="0" y="9327"/>
+                </a:cubicBezTo>
+                <a:cubicBezTo>
+                  <a:pt x="0" y="9550"/>
+                  <a:pt x="151" y="9731"/>
+                  <a:pt x="355" y="9791"/>
+                </a:cubicBezTo>
+                <a:lnTo>
+                  <a:pt x="353" y="9799"/>
+                </a:lnTo>
+                <a:lnTo>
+                  <a:pt x="8462" y="13138"/>
+                </a:lnTo>
+                <a:lnTo>
+                  <a:pt x="11801" y="21248"/>
+                </a:lnTo>
+                <a:lnTo>
+                  <a:pt x="11809" y="21245"/>
+                </a:lnTo>
+                <a:cubicBezTo>
+                  <a:pt x="11869" y="21449"/>
+                  <a:pt x="12050" y="21600"/>
+                  <a:pt x="12273" y="21600"/>
+                </a:cubicBezTo>
+                <a:cubicBezTo>
+                  <a:pt x="12468" y="21600"/>
+                  <a:pt x="12634" y="21484"/>
+                  <a:pt x="12713" y="21319"/>
+                </a:cubicBezTo>
+                <a:lnTo>
+                  <a:pt x="12716" y="21320"/>
+                </a:lnTo>
+                <a:lnTo>
+                  <a:pt x="12723" y="21303"/>
+                </a:lnTo>
+                <a:cubicBezTo>
+                  <a:pt x="12724" y="21301"/>
+                  <a:pt x="12725" y="21300"/>
+                  <a:pt x="12725" y="21298"/>
+                </a:cubicBezTo>
+                <a:lnTo>
+                  <a:pt x="21553" y="702"/>
+                </a:lnTo>
+                <a:lnTo>
+                  <a:pt x="21547" y="699"/>
+                </a:lnTo>
+                <a:cubicBezTo>
+                  <a:pt x="21578" y="636"/>
+                  <a:pt x="21600" y="567"/>
+                  <a:pt x="21600" y="491"/>
+                </a:cubicBezTo>
+                <a:moveTo>
+                  <a:pt x="7855" y="16200"/>
+                </a:moveTo>
+                <a:cubicBezTo>
+                  <a:pt x="7719" y="16200"/>
+                  <a:pt x="7596" y="16255"/>
+                  <a:pt x="7507" y="16344"/>
+                </a:cubicBezTo>
+                <a:lnTo>
+                  <a:pt x="6035" y="17817"/>
+                </a:lnTo>
+                <a:cubicBezTo>
+                  <a:pt x="5946" y="17905"/>
+                  <a:pt x="5891" y="18029"/>
+                  <a:pt x="5891" y="18164"/>
+                </a:cubicBezTo>
+                <a:cubicBezTo>
+                  <a:pt x="5891" y="18435"/>
+                  <a:pt x="6111" y="18655"/>
+                  <a:pt x="6382" y="18655"/>
+                </a:cubicBezTo>
+                <a:cubicBezTo>
+                  <a:pt x="6517" y="18655"/>
+                  <a:pt x="6640" y="18600"/>
+                  <a:pt x="6729" y="18511"/>
+                </a:cubicBezTo>
+                <a:lnTo>
+                  <a:pt x="8202" y="17038"/>
+                </a:lnTo>
+                <a:cubicBezTo>
+                  <a:pt x="8291" y="16950"/>
+                  <a:pt x="8345" y="16827"/>
+                  <a:pt x="8345" y="16691"/>
+                </a:cubicBezTo>
+                <a:cubicBezTo>
+                  <a:pt x="8345" y="16420"/>
+                  <a:pt x="8126" y="16200"/>
+                  <a:pt x="7855" y="16200"/>
+                </a:cubicBezTo>
+                <a:moveTo>
+                  <a:pt x="7855" y="14237"/>
+                </a:moveTo>
+                <a:cubicBezTo>
+                  <a:pt x="7855" y="13966"/>
+                  <a:pt x="7635" y="13745"/>
+                  <a:pt x="7364" y="13745"/>
+                </a:cubicBezTo>
+                <a:cubicBezTo>
+                  <a:pt x="7228" y="13745"/>
+                  <a:pt x="7105" y="13801"/>
+                  <a:pt x="7017" y="13889"/>
+                </a:cubicBezTo>
+                <a:lnTo>
+                  <a:pt x="2107" y="18798"/>
+                </a:lnTo>
+                <a:cubicBezTo>
+                  <a:pt x="2019" y="18888"/>
+                  <a:pt x="1964" y="19011"/>
+                  <a:pt x="1964" y="19145"/>
+                </a:cubicBezTo>
+                <a:cubicBezTo>
+                  <a:pt x="1964" y="19417"/>
+                  <a:pt x="2184" y="19636"/>
+                  <a:pt x="2455" y="19636"/>
+                </a:cubicBezTo>
+                <a:cubicBezTo>
+                  <a:pt x="2590" y="19636"/>
+                  <a:pt x="2713" y="19582"/>
+                  <a:pt x="2802" y="19493"/>
+                </a:cubicBezTo>
+                <a:lnTo>
+                  <a:pt x="7711" y="14583"/>
+                </a:lnTo>
+                <a:cubicBezTo>
+                  <a:pt x="7800" y="14495"/>
+                  <a:pt x="7855" y="14372"/>
+                  <a:pt x="7855" y="14237"/>
+                </a:cubicBezTo>
+                <a:moveTo>
+                  <a:pt x="4765" y="14583"/>
+                </a:moveTo>
+                <a:lnTo>
+                  <a:pt x="5256" y="14093"/>
+                </a:lnTo>
+                <a:cubicBezTo>
+                  <a:pt x="5345" y="14004"/>
+                  <a:pt x="5400" y="13881"/>
+                  <a:pt x="5400" y="13745"/>
+                </a:cubicBezTo>
+                <a:cubicBezTo>
+                  <a:pt x="5400" y="13475"/>
+                  <a:pt x="5180" y="13255"/>
+                  <a:pt x="4909" y="13255"/>
+                </a:cubicBezTo>
+                <a:cubicBezTo>
+                  <a:pt x="4774" y="13255"/>
+                  <a:pt x="4651" y="13310"/>
+                  <a:pt x="4562" y="13398"/>
+                </a:cubicBezTo>
+                <a:lnTo>
+                  <a:pt x="4071" y="13889"/>
+                </a:lnTo>
+                <a:cubicBezTo>
+                  <a:pt x="3982" y="13979"/>
+                  <a:pt x="3927" y="14101"/>
+                  <a:pt x="3927" y="14237"/>
+                </a:cubicBezTo>
+                <a:cubicBezTo>
+                  <a:pt x="3927" y="14507"/>
+                  <a:pt x="4147" y="14727"/>
+                  <a:pt x="4418" y="14727"/>
+                </a:cubicBezTo>
+                <a:cubicBezTo>
+                  <a:pt x="4554" y="14727"/>
+                  <a:pt x="4676" y="14673"/>
+                  <a:pt x="4765" y="14583"/>
+                </a:cubicBezTo>
+              </a:path>
+            </a:pathLst>
+          </a:custGeom>
+          <a:solidFill>
+            <a:srgbClr val="53585F"/>
+          </a:solidFill>
+          <a:ln w="12700">
+            <a:miter lim="400000"/>
+          </a:ln>
+        </p:spPr>
+        <p:txBody>
+          <a:bodyPr lIns="19045" tIns="19045" rIns="19045" bIns="19045" anchor="ctr"/>
+          <a:lstStyle>
+            <a:defPPr>
+              <a:defRPr lang="fr-FR"/>
+            </a:defPPr>
+            <a:lvl1pPr marL="0" algn="l" defTabSz="914354" rtl="0" eaLnBrk="1" latinLnBrk="0" hangingPunct="1">
+              <a:defRPr sz="1800" kern="1200">
+                <a:solidFill>
+                  <a:schemeClr val="tx1"/>
+                </a:solidFill>
+                <a:latin typeface="+mn-lt"/>
+                <a:ea typeface="+mn-ea"/>
+                <a:cs typeface="+mn-cs"/>
+              </a:defRPr>
+            </a:lvl1pPr>
+            <a:lvl2pPr marL="457178" algn="l" defTabSz="914354" rtl="0" eaLnBrk="1" latinLnBrk="0" hangingPunct="1">
+              <a:defRPr sz="1800" kern="1200">
+                <a:solidFill>
+                  <a:schemeClr val="tx1"/>
+                </a:solidFill>
+                <a:latin typeface="+mn-lt"/>
+                <a:ea typeface="+mn-ea"/>
+                <a:cs typeface="+mn-cs"/>
+              </a:defRPr>
+            </a:lvl2pPr>
+            <a:lvl3pPr marL="914354" algn="l" defTabSz="914354" rtl="0" eaLnBrk="1" latinLnBrk="0" hangingPunct="1">
+              <a:defRPr sz="1800" kern="1200">
+                <a:solidFill>
+                  <a:schemeClr val="tx1"/>
+                </a:solidFill>
+                <a:latin typeface="+mn-lt"/>
+                <a:ea typeface="+mn-ea"/>
+                <a:cs typeface="+mn-cs"/>
+              </a:defRPr>
+            </a:lvl3pPr>
+            <a:lvl4pPr marL="1371532" algn="l" defTabSz="914354" rtl="0" eaLnBrk="1" latinLnBrk="0" hangingPunct="1">
+              <a:defRPr sz="1800" kern="1200">
+                <a:solidFill>
+                  <a:schemeClr val="tx1"/>
+                </a:solidFill>
+                <a:latin typeface="+mn-lt"/>
+                <a:ea typeface="+mn-ea"/>
+                <a:cs typeface="+mn-cs"/>
+              </a:defRPr>
+            </a:lvl4pPr>
+            <a:lvl5pPr marL="1828709" algn="l" defTabSz="914354" rtl="0" eaLnBrk="1" latinLnBrk="0" hangingPunct="1">
+              <a:defRPr sz="1800" kern="1200">
+                <a:solidFill>
+                  <a:schemeClr val="tx1"/>
+                </a:solidFill>
+                <a:latin typeface="+mn-lt"/>
+                <a:ea typeface="+mn-ea"/>
+                <a:cs typeface="+mn-cs"/>
+              </a:defRPr>
+            </a:lvl5pPr>
+            <a:lvl6pPr marL="2285886" algn="l" defTabSz="914354" rtl="0" eaLnBrk="1" latinLnBrk="0" hangingPunct="1">
+              <a:defRPr sz="1800" kern="1200">
+                <a:solidFill>
+                  <a:schemeClr val="tx1"/>
+                </a:solidFill>
+                <a:latin typeface="+mn-lt"/>
+                <a:ea typeface="+mn-ea"/>
+                <a:cs typeface="+mn-cs"/>
+              </a:defRPr>
+            </a:lvl6pPr>
+            <a:lvl7pPr marL="2743062" algn="l" defTabSz="914354" rtl="0" eaLnBrk="1" latinLnBrk="0" hangingPunct="1">
+              <a:defRPr sz="1800" kern="1200">
+                <a:solidFill>
+                  <a:schemeClr val="tx1"/>
+                </a:solidFill>
+                <a:latin typeface="+mn-lt"/>
+                <a:ea typeface="+mn-ea"/>
+                <a:cs typeface="+mn-cs"/>
+              </a:defRPr>
+            </a:lvl7pPr>
+            <a:lvl8pPr marL="3200240" algn="l" defTabSz="914354" rtl="0" eaLnBrk="1" latinLnBrk="0" hangingPunct="1">
+              <a:defRPr sz="1800" kern="1200">
+                <a:solidFill>
+                  <a:schemeClr val="tx1"/>
+                </a:solidFill>
+                <a:latin typeface="+mn-lt"/>
+                <a:ea typeface="+mn-ea"/>
+                <a:cs typeface="+mn-cs"/>
+              </a:defRPr>
+            </a:lvl8pPr>
+            <a:lvl9pPr marL="3657418" algn="l" defTabSz="914354" rtl="0" eaLnBrk="1" latinLnBrk="0" hangingPunct="1">
+              <a:defRPr sz="1800" kern="1200">
+                <a:solidFill>
+                  <a:schemeClr val="tx1"/>
+                </a:solidFill>
+                <a:latin typeface="+mn-lt"/>
+                <a:ea typeface="+mn-ea"/>
+                <a:cs typeface="+mn-cs"/>
+              </a:defRPr>
+            </a:lvl9pPr>
+          </a:lstStyle>
+          <a:p>
+            <a:pPr defTabSz="228532">
+              <a:defRPr sz="3000" cap="none">
+                <a:solidFill>
+                  <a:srgbClr val="FFFFFF"/>
+                </a:solidFill>
+                <a:effectLst>
+                  <a:outerShdw blurRad="38100" dist="12700" dir="5400000" rotWithShape="0">
+                    <a:srgbClr val="000000">
+                      <a:alpha val="50000"/>
+                    </a:srgbClr>
+                  </a:outerShdw>
+                </a:effectLst>
+                <a:latin typeface="Gill Sans"/>
+                <a:ea typeface="Gill Sans"/>
+                <a:cs typeface="Gill Sans"/>
+                <a:sym typeface="Gill Sans"/>
+              </a:defRPr>
+            </a:pPr>
+            <a:endParaRPr sz="1500"/>
+          </a:p>
+        </p:txBody>
+      </p:sp>
       <p:pic>
         <p:nvPicPr>
-          <p:cNvPr id="4" name="Image 3">
-            <a:extLst>
-              <a:ext uri="{FF2B5EF4-FFF2-40B4-BE49-F238E27FC236}">
-                <a16:creationId xmlns:a16="http://schemas.microsoft.com/office/drawing/2014/main" id="{A860983C-F903-ED9D-0B3F-188CFAA97071}"/>
+          <p:cNvPr id="39" name="Image 38">
+            <a:hlinkClick r:id="rId2" action="ppaction://hlinksldjump"/>
+            <a:extLst>
+              <a:ext uri="{FF2B5EF4-FFF2-40B4-BE49-F238E27FC236}">
+                <a16:creationId xmlns:a16="http://schemas.microsoft.com/office/drawing/2014/main" id="{D4807DC9-77E6-36BC-4DD4-16CC276C13B4}"/>
               </a:ext>
             </a:extLst>
           </p:cNvPr>
@@ -3353,27 +7071,212 @@
           <p:nvPr/>
         </p:nvPicPr>
         <p:blipFill>
-          <a:blip r:embed="rId2"/>
+          <a:blip r:embed="rId3">
+            <a:extLst>
+              <a:ext uri="{28A0092B-C50C-407E-A947-70E740481C1C}">
+                <a14:useLocalDpi xmlns:a14="http://schemas.microsoft.com/office/drawing/2010/main" val="0"/>
+              </a:ext>
+            </a:extLst>
+          </a:blip>
           <a:stretch>
             <a:fillRect/>
           </a:stretch>
         </p:blipFill>
         <p:spPr>
           <a:xfrm>
-            <a:off x="8603672" y="5485101"/>
-            <a:ext cx="3297383" cy="1155876"/>
+            <a:off x="4222039" y="622712"/>
+            <a:ext cx="744278" cy="670625"/>
           </a:xfrm>
           <a:prstGeom prst="rect">
             <a:avLst/>
           </a:prstGeom>
         </p:spPr>
       </p:pic>
+      <p:pic>
+        <p:nvPicPr>
+          <p:cNvPr id="42" name="Image 41">
+            <a:hlinkClick r:id="rId4" action="ppaction://hlinksldjump"/>
+            <a:extLst>
+              <a:ext uri="{FF2B5EF4-FFF2-40B4-BE49-F238E27FC236}">
+                <a16:creationId xmlns:a16="http://schemas.microsoft.com/office/drawing/2014/main" id="{1043F4A3-E315-D739-0A96-56823461E3A5}"/>
+              </a:ext>
+            </a:extLst>
+          </p:cNvPr>
+          <p:cNvPicPr>
+            <a:picLocks noChangeAspect="1"/>
+          </p:cNvPicPr>
+          <p:nvPr/>
+        </p:nvPicPr>
+        <p:blipFill>
+          <a:blip r:embed="rId3">
+            <a:extLst>
+              <a:ext uri="{28A0092B-C50C-407E-A947-70E740481C1C}">
+                <a14:useLocalDpi xmlns:a14="http://schemas.microsoft.com/office/drawing/2010/main" val="0"/>
+              </a:ext>
+            </a:extLst>
+          </a:blip>
+          <a:stretch>
+            <a:fillRect/>
+          </a:stretch>
+        </p:blipFill>
+        <p:spPr>
+          <a:xfrm>
+            <a:off x="4908832" y="2287648"/>
+            <a:ext cx="744278" cy="670625"/>
+          </a:xfrm>
+          <a:prstGeom prst="rect">
+            <a:avLst/>
+          </a:prstGeom>
+        </p:spPr>
+      </p:pic>
+      <p:pic>
+        <p:nvPicPr>
+          <p:cNvPr id="44" name="Image 43">
+            <a:hlinkClick r:id="rId5" action="ppaction://hlinksldjump"/>
+            <a:extLst>
+              <a:ext uri="{FF2B5EF4-FFF2-40B4-BE49-F238E27FC236}">
+                <a16:creationId xmlns:a16="http://schemas.microsoft.com/office/drawing/2014/main" id="{EF30907A-8079-0919-C714-69E8E8849D24}"/>
+              </a:ext>
+            </a:extLst>
+          </p:cNvPr>
+          <p:cNvPicPr>
+            <a:picLocks noChangeAspect="1"/>
+          </p:cNvPicPr>
+          <p:nvPr/>
+        </p:nvPicPr>
+        <p:blipFill>
+          <a:blip r:embed="rId6">
+            <a:extLst>
+              <a:ext uri="{28A0092B-C50C-407E-A947-70E740481C1C}">
+                <a14:useLocalDpi xmlns:a14="http://schemas.microsoft.com/office/drawing/2010/main" val="0"/>
+              </a:ext>
+            </a:extLst>
+          </a:blip>
+          <a:stretch>
+            <a:fillRect/>
+          </a:stretch>
+        </p:blipFill>
+        <p:spPr>
+          <a:xfrm>
+            <a:off x="4897785" y="3876619"/>
+            <a:ext cx="757982" cy="689411"/>
+          </a:xfrm>
+          <a:prstGeom prst="rect">
+            <a:avLst/>
+          </a:prstGeom>
+        </p:spPr>
+      </p:pic>
+      <p:pic>
+        <p:nvPicPr>
+          <p:cNvPr id="46" name="Image 45">
+            <a:hlinkClick r:id="rId7" action="ppaction://hlinksldjump"/>
+            <a:extLst>
+              <a:ext uri="{FF2B5EF4-FFF2-40B4-BE49-F238E27FC236}">
+                <a16:creationId xmlns:a16="http://schemas.microsoft.com/office/drawing/2014/main" id="{EA9732FE-D455-0B7D-EAE3-A9D933677E72}"/>
+              </a:ext>
+            </a:extLst>
+          </p:cNvPr>
+          <p:cNvPicPr>
+            <a:picLocks noChangeAspect="1"/>
+          </p:cNvPicPr>
+          <p:nvPr/>
+        </p:nvPicPr>
+        <p:blipFill>
+          <a:blip r:embed="rId8">
+            <a:extLst>
+              <a:ext uri="{28A0092B-C50C-407E-A947-70E740481C1C}">
+                <a14:useLocalDpi xmlns:a14="http://schemas.microsoft.com/office/drawing/2010/main" val="0"/>
+              </a:ext>
+            </a:extLst>
+          </a:blip>
+          <a:stretch>
+            <a:fillRect/>
+          </a:stretch>
+        </p:blipFill>
+        <p:spPr>
+          <a:xfrm>
+            <a:off x="4222040" y="5543805"/>
+            <a:ext cx="744278" cy="732076"/>
+          </a:xfrm>
+          <a:prstGeom prst="rect">
+            <a:avLst/>
+          </a:prstGeom>
+        </p:spPr>
+      </p:pic>
+      <p:pic>
+        <p:nvPicPr>
+          <p:cNvPr id="47" name="Image 46">
+            <a:extLst>
+              <a:ext uri="{FF2B5EF4-FFF2-40B4-BE49-F238E27FC236}">
+                <a16:creationId xmlns:a16="http://schemas.microsoft.com/office/drawing/2014/main" id="{570BEBF1-9EE9-9593-6D78-ECB2E32B5586}"/>
+              </a:ext>
+            </a:extLst>
+          </p:cNvPr>
+          <p:cNvPicPr>
+            <a:picLocks noChangeAspect="1"/>
+          </p:cNvPicPr>
+          <p:nvPr/>
+        </p:nvPicPr>
+        <p:blipFill>
+          <a:blip r:embed="rId9"/>
+          <a:stretch>
+            <a:fillRect/>
+          </a:stretch>
+        </p:blipFill>
+        <p:spPr>
+          <a:xfrm>
+            <a:off x="183389" y="5543805"/>
+            <a:ext cx="3297383" cy="1155876"/>
+          </a:xfrm>
+          <a:prstGeom prst="rect">
+            <a:avLst/>
+          </a:prstGeom>
+        </p:spPr>
+      </p:pic>
+    </p:spTree>
+    <p:extLst>
+      <p:ext uri="{BB962C8B-B14F-4D97-AF65-F5344CB8AC3E}">
+        <p14:creationId xmlns:p14="http://schemas.microsoft.com/office/powerpoint/2010/main" val="3874250138"/>
+      </p:ext>
+    </p:extLst>
+  </p:cSld>
+  <p:clrMapOvr>
+    <a:masterClrMapping/>
+  </p:clrMapOvr>
+</p:sld>
+</file>
+
+<file path=ppt/slides/slide10.xml><?xml version="1.0" encoding="utf-8"?>
+<p:sld xmlns:a="http://schemas.openxmlformats.org/drawingml/2006/main" xmlns:r="http://schemas.openxmlformats.org/officeDocument/2006/relationships" xmlns:p="http://schemas.openxmlformats.org/presentationml/2006/main">
+  <p:cSld>
+    <p:bg>
+      <p:bgPr>
+        <a:solidFill>
+          <a:srgbClr val="FFF4E8"/>
+        </a:solidFill>
+        <a:effectLst/>
+      </p:bgPr>
+    </p:bg>
+    <p:spTree>
+      <p:nvGrpSpPr>
+        <p:cNvPr id="1" name=""/>
+        <p:cNvGrpSpPr/>
+        <p:nvPr/>
+      </p:nvGrpSpPr>
+      <p:grpSpPr>
+        <a:xfrm>
+          <a:off x="0" y="0"/>
+          <a:ext cx="0" cy="0"/>
+          <a:chOff x="0" y="0"/>
+          <a:chExt cx="0" cy="0"/>
+        </a:xfrm>
+      </p:grpSpPr>
       <p:sp>
         <p:nvSpPr>
           <p:cNvPr id="2" name="ZoneTexte 1">
             <a:extLst>
               <a:ext uri="{FF2B5EF4-FFF2-40B4-BE49-F238E27FC236}">
-                <a16:creationId xmlns:a16="http://schemas.microsoft.com/office/drawing/2014/main" id="{B2E233A2-0727-3855-9B44-6D9379EE187B}"/>
+                <a16:creationId xmlns:a16="http://schemas.microsoft.com/office/drawing/2014/main" id="{74D2CB32-CC20-80D7-809C-FFE814DE9B73}"/>
               </a:ext>
             </a:extLst>
           </p:cNvPr>
@@ -3382,8 +7285,8 @@
         </p:nvSpPr>
         <p:spPr>
           <a:xfrm>
-            <a:off x="3200400" y="736600"/>
-            <a:ext cx="5791200" cy="461665"/>
+            <a:off x="4578349" y="-65679"/>
+            <a:ext cx="3775941" cy="830997"/>
           </a:xfrm>
           <a:prstGeom prst="rect">
             <a:avLst/>
@@ -3397,14 +7300,12 @@
           <a:lstStyle/>
           <a:p>
             <a:r>
-              <a:rPr lang="fr-FR" sz="2400" dirty="0">
-                <a:solidFill>
-                  <a:schemeClr val="accent6">
-                    <a:lumMod val="50000"/>
-                  </a:schemeClr>
+              <a:rPr lang="fr-FR" sz="4800" dirty="0">
+                <a:solidFill>
+                  <a:srgbClr val="6B37C9"/>
                 </a:solidFill>
               </a:rPr>
-              <a:t>Veille sur les différents Framework React</a:t>
+              <a:t>API Instagram</a:t>
             </a:r>
           </a:p>
         </p:txBody>
@@ -3414,7 +7315,7 @@
           <p:cNvPr id="3" name="ZoneTexte 2">
             <a:extLst>
               <a:ext uri="{FF2B5EF4-FFF2-40B4-BE49-F238E27FC236}">
-                <a16:creationId xmlns:a16="http://schemas.microsoft.com/office/drawing/2014/main" id="{E1369458-DB1E-9CCA-8746-FA9B41F39AA1}"/>
+                <a16:creationId xmlns:a16="http://schemas.microsoft.com/office/drawing/2014/main" id="{D6687909-5272-CA75-A63F-2A270650031A}"/>
               </a:ext>
             </a:extLst>
           </p:cNvPr>
@@ -3423,8 +7324,8 @@
         </p:nvSpPr>
         <p:spPr>
           <a:xfrm>
-            <a:off x="2362200" y="2336800"/>
-            <a:ext cx="3530600" cy="369332"/>
+            <a:off x="1551709" y="1230157"/>
+            <a:ext cx="2034596" cy="369332"/>
           </a:xfrm>
           <a:prstGeom prst="rect">
             <a:avLst/>
@@ -3432,24 +7333,332 @@
           <a:noFill/>
         </p:spPr>
         <p:txBody>
+          <a:bodyPr wrap="none" rtlCol="0">
+            <a:spAutoFit/>
+          </a:bodyPr>
+          <a:lstStyle/>
+          <a:p>
+            <a:r>
+              <a:rPr lang="fr-FR" u="sng" dirty="0">
+                <a:solidFill>
+                  <a:srgbClr val="6B37C9"/>
+                </a:solidFill>
+              </a:rPr>
+              <a:t>Ce qu’il faut savoir :</a:t>
+            </a:r>
+          </a:p>
+        </p:txBody>
+      </p:sp>
+      <p:sp>
+        <p:nvSpPr>
+          <p:cNvPr id="4" name="ZoneTexte 3">
+            <a:extLst>
+              <a:ext uri="{FF2B5EF4-FFF2-40B4-BE49-F238E27FC236}">
+                <a16:creationId xmlns:a16="http://schemas.microsoft.com/office/drawing/2014/main" id="{F1DE0AFF-6D77-48D3-BD3F-2AB193F3F692}"/>
+              </a:ext>
+            </a:extLst>
+          </p:cNvPr>
+          <p:cNvSpPr txBox="1"/>
+          <p:nvPr/>
+        </p:nvSpPr>
+        <p:spPr>
+          <a:xfrm>
+            <a:off x="831272" y="2050474"/>
+            <a:ext cx="10224655" cy="3693319"/>
+          </a:xfrm>
+          <a:prstGeom prst="rect">
+            <a:avLst/>
+          </a:prstGeom>
+          <a:noFill/>
+        </p:spPr>
+        <p:txBody>
           <a:bodyPr wrap="square" rtlCol="0">
             <a:spAutoFit/>
           </a:bodyPr>
           <a:lstStyle/>
           <a:p>
             <a:r>
-              <a:rPr lang="fr-FR" dirty="0"/>
-              <a:t>React Modal</a:t>
-            </a:r>
-          </a:p>
-        </p:txBody>
-      </p:sp>
-      <p:sp>
-        <p:nvSpPr>
-          <p:cNvPr id="5" name="ZoneTexte 4">
-            <a:extLst>
-              <a:ext uri="{FF2B5EF4-FFF2-40B4-BE49-F238E27FC236}">
-                <a16:creationId xmlns:a16="http://schemas.microsoft.com/office/drawing/2014/main" id="{78638BBF-C514-E69E-3488-8FE4F60D702F}"/>
+              <a:rPr lang="fr-FR" dirty="0">
+                <a:solidFill>
+                  <a:srgbClr val="6B37C9"/>
+                </a:solidFill>
+              </a:rPr>
+              <a:t>Instagram a changer sa politique concernant son API et la possibilités de poster sur un compte via celle-ci, voici quelques règles a respecter : </a:t>
+            </a:r>
+          </a:p>
+          <a:p>
+            <a:endParaRPr lang="fr-FR" dirty="0">
+              <a:solidFill>
+                <a:srgbClr val="6B37C9"/>
+              </a:solidFill>
+            </a:endParaRPr>
+          </a:p>
+          <a:p>
+            <a:pPr marL="285750" indent="-285750">
+              <a:buFont typeface="Arial" panose="020B0604020202020204" pitchFamily="34" charset="0"/>
+              <a:buChar char="•"/>
+            </a:pPr>
+            <a:r>
+              <a:rPr lang="fr-FR" dirty="0">
+                <a:solidFill>
+                  <a:srgbClr val="6B37C9"/>
+                </a:solidFill>
+              </a:rPr>
+              <a:t>L’API (content </a:t>
+            </a:r>
+            <a:r>
+              <a:rPr lang="fr-FR" dirty="0" err="1">
+                <a:solidFill>
+                  <a:srgbClr val="6B37C9"/>
+                </a:solidFill>
+              </a:rPr>
+              <a:t>publishing</a:t>
+            </a:r>
+            <a:r>
+              <a:rPr lang="fr-FR" dirty="0">
+                <a:solidFill>
+                  <a:srgbClr val="6B37C9"/>
+                </a:solidFill>
+              </a:rPr>
+              <a:t>) prendra en charge la planification de photos et vidéos uniquement pour les comptes Instagram Business.</a:t>
+            </a:r>
+          </a:p>
+          <a:p>
+            <a:pPr marL="285750" indent="-285750">
+              <a:buFont typeface="Arial" panose="020B0604020202020204" pitchFamily="34" charset="0"/>
+              <a:buChar char="•"/>
+            </a:pPr>
+            <a:endParaRPr lang="fr-FR" dirty="0">
+              <a:solidFill>
+                <a:srgbClr val="6B37C9"/>
+              </a:solidFill>
+            </a:endParaRPr>
+          </a:p>
+          <a:p>
+            <a:pPr marL="285750" indent="-285750">
+              <a:buFont typeface="Arial" panose="020B0604020202020204" pitchFamily="34" charset="0"/>
+              <a:buChar char="•"/>
+            </a:pPr>
+            <a:r>
+              <a:rPr lang="fr-FR" dirty="0">
+                <a:solidFill>
+                  <a:srgbClr val="6B37C9"/>
+                </a:solidFill>
+              </a:rPr>
+              <a:t>Chaque compte Business sera limité à 25 publication dans une fenêtre de 24 jours via L’API, n’influe pas si la publication est faite depuis l’application ou le site web directement.</a:t>
+            </a:r>
+          </a:p>
+          <a:p>
+            <a:pPr marL="285750" indent="-285750">
+              <a:buFont typeface="Arial" panose="020B0604020202020204" pitchFamily="34" charset="0"/>
+              <a:buChar char="•"/>
+            </a:pPr>
+            <a:endParaRPr lang="fr-FR" dirty="0">
+              <a:solidFill>
+                <a:srgbClr val="6B37C9"/>
+              </a:solidFill>
+            </a:endParaRPr>
+          </a:p>
+          <a:p>
+            <a:pPr marL="285750" indent="-285750">
+              <a:buFont typeface="Arial" panose="020B0604020202020204" pitchFamily="34" charset="0"/>
+              <a:buChar char="•"/>
+            </a:pPr>
+            <a:r>
+              <a:rPr lang="fr-FR" dirty="0">
+                <a:solidFill>
+                  <a:srgbClr val="6B37C9"/>
+                </a:solidFill>
+              </a:rPr>
+              <a:t>Obtenir un </a:t>
+            </a:r>
+            <a:r>
+              <a:rPr lang="fr-FR" dirty="0" err="1">
+                <a:solidFill>
+                  <a:srgbClr val="6B37C9"/>
+                </a:solidFill>
+              </a:rPr>
+              <a:t>token</a:t>
+            </a:r>
+            <a:r>
+              <a:rPr lang="fr-FR" dirty="0">
+                <a:solidFill>
+                  <a:srgbClr val="6B37C9"/>
+                </a:solidFill>
+              </a:rPr>
+              <a:t> de la part </a:t>
+            </a:r>
+            <a:r>
+              <a:rPr lang="fr-FR" dirty="0" err="1">
+                <a:solidFill>
+                  <a:srgbClr val="6B37C9"/>
+                </a:solidFill>
+              </a:rPr>
+              <a:t>d’instagram</a:t>
+            </a:r>
+            <a:r>
+              <a:rPr lang="fr-FR" dirty="0">
+                <a:solidFill>
+                  <a:srgbClr val="6B37C9"/>
+                </a:solidFill>
+              </a:rPr>
+              <a:t> pour utiliser L’API</a:t>
+            </a:r>
+          </a:p>
+          <a:p>
+            <a:pPr marL="285750" indent="-285750">
+              <a:buFont typeface="Arial" panose="020B0604020202020204" pitchFamily="34" charset="0"/>
+              <a:buChar char="•"/>
+            </a:pPr>
+            <a:endParaRPr lang="fr-FR" dirty="0">
+              <a:solidFill>
+                <a:srgbClr val="6B37C9"/>
+              </a:solidFill>
+            </a:endParaRPr>
+          </a:p>
+          <a:p>
+            <a:pPr marL="285750" indent="-285750">
+              <a:buFont typeface="Arial" panose="020B0604020202020204" pitchFamily="34" charset="0"/>
+              <a:buChar char="•"/>
+            </a:pPr>
+            <a:r>
+              <a:rPr lang="fr-FR" dirty="0">
+                <a:solidFill>
+                  <a:srgbClr val="6B37C9"/>
+                </a:solidFill>
+              </a:rPr>
+              <a:t>La publication sur Instagram TV n’est pas prise en charge.</a:t>
+            </a:r>
+          </a:p>
+          <a:p>
+            <a:pPr marL="285750" indent="-285750">
+              <a:buFont typeface="Arial" panose="020B0604020202020204" pitchFamily="34" charset="0"/>
+              <a:buChar char="•"/>
+            </a:pPr>
+            <a:endParaRPr lang="fr-FR" dirty="0">
+              <a:solidFill>
+                <a:srgbClr val="6B37C9"/>
+              </a:solidFill>
+            </a:endParaRPr>
+          </a:p>
+        </p:txBody>
+      </p:sp>
+    </p:spTree>
+    <p:extLst>
+      <p:ext uri="{BB962C8B-B14F-4D97-AF65-F5344CB8AC3E}">
+        <p14:creationId xmlns:p14="http://schemas.microsoft.com/office/powerpoint/2010/main" val="2412185557"/>
+      </p:ext>
+    </p:extLst>
+  </p:cSld>
+  <p:clrMapOvr>
+    <a:masterClrMapping/>
+  </p:clrMapOvr>
+</p:sld>
+</file>
+
+<file path=ppt/slides/slide11.xml><?xml version="1.0" encoding="utf-8"?>
+<p:sld xmlns:a="http://schemas.openxmlformats.org/drawingml/2006/main" xmlns:r="http://schemas.openxmlformats.org/officeDocument/2006/relationships" xmlns:p="http://schemas.openxmlformats.org/presentationml/2006/main">
+  <p:cSld>
+    <p:bg>
+      <p:bgPr>
+        <a:solidFill>
+          <a:srgbClr val="FFF4E8"/>
+        </a:solidFill>
+        <a:effectLst/>
+      </p:bgPr>
+    </p:bg>
+    <p:spTree>
+      <p:nvGrpSpPr>
+        <p:cNvPr id="1" name=""/>
+        <p:cNvGrpSpPr/>
+        <p:nvPr/>
+      </p:nvGrpSpPr>
+      <p:grpSpPr>
+        <a:xfrm>
+          <a:off x="0" y="0"/>
+          <a:ext cx="0" cy="0"/>
+          <a:chOff x="0" y="0"/>
+          <a:chExt cx="0" cy="0"/>
+        </a:xfrm>
+      </p:grpSpPr>
+      <p:pic>
+        <p:nvPicPr>
+          <p:cNvPr id="17" name="Image 16">
+            <a:extLst>
+              <a:ext uri="{FF2B5EF4-FFF2-40B4-BE49-F238E27FC236}">
+                <a16:creationId xmlns:a16="http://schemas.microsoft.com/office/drawing/2014/main" id="{BF8D18A5-EA0D-70F3-FA02-750B0C8187DA}"/>
+              </a:ext>
+            </a:extLst>
+          </p:cNvPr>
+          <p:cNvPicPr>
+            <a:picLocks noChangeAspect="1"/>
+          </p:cNvPicPr>
+          <p:nvPr/>
+        </p:nvPicPr>
+        <p:blipFill>
+          <a:blip r:embed="rId2">
+            <a:extLst>
+              <a:ext uri="{28A0092B-C50C-407E-A947-70E740481C1C}">
+                <a14:useLocalDpi xmlns:a14="http://schemas.microsoft.com/office/drawing/2010/main" val="0"/>
+              </a:ext>
+            </a:extLst>
+          </a:blip>
+          <a:stretch>
+            <a:fillRect/>
+          </a:stretch>
+        </p:blipFill>
+        <p:spPr>
+          <a:xfrm>
+            <a:off x="6669625" y="1355224"/>
+            <a:ext cx="5328412" cy="3190940"/>
+          </a:xfrm>
+          <a:prstGeom prst="rect">
+            <a:avLst/>
+          </a:prstGeom>
+        </p:spPr>
+      </p:pic>
+      <p:pic>
+        <p:nvPicPr>
+          <p:cNvPr id="15" name="Image 14">
+            <a:extLst>
+              <a:ext uri="{FF2B5EF4-FFF2-40B4-BE49-F238E27FC236}">
+                <a16:creationId xmlns:a16="http://schemas.microsoft.com/office/drawing/2014/main" id="{A8D88D49-8987-EAA7-ADDE-D6E0B8438B65}"/>
+              </a:ext>
+            </a:extLst>
+          </p:cNvPr>
+          <p:cNvPicPr>
+            <a:picLocks noChangeAspect="1"/>
+          </p:cNvPicPr>
+          <p:nvPr/>
+        </p:nvPicPr>
+        <p:blipFill>
+          <a:blip r:embed="rId3">
+            <a:extLst>
+              <a:ext uri="{28A0092B-C50C-407E-A947-70E740481C1C}">
+                <a14:useLocalDpi xmlns:a14="http://schemas.microsoft.com/office/drawing/2010/main" val="0"/>
+              </a:ext>
+            </a:extLst>
+          </a:blip>
+          <a:stretch>
+            <a:fillRect/>
+          </a:stretch>
+        </p:blipFill>
+        <p:spPr>
+          <a:xfrm>
+            <a:off x="212150" y="1547102"/>
+            <a:ext cx="6128328" cy="2772465"/>
+          </a:xfrm>
+          <a:prstGeom prst="rect">
+            <a:avLst/>
+          </a:prstGeom>
+        </p:spPr>
+      </p:pic>
+      <p:sp>
+        <p:nvSpPr>
+          <p:cNvPr id="2" name="ZoneTexte 1">
+            <a:extLst>
+              <a:ext uri="{FF2B5EF4-FFF2-40B4-BE49-F238E27FC236}">
+                <a16:creationId xmlns:a16="http://schemas.microsoft.com/office/drawing/2014/main" id="{78AD5B8C-FC77-FECF-0166-A53CFD10C8D5}"/>
               </a:ext>
             </a:extLst>
           </p:cNvPr>
@@ -3458,8 +7667,8 @@
         </p:nvSpPr>
         <p:spPr>
           <a:xfrm>
-            <a:off x="2362200" y="2787685"/>
-            <a:ext cx="3530600" cy="369332"/>
+            <a:off x="4578349" y="-65679"/>
+            <a:ext cx="3775941" cy="830997"/>
           </a:xfrm>
           <a:prstGeom prst="rect">
             <a:avLst/>
@@ -3473,18 +7682,22 @@
           <a:lstStyle/>
           <a:p>
             <a:r>
-              <a:rPr lang="fr-FR" dirty="0"/>
-              <a:t>React PDF</a:t>
-            </a:r>
-          </a:p>
-        </p:txBody>
-      </p:sp>
-      <p:sp>
-        <p:nvSpPr>
-          <p:cNvPr id="6" name="ZoneTexte 5">
-            <a:extLst>
-              <a:ext uri="{FF2B5EF4-FFF2-40B4-BE49-F238E27FC236}">
-                <a16:creationId xmlns:a16="http://schemas.microsoft.com/office/drawing/2014/main" id="{CD65F39D-636A-9C2D-D568-F78BD2CF1AE0}"/>
+              <a:rPr lang="fr-FR" sz="4800" dirty="0">
+                <a:solidFill>
+                  <a:srgbClr val="6B37C9"/>
+                </a:solidFill>
+              </a:rPr>
+              <a:t>API Instagram</a:t>
+            </a:r>
+          </a:p>
+        </p:txBody>
+      </p:sp>
+      <p:sp>
+        <p:nvSpPr>
+          <p:cNvPr id="5" name="ZoneTexte 4">
+            <a:extLst>
+              <a:ext uri="{FF2B5EF4-FFF2-40B4-BE49-F238E27FC236}">
+                <a16:creationId xmlns:a16="http://schemas.microsoft.com/office/drawing/2014/main" id="{A07E59BC-ED9E-D376-C70B-FBF3F5758ADF}"/>
               </a:ext>
             </a:extLst>
           </p:cNvPr>
@@ -3493,8 +7706,8 @@
         </p:nvSpPr>
         <p:spPr>
           <a:xfrm>
-            <a:off x="2362200" y="3238570"/>
-            <a:ext cx="3530600" cy="369332"/>
+            <a:off x="603250" y="786878"/>
+            <a:ext cx="3784600" cy="369332"/>
           </a:xfrm>
           <a:prstGeom prst="rect">
             <a:avLst/>
@@ -3508,23 +7721,22 @@
           <a:lstStyle/>
           <a:p>
             <a:r>
-              <a:rPr lang="fr-FR" dirty="0"/>
-              <a:t>React To </a:t>
-            </a:r>
-            <a:r>
-              <a:rPr lang="fr-FR" dirty="0" err="1"/>
-              <a:t>Print</a:t>
-            </a:r>
-            <a:endParaRPr lang="fr-FR" dirty="0"/>
-          </a:p>
-        </p:txBody>
-      </p:sp>
-      <p:sp>
-        <p:nvSpPr>
-          <p:cNvPr id="7" name="ZoneTexte 6">
-            <a:extLst>
-              <a:ext uri="{FF2B5EF4-FFF2-40B4-BE49-F238E27FC236}">
-                <a16:creationId xmlns:a16="http://schemas.microsoft.com/office/drawing/2014/main" id="{4BFAE76A-FAB4-BB68-31A8-3011462B93D1}"/>
+              <a:rPr lang="fr-FR" u="sng" dirty="0">
+                <a:solidFill>
+                  <a:srgbClr val="6B37C9"/>
+                </a:solidFill>
+              </a:rPr>
+              <a:t>Un exemple : </a:t>
+            </a:r>
+          </a:p>
+        </p:txBody>
+      </p:sp>
+      <p:sp>
+        <p:nvSpPr>
+          <p:cNvPr id="6" name="ZoneTexte 5">
+            <a:extLst>
+              <a:ext uri="{FF2B5EF4-FFF2-40B4-BE49-F238E27FC236}">
+                <a16:creationId xmlns:a16="http://schemas.microsoft.com/office/drawing/2014/main" id="{733DBC32-AE58-0B03-75A6-E350BEEAAFB9}"/>
               </a:ext>
             </a:extLst>
           </p:cNvPr>
@@ -3533,8 +7745,8 @@
         </p:nvSpPr>
         <p:spPr>
           <a:xfrm>
-            <a:off x="2362200" y="3660001"/>
-            <a:ext cx="3530600" cy="369332"/>
+            <a:off x="603250" y="5951562"/>
+            <a:ext cx="5035550" cy="652438"/>
           </a:xfrm>
           <a:prstGeom prst="rect">
             <a:avLst/>
@@ -3547,17 +7759,1023 @@
           </a:bodyPr>
           <a:lstStyle/>
           <a:p>
-            <a:r>
-              <a:rPr lang="fr-FR" dirty="0"/>
-              <a:t>API Instagram</a:t>
-            </a:r>
+            <a:endParaRPr lang="fr-FR" dirty="0"/>
+          </a:p>
+        </p:txBody>
+      </p:sp>
+      <p:sp>
+        <p:nvSpPr>
+          <p:cNvPr id="7" name="ZoneTexte 6">
+            <a:extLst>
+              <a:ext uri="{FF2B5EF4-FFF2-40B4-BE49-F238E27FC236}">
+                <a16:creationId xmlns:a16="http://schemas.microsoft.com/office/drawing/2014/main" id="{25EC6FD0-44B4-AB2A-0BDC-1B203D862CA5}"/>
+              </a:ext>
+            </a:extLst>
+          </p:cNvPr>
+          <p:cNvSpPr txBox="1"/>
+          <p:nvPr/>
+        </p:nvSpPr>
+        <p:spPr>
+          <a:xfrm>
+            <a:off x="524164" y="4603262"/>
+            <a:ext cx="4841875" cy="2031325"/>
+          </a:xfrm>
+          <a:prstGeom prst="rect">
+            <a:avLst/>
+          </a:prstGeom>
+          <a:noFill/>
+          <a:ln>
+            <a:noFill/>
+          </a:ln>
+        </p:spPr>
+        <p:txBody>
+          <a:bodyPr wrap="square" rtlCol="0">
+            <a:spAutoFit/>
+          </a:bodyPr>
+          <a:lstStyle/>
+          <a:p>
+            <a:pPr marL="285750" indent="-285750">
+              <a:buFont typeface="Arial" panose="020B0604020202020204" pitchFamily="34" charset="0"/>
+              <a:buChar char="•"/>
+            </a:pPr>
+            <a:r>
+              <a:rPr lang="fr-FR" dirty="0">
+                <a:solidFill>
+                  <a:srgbClr val="FF0000"/>
+                </a:solidFill>
+              </a:rPr>
+              <a:t>Autorisation via </a:t>
+            </a:r>
+            <a:r>
+              <a:rPr lang="fr-FR" dirty="0" err="1">
+                <a:solidFill>
+                  <a:srgbClr val="FF0000"/>
+                </a:solidFill>
+              </a:rPr>
+              <a:t>token</a:t>
+            </a:r>
+            <a:endParaRPr lang="fr-FR" dirty="0">
+              <a:solidFill>
+                <a:srgbClr val="FF0000"/>
+              </a:solidFill>
+            </a:endParaRPr>
+          </a:p>
+          <a:p>
+            <a:pPr marL="285750" indent="-285750">
+              <a:buFont typeface="Arial" panose="020B0604020202020204" pitchFamily="34" charset="0"/>
+              <a:buChar char="•"/>
+            </a:pPr>
+            <a:endParaRPr lang="fr-FR" dirty="0">
+              <a:solidFill>
+                <a:srgbClr val="FF0000"/>
+              </a:solidFill>
+            </a:endParaRPr>
+          </a:p>
+          <a:p>
+            <a:pPr marL="285750" indent="-285750">
+              <a:buFont typeface="Arial" panose="020B0604020202020204" pitchFamily="34" charset="0"/>
+              <a:buChar char="•"/>
+            </a:pPr>
+            <a:r>
+              <a:rPr lang="fr-FR" dirty="0">
+                <a:solidFill>
+                  <a:srgbClr val="45915E"/>
+                </a:solidFill>
+              </a:rPr>
+              <a:t>On crée notre demande de poste avec les éléments requis pour poster et validation du </a:t>
+            </a:r>
+            <a:r>
+              <a:rPr lang="fr-FR" dirty="0" err="1">
+                <a:solidFill>
+                  <a:srgbClr val="45915E"/>
+                </a:solidFill>
+              </a:rPr>
+              <a:t>token</a:t>
+            </a:r>
+            <a:r>
+              <a:rPr lang="fr-FR" dirty="0">
+                <a:solidFill>
+                  <a:srgbClr val="45915E"/>
+                </a:solidFill>
+              </a:rPr>
+              <a:t> </a:t>
+            </a:r>
+          </a:p>
+          <a:p>
+            <a:pPr marL="285750" indent="-285750">
+              <a:buFont typeface="Arial" panose="020B0604020202020204" pitchFamily="34" charset="0"/>
+              <a:buChar char="•"/>
+            </a:pPr>
+            <a:r>
+              <a:rPr lang="fr-FR" dirty="0">
+                <a:solidFill>
+                  <a:srgbClr val="45915E"/>
+                </a:solidFill>
+              </a:rPr>
+              <a:t>Ensuite il transforme en réponse</a:t>
+            </a:r>
+            <a:endParaRPr lang="fr-FR" dirty="0"/>
+          </a:p>
+          <a:p>
+            <a:endParaRPr lang="fr-FR" dirty="0"/>
+          </a:p>
+        </p:txBody>
+      </p:sp>
+      <p:sp>
+        <p:nvSpPr>
+          <p:cNvPr id="8" name="Rectangle : coins arrondis 7">
+            <a:extLst>
+              <a:ext uri="{FF2B5EF4-FFF2-40B4-BE49-F238E27FC236}">
+                <a16:creationId xmlns:a16="http://schemas.microsoft.com/office/drawing/2014/main" id="{9FDEA232-D045-0548-615E-3EBA53C3867E}"/>
+              </a:ext>
+            </a:extLst>
+          </p:cNvPr>
+          <p:cNvSpPr/>
+          <p:nvPr/>
+        </p:nvSpPr>
+        <p:spPr>
+          <a:xfrm>
+            <a:off x="212150" y="1583858"/>
+            <a:ext cx="6100616" cy="895065"/>
+          </a:xfrm>
+          <a:prstGeom prst="roundRect">
+            <a:avLst/>
+          </a:prstGeom>
+          <a:noFill/>
+          <a:ln>
+            <a:solidFill>
+              <a:srgbClr val="FF0000"/>
+            </a:solidFill>
+          </a:ln>
+        </p:spPr>
+        <p:style>
+          <a:lnRef idx="2">
+            <a:schemeClr val="accent1">
+              <a:shade val="15000"/>
+            </a:schemeClr>
+          </a:lnRef>
+          <a:fillRef idx="1">
+            <a:schemeClr val="accent1"/>
+          </a:fillRef>
+          <a:effectRef idx="0">
+            <a:schemeClr val="accent1"/>
+          </a:effectRef>
+          <a:fontRef idx="minor">
+            <a:schemeClr val="lt1"/>
+          </a:fontRef>
+        </p:style>
+        <p:txBody>
+          <a:bodyPr rtlCol="0" anchor="ctr"/>
+          <a:lstStyle/>
+          <a:p>
+            <a:pPr algn="ctr"/>
+            <a:endParaRPr lang="fr-FR"/>
+          </a:p>
+        </p:txBody>
+      </p:sp>
+      <p:sp>
+        <p:nvSpPr>
+          <p:cNvPr id="9" name="Rectangle : coins arrondis 8">
+            <a:extLst>
+              <a:ext uri="{FF2B5EF4-FFF2-40B4-BE49-F238E27FC236}">
+                <a16:creationId xmlns:a16="http://schemas.microsoft.com/office/drawing/2014/main" id="{90F38D55-C080-3419-771E-BE18070E4820}"/>
+              </a:ext>
+            </a:extLst>
+          </p:cNvPr>
+          <p:cNvSpPr/>
+          <p:nvPr/>
+        </p:nvSpPr>
+        <p:spPr>
+          <a:xfrm>
+            <a:off x="212148" y="2635592"/>
+            <a:ext cx="6100616" cy="1586815"/>
+          </a:xfrm>
+          <a:prstGeom prst="roundRect">
+            <a:avLst/>
+          </a:prstGeom>
+          <a:noFill/>
+          <a:ln>
+            <a:solidFill>
+              <a:srgbClr val="00B050"/>
+            </a:solidFill>
+          </a:ln>
+        </p:spPr>
+        <p:style>
+          <a:lnRef idx="2">
+            <a:schemeClr val="accent1">
+              <a:shade val="15000"/>
+            </a:schemeClr>
+          </a:lnRef>
+          <a:fillRef idx="1">
+            <a:schemeClr val="accent1"/>
+          </a:fillRef>
+          <a:effectRef idx="0">
+            <a:schemeClr val="accent1"/>
+          </a:effectRef>
+          <a:fontRef idx="minor">
+            <a:schemeClr val="lt1"/>
+          </a:fontRef>
+        </p:style>
+        <p:txBody>
+          <a:bodyPr rtlCol="0" anchor="ctr"/>
+          <a:lstStyle/>
+          <a:p>
+            <a:pPr algn="ctr"/>
+            <a:endParaRPr lang="fr-FR"/>
+          </a:p>
+        </p:txBody>
+      </p:sp>
+      <p:sp>
+        <p:nvSpPr>
+          <p:cNvPr id="10" name="ZoneTexte 9">
+            <a:extLst>
+              <a:ext uri="{FF2B5EF4-FFF2-40B4-BE49-F238E27FC236}">
+                <a16:creationId xmlns:a16="http://schemas.microsoft.com/office/drawing/2014/main" id="{DE0D5068-81EC-85CE-23E1-5D7674A435B7}"/>
+              </a:ext>
+            </a:extLst>
+          </p:cNvPr>
+          <p:cNvSpPr txBox="1"/>
+          <p:nvPr/>
+        </p:nvSpPr>
+        <p:spPr>
+          <a:xfrm>
+            <a:off x="6553203" y="4718507"/>
+            <a:ext cx="5444834" cy="1754326"/>
+          </a:xfrm>
+          <a:prstGeom prst="rect">
+            <a:avLst/>
+          </a:prstGeom>
+          <a:noFill/>
+        </p:spPr>
+        <p:txBody>
+          <a:bodyPr wrap="square" rtlCol="0">
+            <a:spAutoFit/>
+          </a:bodyPr>
+          <a:lstStyle/>
+          <a:p>
+            <a:pPr marL="285750" indent="-285750">
+              <a:buFont typeface="Arial" panose="020B0604020202020204" pitchFamily="34" charset="0"/>
+              <a:buChar char="•"/>
+            </a:pPr>
+            <a:r>
+              <a:rPr lang="fr-FR" dirty="0">
+                <a:solidFill>
+                  <a:srgbClr val="FF0000"/>
+                </a:solidFill>
+              </a:rPr>
+              <a:t>Une fois la réponse transformé, il l’envoie vers l’API</a:t>
+            </a:r>
+          </a:p>
+          <a:p>
+            <a:pPr marL="285750" indent="-285750">
+              <a:buFont typeface="Arial" panose="020B0604020202020204" pitchFamily="34" charset="0"/>
+              <a:buChar char="•"/>
+            </a:pPr>
+            <a:endParaRPr lang="fr-FR" dirty="0">
+              <a:solidFill>
+                <a:srgbClr val="FF0000"/>
+              </a:solidFill>
+            </a:endParaRPr>
+          </a:p>
+          <a:p>
+            <a:pPr marL="285750" indent="-285750">
+              <a:buFont typeface="Arial" panose="020B0604020202020204" pitchFamily="34" charset="0"/>
+              <a:buChar char="•"/>
+            </a:pPr>
+            <a:r>
+              <a:rPr lang="fr-FR" dirty="0">
+                <a:solidFill>
+                  <a:srgbClr val="45915E"/>
+                </a:solidFill>
+              </a:rPr>
+              <a:t>La </a:t>
+            </a:r>
+            <a:r>
+              <a:rPr lang="fr-FR" dirty="0" err="1">
+                <a:solidFill>
+                  <a:srgbClr val="45915E"/>
+                </a:solidFill>
+              </a:rPr>
+              <a:t>function</a:t>
+            </a:r>
+            <a:r>
+              <a:rPr lang="fr-FR" dirty="0">
+                <a:solidFill>
+                  <a:srgbClr val="45915E"/>
+                </a:solidFill>
+              </a:rPr>
+              <a:t> pour publier</a:t>
+            </a:r>
+          </a:p>
+          <a:p>
+            <a:pPr marL="285750" indent="-285750">
+              <a:buFont typeface="Arial" panose="020B0604020202020204" pitchFamily="34" charset="0"/>
+              <a:buChar char="•"/>
+            </a:pPr>
+            <a:endParaRPr lang="fr-FR" dirty="0">
+              <a:solidFill>
+                <a:srgbClr val="45915E"/>
+              </a:solidFill>
+            </a:endParaRPr>
+          </a:p>
+          <a:p>
+            <a:pPr marL="285750" indent="-285750">
+              <a:buFont typeface="Arial" panose="020B0604020202020204" pitchFamily="34" charset="0"/>
+              <a:buChar char="•"/>
+            </a:pPr>
+            <a:r>
+              <a:rPr lang="fr-FR" dirty="0">
+                <a:solidFill>
+                  <a:srgbClr val="00B0F0"/>
+                </a:solidFill>
+              </a:rPr>
+              <a:t>On vérifie si tout est fonctionnel </a:t>
+            </a:r>
+          </a:p>
+          <a:p>
+            <a:pPr marL="285750" indent="-285750">
+              <a:buFont typeface="Arial" panose="020B0604020202020204" pitchFamily="34" charset="0"/>
+              <a:buChar char="•"/>
+            </a:pPr>
+            <a:endParaRPr lang="fr-FR" dirty="0"/>
+          </a:p>
+        </p:txBody>
+      </p:sp>
+      <p:sp>
+        <p:nvSpPr>
+          <p:cNvPr id="11" name="Rectangle : coins arrondis 10">
+            <a:extLst>
+              <a:ext uri="{FF2B5EF4-FFF2-40B4-BE49-F238E27FC236}">
+                <a16:creationId xmlns:a16="http://schemas.microsoft.com/office/drawing/2014/main" id="{D0C84837-6596-FC6D-62A3-826A754DEB65}"/>
+              </a:ext>
+            </a:extLst>
+          </p:cNvPr>
+          <p:cNvSpPr/>
+          <p:nvPr/>
+        </p:nvSpPr>
+        <p:spPr>
+          <a:xfrm>
+            <a:off x="6798541" y="1355224"/>
+            <a:ext cx="4160404" cy="722958"/>
+          </a:xfrm>
+          <a:prstGeom prst="roundRect">
+            <a:avLst/>
+          </a:prstGeom>
+          <a:noFill/>
+          <a:ln>
+            <a:solidFill>
+              <a:srgbClr val="FF0000"/>
+            </a:solidFill>
+          </a:ln>
+        </p:spPr>
+        <p:style>
+          <a:lnRef idx="2">
+            <a:schemeClr val="accent1">
+              <a:shade val="15000"/>
+            </a:schemeClr>
+          </a:lnRef>
+          <a:fillRef idx="1">
+            <a:schemeClr val="accent1"/>
+          </a:fillRef>
+          <a:effectRef idx="0">
+            <a:schemeClr val="accent1"/>
+          </a:effectRef>
+          <a:fontRef idx="minor">
+            <a:schemeClr val="lt1"/>
+          </a:fontRef>
+        </p:style>
+        <p:txBody>
+          <a:bodyPr rtlCol="0" anchor="ctr"/>
+          <a:lstStyle/>
+          <a:p>
+            <a:pPr algn="ctr"/>
+            <a:endParaRPr lang="fr-FR"/>
+          </a:p>
+        </p:txBody>
+      </p:sp>
+      <p:sp>
+        <p:nvSpPr>
+          <p:cNvPr id="12" name="Rectangle : coins arrondis 11">
+            <a:extLst>
+              <a:ext uri="{FF2B5EF4-FFF2-40B4-BE49-F238E27FC236}">
+                <a16:creationId xmlns:a16="http://schemas.microsoft.com/office/drawing/2014/main" id="{A9B0CD99-D91B-6B2B-D404-237C44F6ABF5}"/>
+              </a:ext>
+            </a:extLst>
+          </p:cNvPr>
+          <p:cNvSpPr/>
+          <p:nvPr/>
+        </p:nvSpPr>
+        <p:spPr>
+          <a:xfrm>
+            <a:off x="6798541" y="2098125"/>
+            <a:ext cx="5181309" cy="1206922"/>
+          </a:xfrm>
+          <a:prstGeom prst="roundRect">
+            <a:avLst/>
+          </a:prstGeom>
+          <a:noFill/>
+          <a:ln>
+            <a:solidFill>
+              <a:srgbClr val="00B050"/>
+            </a:solidFill>
+          </a:ln>
+        </p:spPr>
+        <p:style>
+          <a:lnRef idx="2">
+            <a:schemeClr val="accent1">
+              <a:shade val="15000"/>
+            </a:schemeClr>
+          </a:lnRef>
+          <a:fillRef idx="1">
+            <a:schemeClr val="accent1"/>
+          </a:fillRef>
+          <a:effectRef idx="0">
+            <a:schemeClr val="accent1"/>
+          </a:effectRef>
+          <a:fontRef idx="minor">
+            <a:schemeClr val="lt1"/>
+          </a:fontRef>
+        </p:style>
+        <p:txBody>
+          <a:bodyPr rtlCol="0" anchor="ctr"/>
+          <a:lstStyle/>
+          <a:p>
+            <a:pPr algn="ctr"/>
+            <a:endParaRPr lang="fr-FR">
+              <a:solidFill>
+                <a:srgbClr val="5B9BD5"/>
+              </a:solidFill>
+            </a:endParaRPr>
+          </a:p>
+        </p:txBody>
+      </p:sp>
+      <p:sp>
+        <p:nvSpPr>
+          <p:cNvPr id="13" name="Rectangle : coins arrondis 12">
+            <a:extLst>
+              <a:ext uri="{FF2B5EF4-FFF2-40B4-BE49-F238E27FC236}">
+                <a16:creationId xmlns:a16="http://schemas.microsoft.com/office/drawing/2014/main" id="{66A641C9-4A15-8691-0FCA-88418FEEB176}"/>
+              </a:ext>
+            </a:extLst>
+          </p:cNvPr>
+          <p:cNvSpPr/>
+          <p:nvPr/>
+        </p:nvSpPr>
+        <p:spPr>
+          <a:xfrm>
+            <a:off x="6798542" y="3355829"/>
+            <a:ext cx="5153598" cy="949035"/>
+          </a:xfrm>
+          <a:prstGeom prst="roundRect">
+            <a:avLst/>
+          </a:prstGeom>
+          <a:noFill/>
+          <a:ln>
+            <a:solidFill>
+              <a:srgbClr val="00B0F0"/>
+            </a:solidFill>
+          </a:ln>
+        </p:spPr>
+        <p:style>
+          <a:lnRef idx="2">
+            <a:schemeClr val="accent1">
+              <a:shade val="15000"/>
+            </a:schemeClr>
+          </a:lnRef>
+          <a:fillRef idx="1">
+            <a:schemeClr val="accent1"/>
+          </a:fillRef>
+          <a:effectRef idx="0">
+            <a:schemeClr val="accent1"/>
+          </a:effectRef>
+          <a:fontRef idx="minor">
+            <a:schemeClr val="lt1"/>
+          </a:fontRef>
+        </p:style>
+        <p:txBody>
+          <a:bodyPr rtlCol="0" anchor="ctr"/>
+          <a:lstStyle/>
+          <a:p>
+            <a:pPr algn="ctr"/>
+            <a:endParaRPr lang="fr-FR"/>
           </a:p>
         </p:txBody>
       </p:sp>
     </p:spTree>
     <p:extLst>
       <p:ext uri="{BB962C8B-B14F-4D97-AF65-F5344CB8AC3E}">
-        <p14:creationId xmlns:p14="http://schemas.microsoft.com/office/powerpoint/2010/main" val="4002413356"/>
+        <p14:creationId xmlns:p14="http://schemas.microsoft.com/office/powerpoint/2010/main" val="4266767932"/>
+      </p:ext>
+    </p:extLst>
+  </p:cSld>
+  <p:clrMapOvr>
+    <a:masterClrMapping/>
+  </p:clrMapOvr>
+</p:sld>
+</file>
+
+<file path=ppt/slides/slide12.xml><?xml version="1.0" encoding="utf-8"?>
+<p:sld xmlns:a="http://schemas.openxmlformats.org/drawingml/2006/main" xmlns:r="http://schemas.openxmlformats.org/officeDocument/2006/relationships" xmlns:p="http://schemas.openxmlformats.org/presentationml/2006/main">
+  <p:cSld>
+    <p:bg>
+      <p:bgPr>
+        <a:solidFill>
+          <a:srgbClr val="FFF4E8"/>
+        </a:solidFill>
+        <a:effectLst/>
+      </p:bgPr>
+    </p:bg>
+    <p:spTree>
+      <p:nvGrpSpPr>
+        <p:cNvPr id="1" name=""/>
+        <p:cNvGrpSpPr/>
+        <p:nvPr/>
+      </p:nvGrpSpPr>
+      <p:grpSpPr>
+        <a:xfrm>
+          <a:off x="0" y="0"/>
+          <a:ext cx="0" cy="0"/>
+          <a:chOff x="0" y="0"/>
+          <a:chExt cx="0" cy="0"/>
+        </a:xfrm>
+      </p:grpSpPr>
+      <p:sp>
+        <p:nvSpPr>
+          <p:cNvPr id="3" name="ZoneTexte 2">
+            <a:extLst>
+              <a:ext uri="{FF2B5EF4-FFF2-40B4-BE49-F238E27FC236}">
+                <a16:creationId xmlns:a16="http://schemas.microsoft.com/office/drawing/2014/main" id="{17000FFA-904E-C032-B5F4-2893B200BA8E}"/>
+              </a:ext>
+            </a:extLst>
+          </p:cNvPr>
+          <p:cNvSpPr txBox="1"/>
+          <p:nvPr/>
+        </p:nvSpPr>
+        <p:spPr>
+          <a:xfrm>
+            <a:off x="4578349" y="-65679"/>
+            <a:ext cx="3775941" cy="830997"/>
+          </a:xfrm>
+          <a:prstGeom prst="rect">
+            <a:avLst/>
+          </a:prstGeom>
+          <a:noFill/>
+        </p:spPr>
+        <p:txBody>
+          <a:bodyPr wrap="square" rtlCol="0">
+            <a:spAutoFit/>
+          </a:bodyPr>
+          <a:lstStyle/>
+          <a:p>
+            <a:r>
+              <a:rPr lang="fr-FR" sz="4800" dirty="0">
+                <a:solidFill>
+                  <a:srgbClr val="6B37C9"/>
+                </a:solidFill>
+              </a:rPr>
+              <a:t>API Instagram</a:t>
+            </a:r>
+          </a:p>
+        </p:txBody>
+      </p:sp>
+      <p:sp>
+        <p:nvSpPr>
+          <p:cNvPr id="4" name="ZoneTexte 3">
+            <a:extLst>
+              <a:ext uri="{FF2B5EF4-FFF2-40B4-BE49-F238E27FC236}">
+                <a16:creationId xmlns:a16="http://schemas.microsoft.com/office/drawing/2014/main" id="{2987C997-272C-F7B3-308A-FB46A98D1098}"/>
+              </a:ext>
+            </a:extLst>
+          </p:cNvPr>
+          <p:cNvSpPr txBox="1"/>
+          <p:nvPr/>
+        </p:nvSpPr>
+        <p:spPr>
+          <a:xfrm>
+            <a:off x="5872595" y="1406011"/>
+            <a:ext cx="3103418" cy="369332"/>
+          </a:xfrm>
+          <a:prstGeom prst="rect">
+            <a:avLst/>
+          </a:prstGeom>
+          <a:noFill/>
+        </p:spPr>
+        <p:txBody>
+          <a:bodyPr wrap="square" rtlCol="0">
+            <a:spAutoFit/>
+          </a:bodyPr>
+          <a:lstStyle/>
+          <a:p>
+            <a:r>
+              <a:rPr lang="fr-FR" u="sng" dirty="0">
+                <a:solidFill>
+                  <a:srgbClr val="6B37C9"/>
+                </a:solidFill>
+              </a:rPr>
+              <a:t>En résumé</a:t>
+            </a:r>
+          </a:p>
+        </p:txBody>
+      </p:sp>
+      <p:sp>
+        <p:nvSpPr>
+          <p:cNvPr id="5" name="ZoneTexte 4">
+            <a:extLst>
+              <a:ext uri="{FF2B5EF4-FFF2-40B4-BE49-F238E27FC236}">
+                <a16:creationId xmlns:a16="http://schemas.microsoft.com/office/drawing/2014/main" id="{A10C6759-BC70-55F2-63CC-6E06EE6E1A78}"/>
+              </a:ext>
+            </a:extLst>
+          </p:cNvPr>
+          <p:cNvSpPr txBox="1"/>
+          <p:nvPr/>
+        </p:nvSpPr>
+        <p:spPr>
+          <a:xfrm>
+            <a:off x="5872595" y="5126160"/>
+            <a:ext cx="3103418" cy="369332"/>
+          </a:xfrm>
+          <a:prstGeom prst="rect">
+            <a:avLst/>
+          </a:prstGeom>
+          <a:noFill/>
+        </p:spPr>
+        <p:txBody>
+          <a:bodyPr wrap="square" rtlCol="0">
+            <a:spAutoFit/>
+          </a:bodyPr>
+          <a:lstStyle/>
+          <a:p>
+            <a:r>
+              <a:rPr lang="fr-FR" u="sng" dirty="0">
+                <a:solidFill>
+                  <a:srgbClr val="6B37C9"/>
+                </a:solidFill>
+              </a:rPr>
+              <a:t>Documentation : </a:t>
+            </a:r>
+          </a:p>
+        </p:txBody>
+      </p:sp>
+      <p:sp>
+        <p:nvSpPr>
+          <p:cNvPr id="6" name="ZoneTexte 5">
+            <a:extLst>
+              <a:ext uri="{FF2B5EF4-FFF2-40B4-BE49-F238E27FC236}">
+                <a16:creationId xmlns:a16="http://schemas.microsoft.com/office/drawing/2014/main" id="{5FD6EE99-04AD-2EC5-2411-4E61D18F653A}"/>
+              </a:ext>
+            </a:extLst>
+          </p:cNvPr>
+          <p:cNvSpPr txBox="1"/>
+          <p:nvPr/>
+        </p:nvSpPr>
+        <p:spPr>
+          <a:xfrm>
+            <a:off x="4308763" y="5898979"/>
+            <a:ext cx="7845161" cy="369332"/>
+          </a:xfrm>
+          <a:prstGeom prst="rect">
+            <a:avLst/>
+          </a:prstGeom>
+          <a:noFill/>
+        </p:spPr>
+        <p:txBody>
+          <a:bodyPr wrap="none" rtlCol="0">
+            <a:spAutoFit/>
+          </a:bodyPr>
+          <a:lstStyle/>
+          <a:p>
+            <a:r>
+              <a:rPr lang="fr-FR" dirty="0"/>
+              <a:t>https://developers.facebook.com/docs/instagram-api/guides/content-publishing/</a:t>
+            </a:r>
+          </a:p>
+        </p:txBody>
+      </p:sp>
+      <p:pic>
+        <p:nvPicPr>
+          <p:cNvPr id="8" name="Image 7">
+            <a:extLst>
+              <a:ext uri="{FF2B5EF4-FFF2-40B4-BE49-F238E27FC236}">
+                <a16:creationId xmlns:a16="http://schemas.microsoft.com/office/drawing/2014/main" id="{B9B66459-E6C6-FD93-CF18-726B2A6D0F8D}"/>
+              </a:ext>
+            </a:extLst>
+          </p:cNvPr>
+          <p:cNvPicPr>
+            <a:picLocks noChangeAspect="1"/>
+          </p:cNvPicPr>
+          <p:nvPr/>
+        </p:nvPicPr>
+        <p:blipFill>
+          <a:blip r:embed="rId2">
+            <a:extLst>
+              <a:ext uri="{28A0092B-C50C-407E-A947-70E740481C1C}">
+                <a14:useLocalDpi xmlns:a14="http://schemas.microsoft.com/office/drawing/2010/main" val="0"/>
+              </a:ext>
+            </a:extLst>
+          </a:blip>
+          <a:stretch>
+            <a:fillRect/>
+          </a:stretch>
+        </p:blipFill>
+        <p:spPr>
+          <a:xfrm>
+            <a:off x="1747404" y="1344735"/>
+            <a:ext cx="2990850" cy="3781425"/>
+          </a:xfrm>
+          <a:prstGeom prst="rect">
+            <a:avLst/>
+          </a:prstGeom>
+        </p:spPr>
+      </p:pic>
+      <p:sp>
+        <p:nvSpPr>
+          <p:cNvPr id="9" name="ZoneTexte 8">
+            <a:extLst>
+              <a:ext uri="{FF2B5EF4-FFF2-40B4-BE49-F238E27FC236}">
+                <a16:creationId xmlns:a16="http://schemas.microsoft.com/office/drawing/2014/main" id="{9341C3E8-7269-32A8-9853-B7206250801D}"/>
+              </a:ext>
+            </a:extLst>
+          </p:cNvPr>
+          <p:cNvSpPr txBox="1"/>
+          <p:nvPr/>
+        </p:nvSpPr>
+        <p:spPr>
+          <a:xfrm>
+            <a:off x="5857008" y="2346418"/>
+            <a:ext cx="3906982" cy="1200329"/>
+          </a:xfrm>
+          <a:prstGeom prst="rect">
+            <a:avLst/>
+          </a:prstGeom>
+          <a:noFill/>
+        </p:spPr>
+        <p:txBody>
+          <a:bodyPr wrap="square" rtlCol="0">
+            <a:spAutoFit/>
+          </a:bodyPr>
+          <a:lstStyle/>
+          <a:p>
+            <a:r>
+              <a:rPr lang="fr-FR" dirty="0">
+                <a:solidFill>
+                  <a:srgbClr val="6B37C9"/>
+                </a:solidFill>
+              </a:rPr>
+              <a:t>Pour revenir à notre site, c’est le bouton « Partager sur Instagram » sur lequel on pourra relier l’API Instagram et publier nos menus.</a:t>
+            </a:r>
+          </a:p>
+        </p:txBody>
+      </p:sp>
+    </p:spTree>
+    <p:extLst>
+      <p:ext uri="{BB962C8B-B14F-4D97-AF65-F5344CB8AC3E}">
+        <p14:creationId xmlns:p14="http://schemas.microsoft.com/office/powerpoint/2010/main" val="1469349071"/>
+      </p:ext>
+    </p:extLst>
+  </p:cSld>
+  <p:clrMapOvr>
+    <a:masterClrMapping/>
+  </p:clrMapOvr>
+</p:sld>
+</file>
+
+<file path=ppt/slides/slide13.xml><?xml version="1.0" encoding="utf-8"?>
+<p:sld xmlns:a="http://schemas.openxmlformats.org/drawingml/2006/main" xmlns:r="http://schemas.openxmlformats.org/officeDocument/2006/relationships" xmlns:p="http://schemas.openxmlformats.org/presentationml/2006/main">
+  <p:cSld>
+    <p:bg>
+      <p:bgPr>
+        <a:solidFill>
+          <a:srgbClr val="FFF4E8"/>
+        </a:solidFill>
+        <a:effectLst/>
+      </p:bgPr>
+    </p:bg>
+    <p:spTree>
+      <p:nvGrpSpPr>
+        <p:cNvPr id="1" name=""/>
+        <p:cNvGrpSpPr/>
+        <p:nvPr/>
+      </p:nvGrpSpPr>
+      <p:grpSpPr>
+        <a:xfrm>
+          <a:off x="0" y="0"/>
+          <a:ext cx="0" cy="0"/>
+          <a:chOff x="0" y="0"/>
+          <a:chExt cx="0" cy="0"/>
+        </a:xfrm>
+      </p:grpSpPr>
+      <p:sp>
+        <p:nvSpPr>
+          <p:cNvPr id="2" name="ZoneTexte 1">
+            <a:extLst>
+              <a:ext uri="{FF2B5EF4-FFF2-40B4-BE49-F238E27FC236}">
+                <a16:creationId xmlns:a16="http://schemas.microsoft.com/office/drawing/2014/main" id="{436E9AB4-B5BE-1074-5B8F-6EB1D3F23F6E}"/>
+              </a:ext>
+            </a:extLst>
+          </p:cNvPr>
+          <p:cNvSpPr txBox="1"/>
+          <p:nvPr/>
+        </p:nvSpPr>
+        <p:spPr>
+          <a:xfrm>
+            <a:off x="4578349" y="-65679"/>
+            <a:ext cx="3775941" cy="830997"/>
+          </a:xfrm>
+          <a:prstGeom prst="rect">
+            <a:avLst/>
+          </a:prstGeom>
+          <a:noFill/>
+        </p:spPr>
+        <p:txBody>
+          <a:bodyPr wrap="square" rtlCol="0">
+            <a:spAutoFit/>
+          </a:bodyPr>
+          <a:lstStyle/>
+          <a:p>
+            <a:r>
+              <a:rPr lang="fr-FR" sz="4800">
+                <a:solidFill>
+                  <a:srgbClr val="ED7D31"/>
+                </a:solidFill>
+              </a:rPr>
+              <a:t>ESLint</a:t>
+            </a:r>
+            <a:endParaRPr lang="fr-FR" sz="4800" dirty="0">
+              <a:solidFill>
+                <a:srgbClr val="ED7D31"/>
+              </a:solidFill>
+            </a:endParaRPr>
+          </a:p>
+        </p:txBody>
+      </p:sp>
+    </p:spTree>
+    <p:extLst>
+      <p:ext uri="{BB962C8B-B14F-4D97-AF65-F5344CB8AC3E}">
+        <p14:creationId xmlns:p14="http://schemas.microsoft.com/office/powerpoint/2010/main" val="54975894"/>
+      </p:ext>
+    </p:extLst>
+  </p:cSld>
+  <p:clrMapOvr>
+    <a:masterClrMapping/>
+  </p:clrMapOvr>
+</p:sld>
+</file>
+
+<file path=ppt/slides/slide14.xml><?xml version="1.0" encoding="utf-8"?>
+<p:sld xmlns:a="http://schemas.openxmlformats.org/drawingml/2006/main" xmlns:r="http://schemas.openxmlformats.org/officeDocument/2006/relationships" xmlns:p="http://schemas.openxmlformats.org/presentationml/2006/main">
+  <p:cSld>
+    <p:bg>
+      <p:bgPr>
+        <a:solidFill>
+          <a:srgbClr val="FFF4E8"/>
+        </a:solidFill>
+        <a:effectLst/>
+      </p:bgPr>
+    </p:bg>
+    <p:spTree>
+      <p:nvGrpSpPr>
+        <p:cNvPr id="1" name=""/>
+        <p:cNvGrpSpPr/>
+        <p:nvPr/>
+      </p:nvGrpSpPr>
+      <p:grpSpPr>
+        <a:xfrm>
+          <a:off x="0" y="0"/>
+          <a:ext cx="0" cy="0"/>
+          <a:chOff x="0" y="0"/>
+          <a:chExt cx="0" cy="0"/>
+        </a:xfrm>
+      </p:grpSpPr>
+      <p:sp>
+        <p:nvSpPr>
+          <p:cNvPr id="2" name="ZoneTexte 1">
+            <a:extLst>
+              <a:ext uri="{FF2B5EF4-FFF2-40B4-BE49-F238E27FC236}">
+                <a16:creationId xmlns:a16="http://schemas.microsoft.com/office/drawing/2014/main" id="{436E9AB4-B5BE-1074-5B8F-6EB1D3F23F6E}"/>
+              </a:ext>
+            </a:extLst>
+          </p:cNvPr>
+          <p:cNvSpPr txBox="1"/>
+          <p:nvPr/>
+        </p:nvSpPr>
+        <p:spPr>
+          <a:xfrm>
+            <a:off x="4578349" y="-65679"/>
+            <a:ext cx="3775941" cy="830997"/>
+          </a:xfrm>
+          <a:prstGeom prst="rect">
+            <a:avLst/>
+          </a:prstGeom>
+          <a:noFill/>
+        </p:spPr>
+        <p:txBody>
+          <a:bodyPr wrap="square" rtlCol="0">
+            <a:spAutoFit/>
+          </a:bodyPr>
+          <a:lstStyle/>
+          <a:p>
+            <a:r>
+              <a:rPr lang="fr-FR" sz="4800">
+                <a:solidFill>
+                  <a:srgbClr val="ED7D31"/>
+                </a:solidFill>
+              </a:rPr>
+              <a:t>ESLint</a:t>
+            </a:r>
+            <a:endParaRPr lang="fr-FR" sz="4800" dirty="0">
+              <a:solidFill>
+                <a:srgbClr val="ED7D31"/>
+              </a:solidFill>
+            </a:endParaRPr>
+          </a:p>
+        </p:txBody>
+      </p:sp>
+    </p:spTree>
+    <p:extLst>
+      <p:ext uri="{BB962C8B-B14F-4D97-AF65-F5344CB8AC3E}">
+        <p14:creationId xmlns:p14="http://schemas.microsoft.com/office/powerpoint/2010/main" val="604993466"/>
+      </p:ext>
+    </p:extLst>
+  </p:cSld>
+  <p:clrMapOvr>
+    <a:masterClrMapping/>
+  </p:clrMapOvr>
+</p:sld>
+</file>
+
+<file path=ppt/slides/slide15.xml><?xml version="1.0" encoding="utf-8"?>
+<p:sld xmlns:a="http://schemas.openxmlformats.org/drawingml/2006/main" xmlns:r="http://schemas.openxmlformats.org/officeDocument/2006/relationships" xmlns:p="http://schemas.openxmlformats.org/presentationml/2006/main">
+  <p:cSld>
+    <p:bg>
+      <p:bgPr>
+        <a:solidFill>
+          <a:srgbClr val="FFF4E8"/>
+        </a:solidFill>
+        <a:effectLst/>
+      </p:bgPr>
+    </p:bg>
+    <p:spTree>
+      <p:nvGrpSpPr>
+        <p:cNvPr id="1" name=""/>
+        <p:cNvGrpSpPr/>
+        <p:nvPr/>
+      </p:nvGrpSpPr>
+      <p:grpSpPr>
+        <a:xfrm>
+          <a:off x="0" y="0"/>
+          <a:ext cx="0" cy="0"/>
+          <a:chOff x="0" y="0"/>
+          <a:chExt cx="0" cy="0"/>
+        </a:xfrm>
+      </p:grpSpPr>
+      <p:sp>
+        <p:nvSpPr>
+          <p:cNvPr id="2" name="ZoneTexte 1">
+            <a:extLst>
+              <a:ext uri="{FF2B5EF4-FFF2-40B4-BE49-F238E27FC236}">
+                <a16:creationId xmlns:a16="http://schemas.microsoft.com/office/drawing/2014/main" id="{436E9AB4-B5BE-1074-5B8F-6EB1D3F23F6E}"/>
+              </a:ext>
+            </a:extLst>
+          </p:cNvPr>
+          <p:cNvSpPr txBox="1"/>
+          <p:nvPr/>
+        </p:nvSpPr>
+        <p:spPr>
+          <a:xfrm>
+            <a:off x="4578349" y="-65679"/>
+            <a:ext cx="3775941" cy="830997"/>
+          </a:xfrm>
+          <a:prstGeom prst="rect">
+            <a:avLst/>
+          </a:prstGeom>
+          <a:noFill/>
+        </p:spPr>
+        <p:txBody>
+          <a:bodyPr wrap="square" rtlCol="0">
+            <a:spAutoFit/>
+          </a:bodyPr>
+          <a:lstStyle/>
+          <a:p>
+            <a:r>
+              <a:rPr lang="fr-FR" sz="4800">
+                <a:solidFill>
+                  <a:srgbClr val="ED7D31"/>
+                </a:solidFill>
+              </a:rPr>
+              <a:t>ESLint</a:t>
+            </a:r>
+            <a:endParaRPr lang="fr-FR" sz="4800" dirty="0">
+              <a:solidFill>
+                <a:srgbClr val="ED7D31"/>
+              </a:solidFill>
+            </a:endParaRPr>
+          </a:p>
+        </p:txBody>
+      </p:sp>
+    </p:spTree>
+    <p:extLst>
+      <p:ext uri="{BB962C8B-B14F-4D97-AF65-F5344CB8AC3E}">
+        <p14:creationId xmlns:p14="http://schemas.microsoft.com/office/powerpoint/2010/main" val="1519863114"/>
       </p:ext>
     </p:extLst>
   </p:cSld>
@@ -3592,12 +8810,51 @@
           <a:chExt cx="0" cy="0"/>
         </a:xfrm>
       </p:grpSpPr>
+      <p:sp>
+        <p:nvSpPr>
+          <p:cNvPr id="2" name="ZoneTexte 1">
+            <a:extLst>
+              <a:ext uri="{FF2B5EF4-FFF2-40B4-BE49-F238E27FC236}">
+                <a16:creationId xmlns:a16="http://schemas.microsoft.com/office/drawing/2014/main" id="{70111095-8454-B0CC-F963-8BBD9FFECFE6}"/>
+              </a:ext>
+            </a:extLst>
+          </p:cNvPr>
+          <p:cNvSpPr txBox="1"/>
+          <p:nvPr/>
+        </p:nvSpPr>
+        <p:spPr>
+          <a:xfrm>
+            <a:off x="4578350" y="-65679"/>
+            <a:ext cx="3530600" cy="830997"/>
+          </a:xfrm>
+          <a:prstGeom prst="rect">
+            <a:avLst/>
+          </a:prstGeom>
+          <a:noFill/>
+        </p:spPr>
+        <p:txBody>
+          <a:bodyPr wrap="square" rtlCol="0">
+            <a:spAutoFit/>
+          </a:bodyPr>
+          <a:lstStyle/>
+          <a:p>
+            <a:r>
+              <a:rPr lang="fr-FR" sz="4800" dirty="0">
+                <a:solidFill>
+                  <a:srgbClr val="70AD47"/>
+                </a:solidFill>
+              </a:rPr>
+              <a:t>React Modal</a:t>
+            </a:r>
+          </a:p>
+        </p:txBody>
+      </p:sp>
       <p:pic>
         <p:nvPicPr>
-          <p:cNvPr id="4" name="Image 3">
-            <a:extLst>
-              <a:ext uri="{FF2B5EF4-FFF2-40B4-BE49-F238E27FC236}">
-                <a16:creationId xmlns:a16="http://schemas.microsoft.com/office/drawing/2014/main" id="{A860983C-F903-ED9D-0B3F-188CFAA97071}"/>
+          <p:cNvPr id="5" name="Image 4">
+            <a:extLst>
+              <a:ext uri="{FF2B5EF4-FFF2-40B4-BE49-F238E27FC236}">
+                <a16:creationId xmlns:a16="http://schemas.microsoft.com/office/drawing/2014/main" id="{3BCE34A6-E041-0F7A-C2A6-B83C4436E3BC}"/>
               </a:ext>
             </a:extLst>
           </p:cNvPr>
@@ -3607,15 +8864,365 @@
           <p:nvPr/>
         </p:nvPicPr>
         <p:blipFill>
-          <a:blip r:embed="rId2"/>
+          <a:blip r:embed="rId2">
+            <a:extLst>
+              <a:ext uri="{28A0092B-C50C-407E-A947-70E740481C1C}">
+                <a14:useLocalDpi xmlns:a14="http://schemas.microsoft.com/office/drawing/2010/main" val="0"/>
+              </a:ext>
+            </a:extLst>
+          </a:blip>
           <a:stretch>
             <a:fillRect/>
           </a:stretch>
         </p:blipFill>
         <p:spPr>
           <a:xfrm>
-            <a:off x="8603672" y="5485101"/>
-            <a:ext cx="3297383" cy="1155876"/>
+            <a:off x="537296" y="3660120"/>
+            <a:ext cx="4102100" cy="638175"/>
+          </a:xfrm>
+          <a:prstGeom prst="rect">
+            <a:avLst/>
+          </a:prstGeom>
+        </p:spPr>
+      </p:pic>
+      <p:sp>
+        <p:nvSpPr>
+          <p:cNvPr id="6" name="ZoneTexte 5">
+            <a:extLst>
+              <a:ext uri="{FF2B5EF4-FFF2-40B4-BE49-F238E27FC236}">
+                <a16:creationId xmlns:a16="http://schemas.microsoft.com/office/drawing/2014/main" id="{8354EFF7-64F2-0455-8CE9-68C74305FADE}"/>
+              </a:ext>
+            </a:extLst>
+          </p:cNvPr>
+          <p:cNvSpPr txBox="1"/>
+          <p:nvPr/>
+        </p:nvSpPr>
+        <p:spPr>
+          <a:xfrm>
+            <a:off x="768350" y="2486494"/>
+            <a:ext cx="4191000" cy="646331"/>
+          </a:xfrm>
+          <a:prstGeom prst="rect">
+            <a:avLst/>
+          </a:prstGeom>
+          <a:noFill/>
+        </p:spPr>
+        <p:txBody>
+          <a:bodyPr wrap="square" rtlCol="0">
+            <a:spAutoFit/>
+          </a:bodyPr>
+          <a:lstStyle/>
+          <a:p>
+            <a:r>
+              <a:rPr lang="fr-FR" dirty="0">
+                <a:solidFill>
+                  <a:srgbClr val="70AD47"/>
+                </a:solidFill>
+              </a:rPr>
+              <a:t>Première chose à faire, installer Modal sur notre projet </a:t>
+            </a:r>
+          </a:p>
+        </p:txBody>
+      </p:sp>
+      <p:pic>
+        <p:nvPicPr>
+          <p:cNvPr id="8" name="Image 7">
+            <a:extLst>
+              <a:ext uri="{FF2B5EF4-FFF2-40B4-BE49-F238E27FC236}">
+                <a16:creationId xmlns:a16="http://schemas.microsoft.com/office/drawing/2014/main" id="{B2DC5708-41A9-F866-59DD-898C08CF0E25}"/>
+              </a:ext>
+            </a:extLst>
+          </p:cNvPr>
+          <p:cNvPicPr>
+            <a:picLocks noChangeAspect="1"/>
+          </p:cNvPicPr>
+          <p:nvPr/>
+        </p:nvPicPr>
+        <p:blipFill>
+          <a:blip r:embed="rId3">
+            <a:extLst>
+              <a:ext uri="{28A0092B-C50C-407E-A947-70E740481C1C}">
+                <a14:useLocalDpi xmlns:a14="http://schemas.microsoft.com/office/drawing/2010/main" val="0"/>
+              </a:ext>
+            </a:extLst>
+          </a:blip>
+          <a:stretch>
+            <a:fillRect/>
+          </a:stretch>
+        </p:blipFill>
+        <p:spPr>
+          <a:xfrm>
+            <a:off x="793750" y="1726347"/>
+            <a:ext cx="4298950" cy="659627"/>
+          </a:xfrm>
+          <a:prstGeom prst="rect">
+            <a:avLst/>
+          </a:prstGeom>
+        </p:spPr>
+      </p:pic>
+      <p:sp>
+        <p:nvSpPr>
+          <p:cNvPr id="9" name="ZoneTexte 8">
+            <a:extLst>
+              <a:ext uri="{FF2B5EF4-FFF2-40B4-BE49-F238E27FC236}">
+                <a16:creationId xmlns:a16="http://schemas.microsoft.com/office/drawing/2014/main" id="{33978862-E59B-2AAB-621C-EC1C4C22BF41}"/>
+              </a:ext>
+            </a:extLst>
+          </p:cNvPr>
+          <p:cNvSpPr txBox="1"/>
+          <p:nvPr/>
+        </p:nvSpPr>
+        <p:spPr>
+          <a:xfrm>
+            <a:off x="847725" y="5265709"/>
+            <a:ext cx="4191000" cy="369332"/>
+          </a:xfrm>
+          <a:prstGeom prst="rect">
+            <a:avLst/>
+          </a:prstGeom>
+          <a:noFill/>
+        </p:spPr>
+        <p:txBody>
+          <a:bodyPr wrap="square" rtlCol="0">
+            <a:spAutoFit/>
+          </a:bodyPr>
+          <a:lstStyle/>
+          <a:p>
+            <a:r>
+              <a:rPr lang="fr-FR" dirty="0">
+                <a:solidFill>
+                  <a:srgbClr val="70AD47"/>
+                </a:solidFill>
+              </a:rPr>
+              <a:t>Ensuite L’importer</a:t>
+            </a:r>
+          </a:p>
+        </p:txBody>
+      </p:sp>
+      <p:sp>
+        <p:nvSpPr>
+          <p:cNvPr id="10" name="ZoneTexte 9">
+            <a:extLst>
+              <a:ext uri="{FF2B5EF4-FFF2-40B4-BE49-F238E27FC236}">
+                <a16:creationId xmlns:a16="http://schemas.microsoft.com/office/drawing/2014/main" id="{DA82CDBF-0FBA-B52E-3D5A-426DBD2B5F14}"/>
+              </a:ext>
+            </a:extLst>
+          </p:cNvPr>
+          <p:cNvSpPr txBox="1"/>
+          <p:nvPr/>
+        </p:nvSpPr>
+        <p:spPr>
+          <a:xfrm>
+            <a:off x="793750" y="1052468"/>
+            <a:ext cx="3784600" cy="369332"/>
+          </a:xfrm>
+          <a:prstGeom prst="rect">
+            <a:avLst/>
+          </a:prstGeom>
+          <a:noFill/>
+        </p:spPr>
+        <p:txBody>
+          <a:bodyPr wrap="square" rtlCol="0">
+            <a:spAutoFit/>
+          </a:bodyPr>
+          <a:lstStyle/>
+          <a:p>
+            <a:r>
+              <a:rPr lang="fr-FR" u="sng" dirty="0">
+                <a:solidFill>
+                  <a:srgbClr val="70AD47"/>
+                </a:solidFill>
+              </a:rPr>
+              <a:t>Démarrer avec React Modal</a:t>
+            </a:r>
+          </a:p>
+        </p:txBody>
+      </p:sp>
+      <p:sp>
+        <p:nvSpPr>
+          <p:cNvPr id="11" name="ZoneTexte 10">
+            <a:extLst>
+              <a:ext uri="{FF2B5EF4-FFF2-40B4-BE49-F238E27FC236}">
+                <a16:creationId xmlns:a16="http://schemas.microsoft.com/office/drawing/2014/main" id="{1D08C6AC-4151-D914-76A9-6BA65C3F98F2}"/>
+              </a:ext>
+            </a:extLst>
+          </p:cNvPr>
+          <p:cNvSpPr txBox="1"/>
+          <p:nvPr/>
+        </p:nvSpPr>
+        <p:spPr>
+          <a:xfrm>
+            <a:off x="7613650" y="1052468"/>
+            <a:ext cx="3784600" cy="369332"/>
+          </a:xfrm>
+          <a:prstGeom prst="rect">
+            <a:avLst/>
+          </a:prstGeom>
+          <a:noFill/>
+        </p:spPr>
+        <p:txBody>
+          <a:bodyPr wrap="square" rtlCol="0">
+            <a:spAutoFit/>
+          </a:bodyPr>
+          <a:lstStyle/>
+          <a:p>
+            <a:r>
+              <a:rPr lang="fr-FR" u="sng" dirty="0">
+                <a:solidFill>
+                  <a:srgbClr val="70AD47"/>
+                </a:solidFill>
+              </a:rPr>
+              <a:t>Son fonctionnement</a:t>
+            </a:r>
+          </a:p>
+        </p:txBody>
+      </p:sp>
+      <p:pic>
+        <p:nvPicPr>
+          <p:cNvPr id="13" name="Image 12">
+            <a:extLst>
+              <a:ext uri="{FF2B5EF4-FFF2-40B4-BE49-F238E27FC236}">
+                <a16:creationId xmlns:a16="http://schemas.microsoft.com/office/drawing/2014/main" id="{463CC4B0-160C-7E34-5BCA-493BE52E95D3}"/>
+              </a:ext>
+            </a:extLst>
+          </p:cNvPr>
+          <p:cNvPicPr>
+            <a:picLocks noChangeAspect="1"/>
+          </p:cNvPicPr>
+          <p:nvPr/>
+        </p:nvPicPr>
+        <p:blipFill>
+          <a:blip r:embed="rId4">
+            <a:extLst>
+              <a:ext uri="{28A0092B-C50C-407E-A947-70E740481C1C}">
+                <a14:useLocalDpi xmlns:a14="http://schemas.microsoft.com/office/drawing/2010/main" val="0"/>
+              </a:ext>
+            </a:extLst>
+          </a:blip>
+          <a:stretch>
+            <a:fillRect/>
+          </a:stretch>
+        </p:blipFill>
+        <p:spPr>
+          <a:xfrm>
+            <a:off x="6751784" y="1877392"/>
+            <a:ext cx="4925865" cy="2420903"/>
+          </a:xfrm>
+          <a:prstGeom prst="rect">
+            <a:avLst/>
+          </a:prstGeom>
+        </p:spPr>
+      </p:pic>
+      <p:sp>
+        <p:nvSpPr>
+          <p:cNvPr id="14" name="ZoneTexte 13">
+            <a:extLst>
+              <a:ext uri="{FF2B5EF4-FFF2-40B4-BE49-F238E27FC236}">
+                <a16:creationId xmlns:a16="http://schemas.microsoft.com/office/drawing/2014/main" id="{4DB64A76-FD89-3068-CF9F-B14241FB02A3}"/>
+              </a:ext>
+            </a:extLst>
+          </p:cNvPr>
+          <p:cNvSpPr txBox="1"/>
+          <p:nvPr/>
+        </p:nvSpPr>
+        <p:spPr>
+          <a:xfrm>
+            <a:off x="6159500" y="4533900"/>
+            <a:ext cx="4838700" cy="646331"/>
+          </a:xfrm>
+          <a:prstGeom prst="rect">
+            <a:avLst/>
+          </a:prstGeom>
+          <a:noFill/>
+        </p:spPr>
+        <p:txBody>
+          <a:bodyPr wrap="square" rtlCol="0">
+            <a:spAutoFit/>
+          </a:bodyPr>
+          <a:lstStyle/>
+          <a:p>
+            <a:r>
+              <a:rPr lang="fr-FR" dirty="0">
+                <a:solidFill>
+                  <a:srgbClr val="70AD47"/>
+                </a:solidFill>
+              </a:rPr>
+              <a:t>Quelques fonction de base présente pour React Modal</a:t>
+            </a:r>
+          </a:p>
+        </p:txBody>
+      </p:sp>
+      <p:cxnSp>
+        <p:nvCxnSpPr>
+          <p:cNvPr id="16" name="Connecteur droit 15">
+            <a:extLst>
+              <a:ext uri="{FF2B5EF4-FFF2-40B4-BE49-F238E27FC236}">
+                <a16:creationId xmlns:a16="http://schemas.microsoft.com/office/drawing/2014/main" id="{FF781C4E-BD41-9F9E-2CA6-A8684FC13423}"/>
+              </a:ext>
+            </a:extLst>
+          </p:cNvPr>
+          <p:cNvCxnSpPr/>
+          <p:nvPr/>
+        </p:nvCxnSpPr>
+        <p:spPr>
+          <a:xfrm>
+            <a:off x="6096000" y="1326034"/>
+            <a:ext cx="0" cy="4960466"/>
+          </a:xfrm>
+          <a:prstGeom prst="line">
+            <a:avLst/>
+          </a:prstGeom>
+          <a:ln w="19050">
+            <a:solidFill>
+              <a:schemeClr val="tx1"/>
+            </a:solidFill>
+          </a:ln>
+        </p:spPr>
+        <p:style>
+          <a:lnRef idx="1">
+            <a:schemeClr val="accent1"/>
+          </a:lnRef>
+          <a:fillRef idx="0">
+            <a:schemeClr val="accent1"/>
+          </a:fillRef>
+          <a:effectRef idx="0">
+            <a:schemeClr val="accent1"/>
+          </a:effectRef>
+          <a:fontRef idx="minor">
+            <a:schemeClr val="tx1"/>
+          </a:fontRef>
+        </p:style>
+      </p:cxnSp>
+      <p:pic>
+        <p:nvPicPr>
+          <p:cNvPr id="18" name="Image 17">
+            <a:extLst>
+              <a:ext uri="{FF2B5EF4-FFF2-40B4-BE49-F238E27FC236}">
+                <a16:creationId xmlns:a16="http://schemas.microsoft.com/office/drawing/2014/main" id="{66FEB384-C490-09EE-3FA9-DB37FAB73175}"/>
+              </a:ext>
+            </a:extLst>
+          </p:cNvPr>
+          <p:cNvPicPr>
+            <a:picLocks noChangeAspect="1"/>
+          </p:cNvPicPr>
+          <p:nvPr/>
+        </p:nvPicPr>
+        <p:blipFill>
+          <a:blip r:embed="rId5">
+            <a:extLst>
+              <a:ext uri="{28A0092B-C50C-407E-A947-70E740481C1C}">
+                <a14:useLocalDpi xmlns:a14="http://schemas.microsoft.com/office/drawing/2010/main" val="0"/>
+              </a:ext>
+            </a:extLst>
+          </a:blip>
+          <a:stretch>
+            <a:fillRect/>
+          </a:stretch>
+        </p:blipFill>
+        <p:spPr>
+          <a:xfrm>
+            <a:off x="907184" y="4461861"/>
+            <a:ext cx="3362325" cy="581025"/>
           </a:xfrm>
           <a:prstGeom prst="rect">
             <a:avLst/>
@@ -3660,12 +9267,122 @@
           <a:chExt cx="0" cy="0"/>
         </a:xfrm>
       </p:grpSpPr>
+      <p:sp>
+        <p:nvSpPr>
+          <p:cNvPr id="2" name="ZoneTexte 1">
+            <a:extLst>
+              <a:ext uri="{FF2B5EF4-FFF2-40B4-BE49-F238E27FC236}">
+                <a16:creationId xmlns:a16="http://schemas.microsoft.com/office/drawing/2014/main" id="{CBCB4B04-950A-D22E-4CF6-DDC1165BFA7C}"/>
+              </a:ext>
+            </a:extLst>
+          </p:cNvPr>
+          <p:cNvSpPr txBox="1"/>
+          <p:nvPr/>
+        </p:nvSpPr>
+        <p:spPr>
+          <a:xfrm>
+            <a:off x="4578350" y="-56642"/>
+            <a:ext cx="3530600" cy="830997"/>
+          </a:xfrm>
+          <a:prstGeom prst="rect">
+            <a:avLst/>
+          </a:prstGeom>
+          <a:noFill/>
+        </p:spPr>
+        <p:txBody>
+          <a:bodyPr wrap="square" rtlCol="0">
+            <a:spAutoFit/>
+          </a:bodyPr>
+          <a:lstStyle/>
+          <a:p>
+            <a:r>
+              <a:rPr lang="fr-FR" sz="4800" dirty="0">
+                <a:solidFill>
+                  <a:srgbClr val="70AD47"/>
+                </a:solidFill>
+              </a:rPr>
+              <a:t>React Modal</a:t>
+            </a:r>
+          </a:p>
+        </p:txBody>
+      </p:sp>
+      <p:sp>
+        <p:nvSpPr>
+          <p:cNvPr id="3" name="ZoneTexte 2">
+            <a:extLst>
+              <a:ext uri="{FF2B5EF4-FFF2-40B4-BE49-F238E27FC236}">
+                <a16:creationId xmlns:a16="http://schemas.microsoft.com/office/drawing/2014/main" id="{637D024B-39E0-C558-300F-FA7D752BE11E}"/>
+              </a:ext>
+            </a:extLst>
+          </p:cNvPr>
+          <p:cNvSpPr txBox="1"/>
+          <p:nvPr/>
+        </p:nvSpPr>
+        <p:spPr>
+          <a:xfrm>
+            <a:off x="793750" y="1052468"/>
+            <a:ext cx="3784600" cy="369332"/>
+          </a:xfrm>
+          <a:prstGeom prst="rect">
+            <a:avLst/>
+          </a:prstGeom>
+          <a:noFill/>
+        </p:spPr>
+        <p:txBody>
+          <a:bodyPr wrap="square" rtlCol="0">
+            <a:spAutoFit/>
+          </a:bodyPr>
+          <a:lstStyle/>
+          <a:p>
+            <a:r>
+              <a:rPr lang="fr-FR" u="sng" dirty="0">
+                <a:solidFill>
+                  <a:srgbClr val="70AD47"/>
+                </a:solidFill>
+              </a:rPr>
+              <a:t>Quelques exemple de fonctionnalités</a:t>
+            </a:r>
+          </a:p>
+        </p:txBody>
+      </p:sp>
+      <p:sp>
+        <p:nvSpPr>
+          <p:cNvPr id="11" name="ZoneTexte 10">
+            <a:extLst>
+              <a:ext uri="{FF2B5EF4-FFF2-40B4-BE49-F238E27FC236}">
+                <a16:creationId xmlns:a16="http://schemas.microsoft.com/office/drawing/2014/main" id="{DAEFF2AB-0222-1943-9616-CFD248E6FEEA}"/>
+              </a:ext>
+            </a:extLst>
+          </p:cNvPr>
+          <p:cNvSpPr txBox="1"/>
+          <p:nvPr/>
+        </p:nvSpPr>
+        <p:spPr>
+          <a:xfrm>
+            <a:off x="603250" y="5951562"/>
+            <a:ext cx="5035550" cy="652438"/>
+          </a:xfrm>
+          <a:prstGeom prst="rect">
+            <a:avLst/>
+          </a:prstGeom>
+          <a:noFill/>
+        </p:spPr>
+        <p:txBody>
+          <a:bodyPr wrap="square" rtlCol="0">
+            <a:spAutoFit/>
+          </a:bodyPr>
+          <a:lstStyle/>
+          <a:p>
+            <a:endParaRPr lang="fr-FR" dirty="0"/>
+          </a:p>
+        </p:txBody>
+      </p:sp>
       <p:pic>
         <p:nvPicPr>
-          <p:cNvPr id="4" name="Image 3">
-            <a:extLst>
-              <a:ext uri="{FF2B5EF4-FFF2-40B4-BE49-F238E27FC236}">
-                <a16:creationId xmlns:a16="http://schemas.microsoft.com/office/drawing/2014/main" id="{A860983C-F903-ED9D-0B3F-188CFAA97071}"/>
+          <p:cNvPr id="13" name="Image 12">
+            <a:extLst>
+              <a:ext uri="{FF2B5EF4-FFF2-40B4-BE49-F238E27FC236}">
+                <a16:creationId xmlns:a16="http://schemas.microsoft.com/office/drawing/2014/main" id="{86F2E386-E31E-9E5F-CF8B-42EEA60797A0}"/>
               </a:ext>
             </a:extLst>
           </p:cNvPr>
@@ -3675,21 +9392,561 @@
           <p:nvPr/>
         </p:nvPicPr>
         <p:blipFill>
-          <a:blip r:embed="rId2"/>
+          <a:blip r:embed="rId2">
+            <a:extLst>
+              <a:ext uri="{28A0092B-C50C-407E-A947-70E740481C1C}">
+                <a14:useLocalDpi xmlns:a14="http://schemas.microsoft.com/office/drawing/2010/main" val="0"/>
+              </a:ext>
+            </a:extLst>
+          </a:blip>
           <a:stretch>
             <a:fillRect/>
           </a:stretch>
         </p:blipFill>
         <p:spPr>
           <a:xfrm>
-            <a:off x="8603672" y="5485101"/>
-            <a:ext cx="3297383" cy="1155876"/>
+            <a:off x="793750" y="1432823"/>
+            <a:ext cx="5153025" cy="3543300"/>
           </a:xfrm>
           <a:prstGeom prst="rect">
             <a:avLst/>
           </a:prstGeom>
         </p:spPr>
       </p:pic>
+      <p:pic>
+        <p:nvPicPr>
+          <p:cNvPr id="15" name="Image 14">
+            <a:extLst>
+              <a:ext uri="{FF2B5EF4-FFF2-40B4-BE49-F238E27FC236}">
+                <a16:creationId xmlns:a16="http://schemas.microsoft.com/office/drawing/2014/main" id="{FA90050E-ABA2-72E6-821B-7926AF9AE690}"/>
+              </a:ext>
+            </a:extLst>
+          </p:cNvPr>
+          <p:cNvPicPr>
+            <a:picLocks noChangeAspect="1"/>
+          </p:cNvPicPr>
+          <p:nvPr/>
+        </p:nvPicPr>
+        <p:blipFill>
+          <a:blip r:embed="rId3">
+            <a:extLst>
+              <a:ext uri="{28A0092B-C50C-407E-A947-70E740481C1C}">
+                <a14:useLocalDpi xmlns:a14="http://schemas.microsoft.com/office/drawing/2010/main" val="0"/>
+              </a:ext>
+            </a:extLst>
+          </a:blip>
+          <a:stretch>
+            <a:fillRect/>
+          </a:stretch>
+        </p:blipFill>
+        <p:spPr>
+          <a:xfrm>
+            <a:off x="6761021" y="1414971"/>
+            <a:ext cx="5029197" cy="3449235"/>
+          </a:xfrm>
+          <a:prstGeom prst="rect">
+            <a:avLst/>
+          </a:prstGeom>
+        </p:spPr>
+      </p:pic>
+      <p:sp>
+        <p:nvSpPr>
+          <p:cNvPr id="16" name="ZoneTexte 15">
+            <a:extLst>
+              <a:ext uri="{FF2B5EF4-FFF2-40B4-BE49-F238E27FC236}">
+                <a16:creationId xmlns:a16="http://schemas.microsoft.com/office/drawing/2014/main" id="{966E5F15-507C-2D5A-5E5B-8EA5F28F20C2}"/>
+              </a:ext>
+            </a:extLst>
+          </p:cNvPr>
+          <p:cNvSpPr txBox="1"/>
+          <p:nvPr/>
+        </p:nvSpPr>
+        <p:spPr>
+          <a:xfrm>
+            <a:off x="796925" y="5097735"/>
+            <a:ext cx="4841875" cy="2031325"/>
+          </a:xfrm>
+          <a:prstGeom prst="rect">
+            <a:avLst/>
+          </a:prstGeom>
+          <a:noFill/>
+          <a:ln>
+            <a:noFill/>
+          </a:ln>
+        </p:spPr>
+        <p:txBody>
+          <a:bodyPr wrap="square" rtlCol="0">
+            <a:spAutoFit/>
+          </a:bodyPr>
+          <a:lstStyle/>
+          <a:p>
+            <a:pPr marL="285750" indent="-285750">
+              <a:buFont typeface="Arial" panose="020B0604020202020204" pitchFamily="34" charset="0"/>
+              <a:buChar char="•"/>
+            </a:pPr>
+            <a:r>
+              <a:rPr lang="fr-FR" dirty="0">
+                <a:solidFill>
+                  <a:srgbClr val="FF0000"/>
+                </a:solidFill>
+              </a:rPr>
+              <a:t>On importe React + React-modal</a:t>
+            </a:r>
+          </a:p>
+          <a:p>
+            <a:pPr marL="285750" indent="-285750">
+              <a:buFont typeface="Arial" panose="020B0604020202020204" pitchFamily="34" charset="0"/>
+              <a:buChar char="•"/>
+            </a:pPr>
+            <a:r>
+              <a:rPr lang="fr-FR" dirty="0">
+                <a:solidFill>
+                  <a:srgbClr val="45915E"/>
+                </a:solidFill>
+              </a:rPr>
+              <a:t>On crée notre fonction en rendant notre modal fermé par défaut (</a:t>
+            </a:r>
+            <a:r>
+              <a:rPr lang="fr-FR" dirty="0" err="1">
+                <a:solidFill>
+                  <a:srgbClr val="45915E"/>
+                </a:solidFill>
+              </a:rPr>
+              <a:t>useState</a:t>
+            </a:r>
+            <a:r>
+              <a:rPr lang="fr-FR" dirty="0">
+                <a:solidFill>
+                  <a:srgbClr val="45915E"/>
+                </a:solidFill>
+              </a:rPr>
+              <a:t>(false))</a:t>
+            </a:r>
+          </a:p>
+          <a:p>
+            <a:pPr marL="285750" indent="-285750">
+              <a:buFont typeface="Arial" panose="020B0604020202020204" pitchFamily="34" charset="0"/>
+              <a:buChar char="•"/>
+            </a:pPr>
+            <a:r>
+              <a:rPr lang="fr-FR" dirty="0">
+                <a:solidFill>
+                  <a:srgbClr val="00B0F0"/>
+                </a:solidFill>
+              </a:rPr>
+              <a:t>On crée 2 objets, 1 pour ouvrir et l’autre pour fermé la modal.</a:t>
+            </a:r>
+          </a:p>
+          <a:p>
+            <a:pPr marL="285750" indent="-285750">
+              <a:buFont typeface="Arial" panose="020B0604020202020204" pitchFamily="34" charset="0"/>
+              <a:buChar char="•"/>
+            </a:pPr>
+            <a:endParaRPr lang="fr-FR" dirty="0"/>
+          </a:p>
+          <a:p>
+            <a:endParaRPr lang="fr-FR" dirty="0"/>
+          </a:p>
+        </p:txBody>
+      </p:sp>
+      <p:sp>
+        <p:nvSpPr>
+          <p:cNvPr id="18" name="Rectangle : coins arrondis 17">
+            <a:extLst>
+              <a:ext uri="{FF2B5EF4-FFF2-40B4-BE49-F238E27FC236}">
+                <a16:creationId xmlns:a16="http://schemas.microsoft.com/office/drawing/2014/main" id="{5DD54FC9-40AB-F74F-9FAE-D5A37C904E46}"/>
+              </a:ext>
+            </a:extLst>
+          </p:cNvPr>
+          <p:cNvSpPr/>
+          <p:nvPr/>
+        </p:nvSpPr>
+        <p:spPr>
+          <a:xfrm>
+            <a:off x="821460" y="1447200"/>
+            <a:ext cx="4311650" cy="436265"/>
+          </a:xfrm>
+          <a:prstGeom prst="roundRect">
+            <a:avLst/>
+          </a:prstGeom>
+          <a:noFill/>
+          <a:ln>
+            <a:solidFill>
+              <a:srgbClr val="FF0000"/>
+            </a:solidFill>
+          </a:ln>
+        </p:spPr>
+        <p:style>
+          <a:lnRef idx="2">
+            <a:schemeClr val="accent1">
+              <a:shade val="15000"/>
+            </a:schemeClr>
+          </a:lnRef>
+          <a:fillRef idx="1">
+            <a:schemeClr val="accent1"/>
+          </a:fillRef>
+          <a:effectRef idx="0">
+            <a:schemeClr val="accent1"/>
+          </a:effectRef>
+          <a:fontRef idx="minor">
+            <a:schemeClr val="lt1"/>
+          </a:fontRef>
+        </p:style>
+        <p:txBody>
+          <a:bodyPr rtlCol="0" anchor="ctr"/>
+          <a:lstStyle/>
+          <a:p>
+            <a:pPr algn="ctr"/>
+            <a:endParaRPr lang="fr-FR">
+              <a:solidFill>
+                <a:srgbClr val="70AD47"/>
+              </a:solidFill>
+            </a:endParaRPr>
+          </a:p>
+        </p:txBody>
+      </p:sp>
+      <p:sp>
+        <p:nvSpPr>
+          <p:cNvPr id="19" name="Rectangle : coins arrondis 18">
+            <a:extLst>
+              <a:ext uri="{FF2B5EF4-FFF2-40B4-BE49-F238E27FC236}">
+                <a16:creationId xmlns:a16="http://schemas.microsoft.com/office/drawing/2014/main" id="{3AA04EB0-91C9-4450-6653-DF8A31FF3F4A}"/>
+              </a:ext>
+            </a:extLst>
+          </p:cNvPr>
+          <p:cNvSpPr/>
+          <p:nvPr/>
+        </p:nvSpPr>
+        <p:spPr>
+          <a:xfrm>
+            <a:off x="821460" y="2614722"/>
+            <a:ext cx="4845050" cy="585678"/>
+          </a:xfrm>
+          <a:prstGeom prst="roundRect">
+            <a:avLst/>
+          </a:prstGeom>
+          <a:noFill/>
+          <a:ln>
+            <a:solidFill>
+              <a:srgbClr val="00B050"/>
+            </a:solidFill>
+          </a:ln>
+        </p:spPr>
+        <p:style>
+          <a:lnRef idx="2">
+            <a:schemeClr val="accent1">
+              <a:shade val="15000"/>
+            </a:schemeClr>
+          </a:lnRef>
+          <a:fillRef idx="1">
+            <a:schemeClr val="accent1"/>
+          </a:fillRef>
+          <a:effectRef idx="0">
+            <a:schemeClr val="accent1"/>
+          </a:effectRef>
+          <a:fontRef idx="minor">
+            <a:schemeClr val="lt1"/>
+          </a:fontRef>
+        </p:style>
+        <p:txBody>
+          <a:bodyPr rtlCol="0" anchor="ctr"/>
+          <a:lstStyle/>
+          <a:p>
+            <a:pPr algn="ctr"/>
+            <a:endParaRPr lang="fr-FR"/>
+          </a:p>
+        </p:txBody>
+      </p:sp>
+      <p:sp>
+        <p:nvSpPr>
+          <p:cNvPr id="20" name="Rectangle : coins arrondis 19">
+            <a:extLst>
+              <a:ext uri="{FF2B5EF4-FFF2-40B4-BE49-F238E27FC236}">
+                <a16:creationId xmlns:a16="http://schemas.microsoft.com/office/drawing/2014/main" id="{5CCE8250-1DB4-442E-2DCD-856E044F89C7}"/>
+              </a:ext>
+            </a:extLst>
+          </p:cNvPr>
+          <p:cNvSpPr/>
+          <p:nvPr/>
+        </p:nvSpPr>
+        <p:spPr>
+          <a:xfrm>
+            <a:off x="821460" y="3294302"/>
+            <a:ext cx="4311650" cy="1312615"/>
+          </a:xfrm>
+          <a:prstGeom prst="roundRect">
+            <a:avLst/>
+          </a:prstGeom>
+          <a:noFill/>
+          <a:ln>
+            <a:solidFill>
+              <a:srgbClr val="00B0F0"/>
+            </a:solidFill>
+          </a:ln>
+        </p:spPr>
+        <p:style>
+          <a:lnRef idx="2">
+            <a:schemeClr val="accent1">
+              <a:shade val="15000"/>
+            </a:schemeClr>
+          </a:lnRef>
+          <a:fillRef idx="1">
+            <a:schemeClr val="accent1"/>
+          </a:fillRef>
+          <a:effectRef idx="0">
+            <a:schemeClr val="accent1"/>
+          </a:effectRef>
+          <a:fontRef idx="minor">
+            <a:schemeClr val="lt1"/>
+          </a:fontRef>
+        </p:style>
+        <p:txBody>
+          <a:bodyPr rtlCol="0" anchor="ctr"/>
+          <a:lstStyle/>
+          <a:p>
+            <a:pPr algn="ctr"/>
+            <a:endParaRPr lang="fr-FR"/>
+          </a:p>
+        </p:txBody>
+      </p:sp>
+      <p:sp>
+        <p:nvSpPr>
+          <p:cNvPr id="21" name="ZoneTexte 20">
+            <a:extLst>
+              <a:ext uri="{FF2B5EF4-FFF2-40B4-BE49-F238E27FC236}">
+                <a16:creationId xmlns:a16="http://schemas.microsoft.com/office/drawing/2014/main" id="{E70D76BA-77AD-ED63-AEDE-2558E0D0E648}"/>
+              </a:ext>
+            </a:extLst>
+          </p:cNvPr>
+          <p:cNvSpPr txBox="1"/>
+          <p:nvPr/>
+        </p:nvSpPr>
+        <p:spPr>
+          <a:xfrm>
+            <a:off x="6553203" y="5092580"/>
+            <a:ext cx="5444834" cy="2031325"/>
+          </a:xfrm>
+          <a:prstGeom prst="rect">
+            <a:avLst/>
+          </a:prstGeom>
+          <a:noFill/>
+        </p:spPr>
+        <p:txBody>
+          <a:bodyPr wrap="square" rtlCol="0">
+            <a:spAutoFit/>
+          </a:bodyPr>
+          <a:lstStyle/>
+          <a:p>
+            <a:pPr marL="285750" indent="-285750">
+              <a:buFont typeface="Arial" panose="020B0604020202020204" pitchFamily="34" charset="0"/>
+              <a:buChar char="•"/>
+            </a:pPr>
+            <a:r>
+              <a:rPr lang="fr-FR" dirty="0">
+                <a:solidFill>
+                  <a:srgbClr val="FF0000"/>
+                </a:solidFill>
+              </a:rPr>
+              <a:t>On crée un bouton pour ouvrir la modal vue que celle-ci est fermé par défaut</a:t>
+            </a:r>
+          </a:p>
+          <a:p>
+            <a:pPr marL="285750" indent="-285750">
+              <a:buFont typeface="Arial" panose="020B0604020202020204" pitchFamily="34" charset="0"/>
+              <a:buChar char="•"/>
+            </a:pPr>
+            <a:r>
+              <a:rPr lang="fr-FR" dirty="0">
+                <a:solidFill>
+                  <a:srgbClr val="337D3F"/>
+                </a:solidFill>
+              </a:rPr>
+              <a:t>On écrit Modal précédés d’un crochet en lui donnant des attributs établis au préalable et on ferme le crochet</a:t>
+            </a:r>
+          </a:p>
+          <a:p>
+            <a:pPr marL="285750" indent="-285750">
+              <a:buFont typeface="Arial" panose="020B0604020202020204" pitchFamily="34" charset="0"/>
+              <a:buChar char="•"/>
+            </a:pPr>
+            <a:r>
+              <a:rPr lang="fr-FR" dirty="0">
+                <a:solidFill>
+                  <a:srgbClr val="00B0F0"/>
+                </a:solidFill>
+              </a:rPr>
+              <a:t>Dans mon élément modal j’inscris mon code HTML</a:t>
+            </a:r>
+          </a:p>
+          <a:p>
+            <a:pPr marL="285750" indent="-285750">
+              <a:buFont typeface="Arial" panose="020B0604020202020204" pitchFamily="34" charset="0"/>
+              <a:buChar char="•"/>
+            </a:pPr>
+            <a:endParaRPr lang="fr-FR" dirty="0"/>
+          </a:p>
+        </p:txBody>
+      </p:sp>
+      <p:sp>
+        <p:nvSpPr>
+          <p:cNvPr id="22" name="Rectangle : coins arrondis 21">
+            <a:extLst>
+              <a:ext uri="{FF2B5EF4-FFF2-40B4-BE49-F238E27FC236}">
+                <a16:creationId xmlns:a16="http://schemas.microsoft.com/office/drawing/2014/main" id="{FE58DAB6-D150-E471-6E36-6B9F6B6C6AAD}"/>
+              </a:ext>
+            </a:extLst>
+          </p:cNvPr>
+          <p:cNvSpPr/>
+          <p:nvPr/>
+        </p:nvSpPr>
+        <p:spPr>
+          <a:xfrm>
+            <a:off x="6996539" y="1883465"/>
+            <a:ext cx="4544295" cy="222426"/>
+          </a:xfrm>
+          <a:prstGeom prst="roundRect">
+            <a:avLst/>
+          </a:prstGeom>
+          <a:noFill/>
+          <a:ln>
+            <a:solidFill>
+              <a:srgbClr val="FF0000"/>
+            </a:solidFill>
+          </a:ln>
+        </p:spPr>
+        <p:style>
+          <a:lnRef idx="2">
+            <a:schemeClr val="accent1">
+              <a:shade val="15000"/>
+            </a:schemeClr>
+          </a:lnRef>
+          <a:fillRef idx="1">
+            <a:schemeClr val="accent1"/>
+          </a:fillRef>
+          <a:effectRef idx="0">
+            <a:schemeClr val="accent1"/>
+          </a:effectRef>
+          <a:fontRef idx="minor">
+            <a:schemeClr val="lt1"/>
+          </a:fontRef>
+        </p:style>
+        <p:txBody>
+          <a:bodyPr rtlCol="0" anchor="ctr"/>
+          <a:lstStyle/>
+          <a:p>
+            <a:pPr algn="ctr"/>
+            <a:endParaRPr lang="fr-FR">
+              <a:solidFill>
+                <a:srgbClr val="70AD47"/>
+              </a:solidFill>
+            </a:endParaRPr>
+          </a:p>
+        </p:txBody>
+      </p:sp>
+      <p:sp>
+        <p:nvSpPr>
+          <p:cNvPr id="23" name="Rectangle : coins arrondis 22">
+            <a:extLst>
+              <a:ext uri="{FF2B5EF4-FFF2-40B4-BE49-F238E27FC236}">
+                <a16:creationId xmlns:a16="http://schemas.microsoft.com/office/drawing/2014/main" id="{9094295C-D9B0-79D0-9F3F-11515622AB3E}"/>
+              </a:ext>
+            </a:extLst>
+          </p:cNvPr>
+          <p:cNvSpPr/>
+          <p:nvPr/>
+        </p:nvSpPr>
+        <p:spPr>
+          <a:xfrm>
+            <a:off x="6996545" y="2133602"/>
+            <a:ext cx="3380510" cy="949010"/>
+          </a:xfrm>
+          <a:prstGeom prst="roundRect">
+            <a:avLst/>
+          </a:prstGeom>
+          <a:noFill/>
+          <a:ln>
+            <a:solidFill>
+              <a:srgbClr val="00B050"/>
+            </a:solidFill>
+          </a:ln>
+        </p:spPr>
+        <p:style>
+          <a:lnRef idx="2">
+            <a:schemeClr val="accent1">
+              <a:shade val="15000"/>
+            </a:schemeClr>
+          </a:lnRef>
+          <a:fillRef idx="1">
+            <a:schemeClr val="accent1"/>
+          </a:fillRef>
+          <a:effectRef idx="0">
+            <a:schemeClr val="accent1"/>
+          </a:effectRef>
+          <a:fontRef idx="minor">
+            <a:schemeClr val="lt1"/>
+          </a:fontRef>
+        </p:style>
+        <p:txBody>
+          <a:bodyPr rtlCol="0" anchor="ctr"/>
+          <a:lstStyle/>
+          <a:p>
+            <a:pPr algn="ctr"/>
+            <a:endParaRPr lang="fr-FR"/>
+          </a:p>
+        </p:txBody>
+      </p:sp>
+      <p:sp>
+        <p:nvSpPr>
+          <p:cNvPr id="24" name="Rectangle : coins arrondis 23">
+            <a:extLst>
+              <a:ext uri="{FF2B5EF4-FFF2-40B4-BE49-F238E27FC236}">
+                <a16:creationId xmlns:a16="http://schemas.microsoft.com/office/drawing/2014/main" id="{07F68531-0B77-CCCF-8AD3-7AFD21E52C40}"/>
+              </a:ext>
+            </a:extLst>
+          </p:cNvPr>
+          <p:cNvSpPr/>
+          <p:nvPr/>
+        </p:nvSpPr>
+        <p:spPr>
+          <a:xfrm>
+            <a:off x="6862041" y="3110322"/>
+            <a:ext cx="4706504" cy="1312615"/>
+          </a:xfrm>
+          <a:prstGeom prst="roundRect">
+            <a:avLst/>
+          </a:prstGeom>
+          <a:noFill/>
+          <a:ln>
+            <a:solidFill>
+              <a:srgbClr val="00B0F0"/>
+            </a:solidFill>
+          </a:ln>
+        </p:spPr>
+        <p:style>
+          <a:lnRef idx="2">
+            <a:schemeClr val="accent1">
+              <a:shade val="15000"/>
+            </a:schemeClr>
+          </a:lnRef>
+          <a:fillRef idx="1">
+            <a:schemeClr val="accent1"/>
+          </a:fillRef>
+          <a:effectRef idx="0">
+            <a:schemeClr val="accent1"/>
+          </a:effectRef>
+          <a:fontRef idx="minor">
+            <a:schemeClr val="lt1"/>
+          </a:fontRef>
+        </p:style>
+        <p:txBody>
+          <a:bodyPr rtlCol="0" anchor="ctr"/>
+          <a:lstStyle/>
+          <a:p>
+            <a:pPr algn="ctr"/>
+            <a:endParaRPr lang="fr-FR"/>
+          </a:p>
+        </p:txBody>
+      </p:sp>
     </p:spTree>
     <p:extLst>
       <p:ext uri="{BB962C8B-B14F-4D97-AF65-F5344CB8AC3E}">
@@ -3728,12 +9985,268 @@
           <a:chExt cx="0" cy="0"/>
         </a:xfrm>
       </p:grpSpPr>
+      <p:sp>
+        <p:nvSpPr>
+          <p:cNvPr id="2" name="ZoneTexte 1">
+            <a:extLst>
+              <a:ext uri="{FF2B5EF4-FFF2-40B4-BE49-F238E27FC236}">
+                <a16:creationId xmlns:a16="http://schemas.microsoft.com/office/drawing/2014/main" id="{BD53A69F-D133-5729-B602-B6CA4CE813FC}"/>
+              </a:ext>
+            </a:extLst>
+          </p:cNvPr>
+          <p:cNvSpPr txBox="1"/>
+          <p:nvPr/>
+        </p:nvSpPr>
+        <p:spPr>
+          <a:xfrm>
+            <a:off x="796925" y="589689"/>
+            <a:ext cx="4124614" cy="369332"/>
+          </a:xfrm>
+          <a:prstGeom prst="rect">
+            <a:avLst/>
+          </a:prstGeom>
+          <a:noFill/>
+        </p:spPr>
+        <p:txBody>
+          <a:bodyPr wrap="square" rtlCol="0">
+            <a:spAutoFit/>
+          </a:bodyPr>
+          <a:lstStyle/>
+          <a:p>
+            <a:r>
+              <a:rPr lang="fr-FR" u="sng" dirty="0">
+                <a:solidFill>
+                  <a:srgbClr val="70AD47"/>
+                </a:solidFill>
+              </a:rPr>
+              <a:t>Exemples dans le cas d’une fenêtre login</a:t>
+            </a:r>
+          </a:p>
+        </p:txBody>
+      </p:sp>
+      <p:sp>
+        <p:nvSpPr>
+          <p:cNvPr id="3" name="ZoneTexte 2">
+            <a:extLst>
+              <a:ext uri="{FF2B5EF4-FFF2-40B4-BE49-F238E27FC236}">
+                <a16:creationId xmlns:a16="http://schemas.microsoft.com/office/drawing/2014/main" id="{395A9249-547A-CA87-485D-2ADA9B6256A4}"/>
+              </a:ext>
+            </a:extLst>
+          </p:cNvPr>
+          <p:cNvSpPr txBox="1"/>
+          <p:nvPr/>
+        </p:nvSpPr>
+        <p:spPr>
+          <a:xfrm>
+            <a:off x="193963" y="5097735"/>
+            <a:ext cx="6083446" cy="2308324"/>
+          </a:xfrm>
+          <a:prstGeom prst="rect">
+            <a:avLst/>
+          </a:prstGeom>
+          <a:noFill/>
+          <a:ln>
+            <a:noFill/>
+          </a:ln>
+        </p:spPr>
+        <p:txBody>
+          <a:bodyPr wrap="square" rtlCol="0">
+            <a:spAutoFit/>
+          </a:bodyPr>
+          <a:lstStyle/>
+          <a:p>
+            <a:pPr marL="285750" indent="-285750">
+              <a:buFont typeface="Arial" panose="020B0604020202020204" pitchFamily="34" charset="0"/>
+              <a:buChar char="•"/>
+            </a:pPr>
+            <a:r>
+              <a:rPr lang="fr-FR" dirty="0">
+                <a:solidFill>
+                  <a:srgbClr val="FF0000"/>
+                </a:solidFill>
+              </a:rPr>
+              <a:t>Notion non évoqués lors du premier exemple, on rattache notre élément générés au DOM</a:t>
+            </a:r>
+          </a:p>
+          <a:p>
+            <a:pPr marL="285750" indent="-285750">
+              <a:buFont typeface="Arial" panose="020B0604020202020204" pitchFamily="34" charset="0"/>
+              <a:buChar char="•"/>
+            </a:pPr>
+            <a:r>
+              <a:rPr lang="fr-FR" dirty="0">
+                <a:solidFill>
+                  <a:srgbClr val="00B050"/>
+                </a:solidFill>
+              </a:rPr>
+              <a:t>On retrouve nos objets pour fermé et ouvrir notre modal</a:t>
+            </a:r>
+          </a:p>
+          <a:p>
+            <a:pPr marL="285750" indent="-285750">
+              <a:buFont typeface="Arial" panose="020B0604020202020204" pitchFamily="34" charset="0"/>
+              <a:buChar char="•"/>
+            </a:pPr>
+            <a:r>
+              <a:rPr lang="fr-FR" dirty="0">
+                <a:solidFill>
+                  <a:srgbClr val="00B0F0"/>
+                </a:solidFill>
+              </a:rPr>
+              <a:t>On prévoit la fonction pour notre bouton se connecter, pour que celui-ci </a:t>
+            </a:r>
+            <a:r>
+              <a:rPr lang="fr-FR" dirty="0" err="1">
+                <a:solidFill>
+                  <a:srgbClr val="00B0F0"/>
+                </a:solidFill>
+              </a:rPr>
+              <a:t>récupére</a:t>
+            </a:r>
+            <a:r>
+              <a:rPr lang="fr-FR" dirty="0">
+                <a:solidFill>
+                  <a:srgbClr val="00B0F0"/>
+                </a:solidFill>
+              </a:rPr>
+              <a:t> les informations et ferme la modal a la fin de l’opération</a:t>
+            </a:r>
+          </a:p>
+          <a:p>
+            <a:pPr marL="285750" indent="-285750">
+              <a:buFont typeface="Arial" panose="020B0604020202020204" pitchFamily="34" charset="0"/>
+              <a:buChar char="•"/>
+            </a:pPr>
+            <a:endParaRPr lang="fr-FR" dirty="0"/>
+          </a:p>
+          <a:p>
+            <a:endParaRPr lang="fr-FR" dirty="0"/>
+          </a:p>
+        </p:txBody>
+      </p:sp>
+      <p:sp>
+        <p:nvSpPr>
+          <p:cNvPr id="6" name="ZoneTexte 5">
+            <a:extLst>
+              <a:ext uri="{FF2B5EF4-FFF2-40B4-BE49-F238E27FC236}">
+                <a16:creationId xmlns:a16="http://schemas.microsoft.com/office/drawing/2014/main" id="{83BDB96E-3365-4202-A6F4-E19DF3C6A6B0}"/>
+              </a:ext>
+            </a:extLst>
+          </p:cNvPr>
+          <p:cNvSpPr txBox="1"/>
+          <p:nvPr/>
+        </p:nvSpPr>
+        <p:spPr>
+          <a:xfrm>
+            <a:off x="6553203" y="5092580"/>
+            <a:ext cx="5444834" cy="2031325"/>
+          </a:xfrm>
+          <a:prstGeom prst="rect">
+            <a:avLst/>
+          </a:prstGeom>
+          <a:noFill/>
+        </p:spPr>
+        <p:txBody>
+          <a:bodyPr wrap="square" rtlCol="0">
+            <a:spAutoFit/>
+          </a:bodyPr>
+          <a:lstStyle/>
+          <a:p>
+            <a:pPr marL="285750" indent="-285750">
+              <a:buFont typeface="Arial" panose="020B0604020202020204" pitchFamily="34" charset="0"/>
+              <a:buChar char="•"/>
+            </a:pPr>
+            <a:r>
+              <a:rPr lang="fr-FR" dirty="0">
+                <a:solidFill>
+                  <a:srgbClr val="FF0000"/>
+                </a:solidFill>
+              </a:rPr>
+              <a:t>Toujours le bouton nécessaire à l’ouverture de notre modal</a:t>
+            </a:r>
+          </a:p>
+          <a:p>
+            <a:pPr marL="285750" indent="-285750">
+              <a:buFont typeface="Arial" panose="020B0604020202020204" pitchFamily="34" charset="0"/>
+              <a:buChar char="•"/>
+            </a:pPr>
+            <a:r>
+              <a:rPr lang="fr-FR" dirty="0">
+                <a:solidFill>
+                  <a:srgbClr val="337D3F"/>
+                </a:solidFill>
+              </a:rPr>
+              <a:t>On retrouve aussi notre élément modal entre crochet avec ses attributs préétablis</a:t>
+            </a:r>
+          </a:p>
+          <a:p>
+            <a:pPr marL="285750" indent="-285750">
+              <a:buFont typeface="Arial" panose="020B0604020202020204" pitchFamily="34" charset="0"/>
+              <a:buChar char="•"/>
+            </a:pPr>
+            <a:r>
+              <a:rPr lang="fr-FR" dirty="0">
+                <a:solidFill>
+                  <a:srgbClr val="00B0F0"/>
+                </a:solidFill>
+              </a:rPr>
+              <a:t>Dans mon élément modal j’inscris mon code HTML et je prévois de le récupérer depuis l’élément input</a:t>
+            </a:r>
+          </a:p>
+          <a:p>
+            <a:pPr marL="285750" indent="-285750">
+              <a:buFont typeface="Arial" panose="020B0604020202020204" pitchFamily="34" charset="0"/>
+              <a:buChar char="•"/>
+            </a:pPr>
+            <a:endParaRPr lang="fr-FR" dirty="0"/>
+          </a:p>
+        </p:txBody>
+      </p:sp>
+      <p:sp>
+        <p:nvSpPr>
+          <p:cNvPr id="7" name="ZoneTexte 6">
+            <a:extLst>
+              <a:ext uri="{FF2B5EF4-FFF2-40B4-BE49-F238E27FC236}">
+                <a16:creationId xmlns:a16="http://schemas.microsoft.com/office/drawing/2014/main" id="{B8B00C4C-8F29-271A-0670-BEEF186ACC9A}"/>
+              </a:ext>
+            </a:extLst>
+          </p:cNvPr>
+          <p:cNvSpPr txBox="1"/>
+          <p:nvPr/>
+        </p:nvSpPr>
+        <p:spPr>
+          <a:xfrm>
+            <a:off x="4578350" y="-56642"/>
+            <a:ext cx="3530600" cy="830997"/>
+          </a:xfrm>
+          <a:prstGeom prst="rect">
+            <a:avLst/>
+          </a:prstGeom>
+          <a:noFill/>
+        </p:spPr>
+        <p:txBody>
+          <a:bodyPr wrap="square" rtlCol="0">
+            <a:spAutoFit/>
+          </a:bodyPr>
+          <a:lstStyle/>
+          <a:p>
+            <a:r>
+              <a:rPr lang="fr-FR" sz="4800" dirty="0">
+                <a:solidFill>
+                  <a:srgbClr val="70AD47"/>
+                </a:solidFill>
+              </a:rPr>
+              <a:t>React Modal</a:t>
+            </a:r>
+          </a:p>
+        </p:txBody>
+      </p:sp>
       <p:pic>
         <p:nvPicPr>
-          <p:cNvPr id="4" name="Image 3">
-            <a:extLst>
-              <a:ext uri="{FF2B5EF4-FFF2-40B4-BE49-F238E27FC236}">
-                <a16:creationId xmlns:a16="http://schemas.microsoft.com/office/drawing/2014/main" id="{A860983C-F903-ED9D-0B3F-188CFAA97071}"/>
+          <p:cNvPr id="9" name="Image 8">
+            <a:extLst>
+              <a:ext uri="{FF2B5EF4-FFF2-40B4-BE49-F238E27FC236}">
+                <a16:creationId xmlns:a16="http://schemas.microsoft.com/office/drawing/2014/main" id="{8DB338A6-4E1C-1695-D5FA-B390DA3A5D2D}"/>
               </a:ext>
             </a:extLst>
           </p:cNvPr>
@@ -3743,21 +10256,439 @@
           <p:nvPr/>
         </p:nvPicPr>
         <p:blipFill>
-          <a:blip r:embed="rId2"/>
+          <a:blip r:embed="rId2">
+            <a:extLst>
+              <a:ext uri="{28A0092B-C50C-407E-A947-70E740481C1C}">
+                <a14:useLocalDpi xmlns:a14="http://schemas.microsoft.com/office/drawing/2010/main" val="0"/>
+              </a:ext>
+            </a:extLst>
+          </a:blip>
           <a:stretch>
             <a:fillRect/>
           </a:stretch>
         </p:blipFill>
         <p:spPr>
           <a:xfrm>
-            <a:off x="8603672" y="5485101"/>
-            <a:ext cx="3297383" cy="1155876"/>
+            <a:off x="6880368" y="753542"/>
+            <a:ext cx="4841875" cy="4359852"/>
           </a:xfrm>
           <a:prstGeom prst="rect">
             <a:avLst/>
           </a:prstGeom>
         </p:spPr>
       </p:pic>
+      <p:pic>
+        <p:nvPicPr>
+          <p:cNvPr id="11" name="Image 10">
+            <a:extLst>
+              <a:ext uri="{FF2B5EF4-FFF2-40B4-BE49-F238E27FC236}">
+                <a16:creationId xmlns:a16="http://schemas.microsoft.com/office/drawing/2014/main" id="{C6F15F1D-6325-5550-95F4-2DCE6D94617E}"/>
+              </a:ext>
+            </a:extLst>
+          </p:cNvPr>
+          <p:cNvPicPr>
+            <a:picLocks noChangeAspect="1"/>
+          </p:cNvPicPr>
+          <p:nvPr/>
+        </p:nvPicPr>
+        <p:blipFill>
+          <a:blip r:embed="rId3">
+            <a:extLst>
+              <a:ext uri="{28A0092B-C50C-407E-A947-70E740481C1C}">
+                <a14:useLocalDpi xmlns:a14="http://schemas.microsoft.com/office/drawing/2010/main" val="0"/>
+              </a:ext>
+            </a:extLst>
+          </a:blip>
+          <a:stretch>
+            <a:fillRect/>
+          </a:stretch>
+        </p:blipFill>
+        <p:spPr>
+          <a:xfrm>
+            <a:off x="805797" y="1030849"/>
+            <a:ext cx="4329394" cy="3805238"/>
+          </a:xfrm>
+          <a:prstGeom prst="rect">
+            <a:avLst/>
+          </a:prstGeom>
+        </p:spPr>
+      </p:pic>
+      <p:sp>
+        <p:nvSpPr>
+          <p:cNvPr id="12" name="Rectangle : coins arrondis 11">
+            <a:extLst>
+              <a:ext uri="{FF2B5EF4-FFF2-40B4-BE49-F238E27FC236}">
+                <a16:creationId xmlns:a16="http://schemas.microsoft.com/office/drawing/2014/main" id="{AE2F95FC-04F6-5FFF-0EBB-DCCDE58889FB}"/>
+              </a:ext>
+            </a:extLst>
+          </p:cNvPr>
+          <p:cNvSpPr/>
+          <p:nvPr/>
+        </p:nvSpPr>
+        <p:spPr>
+          <a:xfrm>
+            <a:off x="7083424" y="1030849"/>
+            <a:ext cx="4540539" cy="243769"/>
+          </a:xfrm>
+          <a:prstGeom prst="roundRect">
+            <a:avLst/>
+          </a:prstGeom>
+          <a:noFill/>
+          <a:ln>
+            <a:solidFill>
+              <a:srgbClr val="FF0000"/>
+            </a:solidFill>
+          </a:ln>
+        </p:spPr>
+        <p:style>
+          <a:lnRef idx="2">
+            <a:schemeClr val="accent1">
+              <a:shade val="15000"/>
+            </a:schemeClr>
+          </a:lnRef>
+          <a:fillRef idx="1">
+            <a:schemeClr val="accent1"/>
+          </a:fillRef>
+          <a:effectRef idx="0">
+            <a:schemeClr val="accent1"/>
+          </a:effectRef>
+          <a:fontRef idx="minor">
+            <a:schemeClr val="lt1"/>
+          </a:fontRef>
+        </p:style>
+        <p:txBody>
+          <a:bodyPr rtlCol="0" anchor="ctr"/>
+          <a:lstStyle/>
+          <a:p>
+            <a:pPr algn="ctr"/>
+            <a:endParaRPr lang="fr-FR">
+              <a:solidFill>
+                <a:srgbClr val="70AD47"/>
+              </a:solidFill>
+            </a:endParaRPr>
+          </a:p>
+        </p:txBody>
+      </p:sp>
+      <p:sp>
+        <p:nvSpPr>
+          <p:cNvPr id="13" name="Rectangle : coins arrondis 12">
+            <a:extLst>
+              <a:ext uri="{FF2B5EF4-FFF2-40B4-BE49-F238E27FC236}">
+                <a16:creationId xmlns:a16="http://schemas.microsoft.com/office/drawing/2014/main" id="{6ABB4E8A-1ECF-CE73-A189-17A58DFE8C6E}"/>
+              </a:ext>
+            </a:extLst>
+          </p:cNvPr>
+          <p:cNvSpPr/>
+          <p:nvPr/>
+        </p:nvSpPr>
+        <p:spPr>
+          <a:xfrm>
+            <a:off x="796925" y="1370428"/>
+            <a:ext cx="4311650" cy="389837"/>
+          </a:xfrm>
+          <a:prstGeom prst="roundRect">
+            <a:avLst/>
+          </a:prstGeom>
+          <a:noFill/>
+          <a:ln>
+            <a:solidFill>
+              <a:srgbClr val="FF0000"/>
+            </a:solidFill>
+          </a:ln>
+        </p:spPr>
+        <p:style>
+          <a:lnRef idx="2">
+            <a:schemeClr val="accent1">
+              <a:shade val="15000"/>
+            </a:schemeClr>
+          </a:lnRef>
+          <a:fillRef idx="1">
+            <a:schemeClr val="accent1"/>
+          </a:fillRef>
+          <a:effectRef idx="0">
+            <a:schemeClr val="accent1"/>
+          </a:effectRef>
+          <a:fontRef idx="minor">
+            <a:schemeClr val="lt1"/>
+          </a:fontRef>
+        </p:style>
+        <p:txBody>
+          <a:bodyPr rtlCol="0" anchor="ctr"/>
+          <a:lstStyle/>
+          <a:p>
+            <a:pPr algn="ctr"/>
+            <a:endParaRPr lang="fr-FR">
+              <a:solidFill>
+                <a:srgbClr val="70AD47"/>
+              </a:solidFill>
+            </a:endParaRPr>
+          </a:p>
+        </p:txBody>
+      </p:sp>
+      <p:sp>
+        <p:nvSpPr>
+          <p:cNvPr id="14" name="Rectangle : coins arrondis 13">
+            <a:extLst>
+              <a:ext uri="{FF2B5EF4-FFF2-40B4-BE49-F238E27FC236}">
+                <a16:creationId xmlns:a16="http://schemas.microsoft.com/office/drawing/2014/main" id="{B5921BD4-46BB-17D3-333D-D0CCC1010107}"/>
+              </a:ext>
+            </a:extLst>
+          </p:cNvPr>
+          <p:cNvSpPr/>
+          <p:nvPr/>
+        </p:nvSpPr>
+        <p:spPr>
+          <a:xfrm>
+            <a:off x="793750" y="2614721"/>
+            <a:ext cx="1894032" cy="1278405"/>
+          </a:xfrm>
+          <a:prstGeom prst="roundRect">
+            <a:avLst/>
+          </a:prstGeom>
+          <a:noFill/>
+          <a:ln>
+            <a:solidFill>
+              <a:srgbClr val="00B050"/>
+            </a:solidFill>
+          </a:ln>
+        </p:spPr>
+        <p:style>
+          <a:lnRef idx="2">
+            <a:schemeClr val="accent1">
+              <a:shade val="15000"/>
+            </a:schemeClr>
+          </a:lnRef>
+          <a:fillRef idx="1">
+            <a:schemeClr val="accent1"/>
+          </a:fillRef>
+          <a:effectRef idx="0">
+            <a:schemeClr val="accent1"/>
+          </a:effectRef>
+          <a:fontRef idx="minor">
+            <a:schemeClr val="lt1"/>
+          </a:fontRef>
+        </p:style>
+        <p:txBody>
+          <a:bodyPr rtlCol="0" anchor="ctr"/>
+          <a:lstStyle/>
+          <a:p>
+            <a:pPr algn="ctr"/>
+            <a:endParaRPr lang="fr-FR"/>
+          </a:p>
+        </p:txBody>
+      </p:sp>
+      <p:sp>
+        <p:nvSpPr>
+          <p:cNvPr id="15" name="Rectangle : coins arrondis 14">
+            <a:extLst>
+              <a:ext uri="{FF2B5EF4-FFF2-40B4-BE49-F238E27FC236}">
+                <a16:creationId xmlns:a16="http://schemas.microsoft.com/office/drawing/2014/main" id="{10E183EF-41B9-37A0-0EBA-71339D0ABE06}"/>
+              </a:ext>
+            </a:extLst>
+          </p:cNvPr>
+          <p:cNvSpPr/>
+          <p:nvPr/>
+        </p:nvSpPr>
+        <p:spPr>
+          <a:xfrm>
+            <a:off x="7094020" y="1286361"/>
+            <a:ext cx="2590308" cy="812295"/>
+          </a:xfrm>
+          <a:prstGeom prst="roundRect">
+            <a:avLst/>
+          </a:prstGeom>
+          <a:noFill/>
+          <a:ln>
+            <a:solidFill>
+              <a:srgbClr val="00B050"/>
+            </a:solidFill>
+          </a:ln>
+        </p:spPr>
+        <p:style>
+          <a:lnRef idx="2">
+            <a:schemeClr val="accent1">
+              <a:shade val="15000"/>
+            </a:schemeClr>
+          </a:lnRef>
+          <a:fillRef idx="1">
+            <a:schemeClr val="accent1"/>
+          </a:fillRef>
+          <a:effectRef idx="0">
+            <a:schemeClr val="accent1"/>
+          </a:effectRef>
+          <a:fontRef idx="minor">
+            <a:schemeClr val="lt1"/>
+          </a:fontRef>
+        </p:style>
+        <p:txBody>
+          <a:bodyPr rtlCol="0" anchor="ctr"/>
+          <a:lstStyle/>
+          <a:p>
+            <a:pPr algn="ctr"/>
+            <a:endParaRPr lang="fr-FR">
+              <a:solidFill>
+                <a:srgbClr val="70AD47"/>
+              </a:solidFill>
+            </a:endParaRPr>
+          </a:p>
+        </p:txBody>
+      </p:sp>
+      <p:sp>
+        <p:nvSpPr>
+          <p:cNvPr id="16" name="Rectangle : coins arrondis 15">
+            <a:extLst>
+              <a:ext uri="{FF2B5EF4-FFF2-40B4-BE49-F238E27FC236}">
+                <a16:creationId xmlns:a16="http://schemas.microsoft.com/office/drawing/2014/main" id="{412A000A-E7A7-EC8A-D059-817FE6E61633}"/>
+              </a:ext>
+            </a:extLst>
+          </p:cNvPr>
+          <p:cNvSpPr/>
+          <p:nvPr/>
+        </p:nvSpPr>
+        <p:spPr>
+          <a:xfrm>
+            <a:off x="805796" y="3964954"/>
+            <a:ext cx="4299603" cy="669673"/>
+          </a:xfrm>
+          <a:prstGeom prst="roundRect">
+            <a:avLst/>
+          </a:prstGeom>
+          <a:noFill/>
+          <a:ln>
+            <a:solidFill>
+              <a:srgbClr val="00B0F0"/>
+            </a:solidFill>
+          </a:ln>
+        </p:spPr>
+        <p:style>
+          <a:lnRef idx="2">
+            <a:schemeClr val="accent1">
+              <a:shade val="15000"/>
+            </a:schemeClr>
+          </a:lnRef>
+          <a:fillRef idx="1">
+            <a:schemeClr val="accent1"/>
+          </a:fillRef>
+          <a:effectRef idx="0">
+            <a:schemeClr val="accent1"/>
+          </a:effectRef>
+          <a:fontRef idx="minor">
+            <a:schemeClr val="lt1"/>
+          </a:fontRef>
+        </p:style>
+        <p:txBody>
+          <a:bodyPr rtlCol="0" anchor="ctr"/>
+          <a:lstStyle/>
+          <a:p>
+            <a:pPr algn="ctr"/>
+            <a:endParaRPr lang="fr-FR"/>
+          </a:p>
+        </p:txBody>
+      </p:sp>
+      <p:sp>
+        <p:nvSpPr>
+          <p:cNvPr id="17" name="Rectangle : coins arrondis 16">
+            <a:extLst>
+              <a:ext uri="{FF2B5EF4-FFF2-40B4-BE49-F238E27FC236}">
+                <a16:creationId xmlns:a16="http://schemas.microsoft.com/office/drawing/2014/main" id="{56A6F559-1A80-9083-EF09-8BBB9D163DB5}"/>
+              </a:ext>
+            </a:extLst>
+          </p:cNvPr>
+          <p:cNvSpPr/>
+          <p:nvPr/>
+        </p:nvSpPr>
+        <p:spPr>
+          <a:xfrm>
+            <a:off x="7197868" y="2264270"/>
+            <a:ext cx="3373150" cy="1014619"/>
+          </a:xfrm>
+          <a:prstGeom prst="roundRect">
+            <a:avLst/>
+          </a:prstGeom>
+          <a:noFill/>
+          <a:ln>
+            <a:solidFill>
+              <a:srgbClr val="00B0F0"/>
+            </a:solidFill>
+          </a:ln>
+        </p:spPr>
+        <p:style>
+          <a:lnRef idx="2">
+            <a:schemeClr val="accent1">
+              <a:shade val="15000"/>
+            </a:schemeClr>
+          </a:lnRef>
+          <a:fillRef idx="1">
+            <a:schemeClr val="accent1"/>
+          </a:fillRef>
+          <a:effectRef idx="0">
+            <a:schemeClr val="accent1"/>
+          </a:effectRef>
+          <a:fontRef idx="minor">
+            <a:schemeClr val="lt1"/>
+          </a:fontRef>
+        </p:style>
+        <p:txBody>
+          <a:bodyPr rtlCol="0" anchor="ctr"/>
+          <a:lstStyle/>
+          <a:p>
+            <a:pPr algn="ctr"/>
+            <a:endParaRPr lang="fr-FR"/>
+          </a:p>
+        </p:txBody>
+      </p:sp>
+      <p:sp>
+        <p:nvSpPr>
+          <p:cNvPr id="18" name="Rectangle : coins arrondis 17">
+            <a:extLst>
+              <a:ext uri="{FF2B5EF4-FFF2-40B4-BE49-F238E27FC236}">
+                <a16:creationId xmlns:a16="http://schemas.microsoft.com/office/drawing/2014/main" id="{185E8764-E926-EA79-8B10-5317B71795C4}"/>
+              </a:ext>
+            </a:extLst>
+          </p:cNvPr>
+          <p:cNvSpPr/>
+          <p:nvPr/>
+        </p:nvSpPr>
+        <p:spPr>
+          <a:xfrm>
+            <a:off x="7256313" y="3278889"/>
+            <a:ext cx="3286995" cy="982725"/>
+          </a:xfrm>
+          <a:prstGeom prst="roundRect">
+            <a:avLst/>
+          </a:prstGeom>
+          <a:noFill/>
+          <a:ln>
+            <a:solidFill>
+              <a:srgbClr val="00B0F0"/>
+            </a:solidFill>
+          </a:ln>
+        </p:spPr>
+        <p:style>
+          <a:lnRef idx="2">
+            <a:schemeClr val="accent1">
+              <a:shade val="15000"/>
+            </a:schemeClr>
+          </a:lnRef>
+          <a:fillRef idx="1">
+            <a:schemeClr val="accent1"/>
+          </a:fillRef>
+          <a:effectRef idx="0">
+            <a:schemeClr val="accent1"/>
+          </a:effectRef>
+          <a:fontRef idx="minor">
+            <a:schemeClr val="lt1"/>
+          </a:fontRef>
+        </p:style>
+        <p:txBody>
+          <a:bodyPr rtlCol="0" anchor="ctr"/>
+          <a:lstStyle/>
+          <a:p>
+            <a:pPr algn="ctr"/>
+            <a:endParaRPr lang="fr-FR"/>
+          </a:p>
+        </p:txBody>
+      </p:sp>
     </p:spTree>
     <p:extLst>
       <p:ext uri="{BB962C8B-B14F-4D97-AF65-F5344CB8AC3E}">
@@ -3796,12 +10727,90 @@
           <a:chExt cx="0" cy="0"/>
         </a:xfrm>
       </p:grpSpPr>
+      <p:sp>
+        <p:nvSpPr>
+          <p:cNvPr id="2" name="ZoneTexte 1">
+            <a:extLst>
+              <a:ext uri="{FF2B5EF4-FFF2-40B4-BE49-F238E27FC236}">
+                <a16:creationId xmlns:a16="http://schemas.microsoft.com/office/drawing/2014/main" id="{51006E57-5312-E4C8-944C-B849CCA55F53}"/>
+              </a:ext>
+            </a:extLst>
+          </p:cNvPr>
+          <p:cNvSpPr txBox="1"/>
+          <p:nvPr/>
+        </p:nvSpPr>
+        <p:spPr>
+          <a:xfrm>
+            <a:off x="4578350" y="-56642"/>
+            <a:ext cx="3530600" cy="830997"/>
+          </a:xfrm>
+          <a:prstGeom prst="rect">
+            <a:avLst/>
+          </a:prstGeom>
+          <a:noFill/>
+        </p:spPr>
+        <p:txBody>
+          <a:bodyPr wrap="square" rtlCol="0">
+            <a:spAutoFit/>
+          </a:bodyPr>
+          <a:lstStyle/>
+          <a:p>
+            <a:r>
+              <a:rPr lang="fr-FR" sz="4800" dirty="0">
+                <a:solidFill>
+                  <a:srgbClr val="70AD47"/>
+                </a:solidFill>
+              </a:rPr>
+              <a:t>React Modal</a:t>
+            </a:r>
+          </a:p>
+        </p:txBody>
+      </p:sp>
+      <p:sp>
+        <p:nvSpPr>
+          <p:cNvPr id="3" name="ZoneTexte 2">
+            <a:extLst>
+              <a:ext uri="{FF2B5EF4-FFF2-40B4-BE49-F238E27FC236}">
+                <a16:creationId xmlns:a16="http://schemas.microsoft.com/office/drawing/2014/main" id="{AA87ABD1-67F9-C2DF-B65E-90380B5E005B}"/>
+              </a:ext>
+            </a:extLst>
+          </p:cNvPr>
+          <p:cNvSpPr txBox="1"/>
+          <p:nvPr/>
+        </p:nvSpPr>
+        <p:spPr>
+          <a:xfrm>
+            <a:off x="1205345" y="774355"/>
+            <a:ext cx="3103418" cy="369332"/>
+          </a:xfrm>
+          <a:prstGeom prst="rect">
+            <a:avLst/>
+          </a:prstGeom>
+          <a:noFill/>
+        </p:spPr>
+        <p:txBody>
+          <a:bodyPr wrap="square" rtlCol="0">
+            <a:spAutoFit/>
+          </a:bodyPr>
+          <a:lstStyle/>
+          <a:p>
+            <a:r>
+              <a:rPr lang="fr-FR" u="sng" dirty="0">
+                <a:solidFill>
+                  <a:srgbClr val="70AD47"/>
+                </a:solidFill>
+              </a:rPr>
+              <a:t>En résumé</a:t>
+            </a:r>
+          </a:p>
+        </p:txBody>
+      </p:sp>
       <p:pic>
         <p:nvPicPr>
-          <p:cNvPr id="4" name="Image 3">
-            <a:extLst>
-              <a:ext uri="{FF2B5EF4-FFF2-40B4-BE49-F238E27FC236}">
-                <a16:creationId xmlns:a16="http://schemas.microsoft.com/office/drawing/2014/main" id="{A860983C-F903-ED9D-0B3F-188CFAA97071}"/>
+          <p:cNvPr id="6" name="Image 5">
+            <a:extLst>
+              <a:ext uri="{FF2B5EF4-FFF2-40B4-BE49-F238E27FC236}">
+                <a16:creationId xmlns:a16="http://schemas.microsoft.com/office/drawing/2014/main" id="{A6885E86-8B42-1646-0544-D042177631A3}"/>
               </a:ext>
             </a:extLst>
           </p:cNvPr>
@@ -3811,25 +10820,1940 @@
           <p:nvPr/>
         </p:nvPicPr>
         <p:blipFill>
-          <a:blip r:embed="rId2"/>
+          <a:blip r:embed="rId2">
+            <a:extLst>
+              <a:ext uri="{28A0092B-C50C-407E-A947-70E740481C1C}">
+                <a14:useLocalDpi xmlns:a14="http://schemas.microsoft.com/office/drawing/2010/main" val="0"/>
+              </a:ext>
+            </a:extLst>
+          </a:blip>
           <a:stretch>
             <a:fillRect/>
           </a:stretch>
         </p:blipFill>
         <p:spPr>
           <a:xfrm>
-            <a:off x="8603672" y="5485101"/>
-            <a:ext cx="3297383" cy="1155876"/>
+            <a:off x="1205345" y="1362508"/>
+            <a:ext cx="2473903" cy="4862499"/>
           </a:xfrm>
           <a:prstGeom prst="rect">
             <a:avLst/>
           </a:prstGeom>
         </p:spPr>
       </p:pic>
+      <p:sp>
+        <p:nvSpPr>
+          <p:cNvPr id="7" name="ZoneTexte 6">
+            <a:extLst>
+              <a:ext uri="{FF2B5EF4-FFF2-40B4-BE49-F238E27FC236}">
+                <a16:creationId xmlns:a16="http://schemas.microsoft.com/office/drawing/2014/main" id="{A5B377C0-04D6-BCF6-C007-5C6567ECE50D}"/>
+              </a:ext>
+            </a:extLst>
+          </p:cNvPr>
+          <p:cNvSpPr txBox="1"/>
+          <p:nvPr/>
+        </p:nvSpPr>
+        <p:spPr>
+          <a:xfrm>
+            <a:off x="5347855" y="1362508"/>
+            <a:ext cx="3483552" cy="3416320"/>
+          </a:xfrm>
+          <a:prstGeom prst="rect">
+            <a:avLst/>
+          </a:prstGeom>
+          <a:noFill/>
+        </p:spPr>
+        <p:txBody>
+          <a:bodyPr wrap="square" rtlCol="0">
+            <a:spAutoFit/>
+          </a:bodyPr>
+          <a:lstStyle/>
+          <a:p>
+            <a:r>
+              <a:rPr lang="fr-FR" dirty="0">
+                <a:solidFill>
+                  <a:srgbClr val="70AD47"/>
+                </a:solidFill>
+              </a:rPr>
+              <a:t>React-modal sera parfait pour notre modal login, il permet de créez une modal avec des inputs et de récupérer les informations saisies par l’utilisateur.</a:t>
+            </a:r>
+          </a:p>
+          <a:p>
+            <a:r>
+              <a:rPr lang="fr-FR" dirty="0">
+                <a:solidFill>
+                  <a:srgbClr val="70AD47"/>
+                </a:solidFill>
+              </a:rPr>
+              <a:t>Grâce a cette fonctionnalités, nous allons pouvoir récupérer la saisie et vérifier avec notre backend si les informations sont correctes, si tel est le cas, l’utilisateur se connecte est peut accéder a ses informations et commencer a travailler</a:t>
+            </a:r>
+          </a:p>
+        </p:txBody>
+      </p:sp>
+      <p:sp>
+        <p:nvSpPr>
+          <p:cNvPr id="8" name="ZoneTexte 7">
+            <a:extLst>
+              <a:ext uri="{FF2B5EF4-FFF2-40B4-BE49-F238E27FC236}">
+                <a16:creationId xmlns:a16="http://schemas.microsoft.com/office/drawing/2014/main" id="{02379062-EE1D-8FF8-2411-361AA5AAD8BF}"/>
+              </a:ext>
+            </a:extLst>
+          </p:cNvPr>
+          <p:cNvSpPr txBox="1"/>
+          <p:nvPr/>
+        </p:nvSpPr>
+        <p:spPr>
+          <a:xfrm>
+            <a:off x="5872595" y="5126160"/>
+            <a:ext cx="3103418" cy="369332"/>
+          </a:xfrm>
+          <a:prstGeom prst="rect">
+            <a:avLst/>
+          </a:prstGeom>
+          <a:noFill/>
+        </p:spPr>
+        <p:txBody>
+          <a:bodyPr wrap="square" rtlCol="0">
+            <a:spAutoFit/>
+          </a:bodyPr>
+          <a:lstStyle/>
+          <a:p>
+            <a:r>
+              <a:rPr lang="fr-FR" u="sng" dirty="0">
+                <a:solidFill>
+                  <a:srgbClr val="70AD47"/>
+                </a:solidFill>
+              </a:rPr>
+              <a:t>Documentation : </a:t>
+            </a:r>
+          </a:p>
+        </p:txBody>
+      </p:sp>
+      <p:sp>
+        <p:nvSpPr>
+          <p:cNvPr id="9" name="ZoneTexte 8">
+            <a:extLst>
+              <a:ext uri="{FF2B5EF4-FFF2-40B4-BE49-F238E27FC236}">
+                <a16:creationId xmlns:a16="http://schemas.microsoft.com/office/drawing/2014/main" id="{6206C51D-9351-FADA-90A1-A3DC8196C05A}"/>
+              </a:ext>
+            </a:extLst>
+          </p:cNvPr>
+          <p:cNvSpPr txBox="1"/>
+          <p:nvPr/>
+        </p:nvSpPr>
+        <p:spPr>
+          <a:xfrm>
+            <a:off x="5872595" y="5708073"/>
+            <a:ext cx="4124655" cy="369332"/>
+          </a:xfrm>
+          <a:prstGeom prst="rect">
+            <a:avLst/>
+          </a:prstGeom>
+          <a:noFill/>
+        </p:spPr>
+        <p:txBody>
+          <a:bodyPr wrap="none" rtlCol="0">
+            <a:spAutoFit/>
+          </a:bodyPr>
+          <a:lstStyle/>
+          <a:p>
+            <a:r>
+              <a:rPr lang="fr-FR" dirty="0"/>
+              <a:t>https://reactcommunity.org/react-modal/</a:t>
+            </a:r>
+          </a:p>
+        </p:txBody>
+      </p:sp>
     </p:spTree>
     <p:extLst>
       <p:ext uri="{BB962C8B-B14F-4D97-AF65-F5344CB8AC3E}">
         <p14:creationId xmlns:p14="http://schemas.microsoft.com/office/powerpoint/2010/main" val="3359212274"/>
+      </p:ext>
+    </p:extLst>
+  </p:cSld>
+  <p:clrMapOvr>
+    <a:masterClrMapping/>
+  </p:clrMapOvr>
+</p:sld>
+</file>
+
+<file path=ppt/slides/slide6.xml><?xml version="1.0" encoding="utf-8"?>
+<p:sld xmlns:a="http://schemas.openxmlformats.org/drawingml/2006/main" xmlns:r="http://schemas.openxmlformats.org/officeDocument/2006/relationships" xmlns:p="http://schemas.openxmlformats.org/presentationml/2006/main">
+  <p:cSld>
+    <p:bg>
+      <p:bgPr>
+        <a:solidFill>
+          <a:srgbClr val="FFF4E8"/>
+        </a:solidFill>
+        <a:effectLst/>
+      </p:bgPr>
+    </p:bg>
+    <p:spTree>
+      <p:nvGrpSpPr>
+        <p:cNvPr id="1" name=""/>
+        <p:cNvGrpSpPr/>
+        <p:nvPr/>
+      </p:nvGrpSpPr>
+      <p:grpSpPr>
+        <a:xfrm>
+          <a:off x="0" y="0"/>
+          <a:ext cx="0" cy="0"/>
+          <a:chOff x="0" y="0"/>
+          <a:chExt cx="0" cy="0"/>
+        </a:xfrm>
+      </p:grpSpPr>
+      <p:sp>
+        <p:nvSpPr>
+          <p:cNvPr id="2" name="ZoneTexte 1">
+            <a:extLst>
+              <a:ext uri="{FF2B5EF4-FFF2-40B4-BE49-F238E27FC236}">
+                <a16:creationId xmlns:a16="http://schemas.microsoft.com/office/drawing/2014/main" id="{D9D76BC1-7C80-6D8D-0D5F-06ABBF64E204}"/>
+              </a:ext>
+            </a:extLst>
+          </p:cNvPr>
+          <p:cNvSpPr txBox="1"/>
+          <p:nvPr/>
+        </p:nvSpPr>
+        <p:spPr>
+          <a:xfrm>
+            <a:off x="4578350" y="-56642"/>
+            <a:ext cx="3530600" cy="830997"/>
+          </a:xfrm>
+          <a:prstGeom prst="rect">
+            <a:avLst/>
+          </a:prstGeom>
+          <a:noFill/>
+        </p:spPr>
+        <p:txBody>
+          <a:bodyPr wrap="square" rtlCol="0">
+            <a:spAutoFit/>
+          </a:bodyPr>
+          <a:lstStyle/>
+          <a:p>
+            <a:r>
+              <a:rPr lang="fr-FR" sz="4800" dirty="0">
+                <a:solidFill>
+                  <a:srgbClr val="5B9BD5"/>
+                </a:solidFill>
+              </a:rPr>
+              <a:t>React PDF</a:t>
+            </a:r>
+          </a:p>
+        </p:txBody>
+      </p:sp>
+      <p:sp>
+        <p:nvSpPr>
+          <p:cNvPr id="3" name="ZoneTexte 2">
+            <a:extLst>
+              <a:ext uri="{FF2B5EF4-FFF2-40B4-BE49-F238E27FC236}">
+                <a16:creationId xmlns:a16="http://schemas.microsoft.com/office/drawing/2014/main" id="{29BA9247-7779-7A2B-3D7E-A11C681C2FDC}"/>
+              </a:ext>
+            </a:extLst>
+          </p:cNvPr>
+          <p:cNvSpPr txBox="1"/>
+          <p:nvPr/>
+        </p:nvSpPr>
+        <p:spPr>
+          <a:xfrm>
+            <a:off x="793750" y="1052468"/>
+            <a:ext cx="3784600" cy="369332"/>
+          </a:xfrm>
+          <a:prstGeom prst="rect">
+            <a:avLst/>
+          </a:prstGeom>
+          <a:noFill/>
+        </p:spPr>
+        <p:txBody>
+          <a:bodyPr wrap="square" rtlCol="0">
+            <a:spAutoFit/>
+          </a:bodyPr>
+          <a:lstStyle/>
+          <a:p>
+            <a:r>
+              <a:rPr lang="fr-FR" u="sng" dirty="0">
+                <a:solidFill>
+                  <a:srgbClr val="5B9BD5"/>
+                </a:solidFill>
+              </a:rPr>
+              <a:t>Démarrer avec React PDF</a:t>
+            </a:r>
+          </a:p>
+        </p:txBody>
+      </p:sp>
+      <p:sp>
+        <p:nvSpPr>
+          <p:cNvPr id="4" name="ZoneTexte 3">
+            <a:extLst>
+              <a:ext uri="{FF2B5EF4-FFF2-40B4-BE49-F238E27FC236}">
+                <a16:creationId xmlns:a16="http://schemas.microsoft.com/office/drawing/2014/main" id="{85282D43-C351-DEDA-B9D2-51180095EDAA}"/>
+              </a:ext>
+            </a:extLst>
+          </p:cNvPr>
+          <p:cNvSpPr txBox="1"/>
+          <p:nvPr/>
+        </p:nvSpPr>
+        <p:spPr>
+          <a:xfrm>
+            <a:off x="7613650" y="1052468"/>
+            <a:ext cx="3784600" cy="369332"/>
+          </a:xfrm>
+          <a:prstGeom prst="rect">
+            <a:avLst/>
+          </a:prstGeom>
+          <a:noFill/>
+        </p:spPr>
+        <p:txBody>
+          <a:bodyPr wrap="square" rtlCol="0">
+            <a:spAutoFit/>
+          </a:bodyPr>
+          <a:lstStyle/>
+          <a:p>
+            <a:r>
+              <a:rPr lang="fr-FR" u="sng" dirty="0">
+                <a:solidFill>
+                  <a:srgbClr val="5B9BD5"/>
+                </a:solidFill>
+              </a:rPr>
+              <a:t>Son fonctionnement</a:t>
+            </a:r>
+          </a:p>
+        </p:txBody>
+      </p:sp>
+      <p:sp>
+        <p:nvSpPr>
+          <p:cNvPr id="6" name="ZoneTexte 5">
+            <a:extLst>
+              <a:ext uri="{FF2B5EF4-FFF2-40B4-BE49-F238E27FC236}">
+                <a16:creationId xmlns:a16="http://schemas.microsoft.com/office/drawing/2014/main" id="{15EA529B-8C4B-A225-1416-ED63A6FAECEE}"/>
+              </a:ext>
+            </a:extLst>
+          </p:cNvPr>
+          <p:cNvSpPr txBox="1"/>
+          <p:nvPr/>
+        </p:nvSpPr>
+        <p:spPr>
+          <a:xfrm>
+            <a:off x="768350" y="2486494"/>
+            <a:ext cx="4191000" cy="646331"/>
+          </a:xfrm>
+          <a:prstGeom prst="rect">
+            <a:avLst/>
+          </a:prstGeom>
+          <a:noFill/>
+        </p:spPr>
+        <p:txBody>
+          <a:bodyPr wrap="square" rtlCol="0">
+            <a:spAutoFit/>
+          </a:bodyPr>
+          <a:lstStyle/>
+          <a:p>
+            <a:r>
+              <a:rPr lang="fr-FR" dirty="0">
+                <a:solidFill>
+                  <a:srgbClr val="5B9BD5"/>
+                </a:solidFill>
+              </a:rPr>
+              <a:t>Première chose à faire, installer React PDF sur notre projet </a:t>
+            </a:r>
+          </a:p>
+        </p:txBody>
+      </p:sp>
+      <p:sp>
+        <p:nvSpPr>
+          <p:cNvPr id="7" name="ZoneTexte 6">
+            <a:extLst>
+              <a:ext uri="{FF2B5EF4-FFF2-40B4-BE49-F238E27FC236}">
+                <a16:creationId xmlns:a16="http://schemas.microsoft.com/office/drawing/2014/main" id="{4F2BA677-067F-73EB-6692-B0C2279523F6}"/>
+              </a:ext>
+            </a:extLst>
+          </p:cNvPr>
+          <p:cNvSpPr txBox="1"/>
+          <p:nvPr/>
+        </p:nvSpPr>
+        <p:spPr>
+          <a:xfrm>
+            <a:off x="590550" y="4598959"/>
+            <a:ext cx="4191000" cy="369332"/>
+          </a:xfrm>
+          <a:prstGeom prst="rect">
+            <a:avLst/>
+          </a:prstGeom>
+          <a:noFill/>
+        </p:spPr>
+        <p:txBody>
+          <a:bodyPr wrap="square" rtlCol="0">
+            <a:spAutoFit/>
+          </a:bodyPr>
+          <a:lstStyle/>
+          <a:p>
+            <a:r>
+              <a:rPr lang="fr-FR" dirty="0">
+                <a:solidFill>
+                  <a:srgbClr val="5B9BD5"/>
+                </a:solidFill>
+              </a:rPr>
+              <a:t>Ensuite L’importer</a:t>
+            </a:r>
+          </a:p>
+        </p:txBody>
+      </p:sp>
+      <p:pic>
+        <p:nvPicPr>
+          <p:cNvPr id="11" name="Image 10">
+            <a:extLst>
+              <a:ext uri="{FF2B5EF4-FFF2-40B4-BE49-F238E27FC236}">
+                <a16:creationId xmlns:a16="http://schemas.microsoft.com/office/drawing/2014/main" id="{9129AF8E-C5BE-8D39-4A93-2555904C1607}"/>
+              </a:ext>
+            </a:extLst>
+          </p:cNvPr>
+          <p:cNvPicPr>
+            <a:picLocks noChangeAspect="1"/>
+          </p:cNvPicPr>
+          <p:nvPr/>
+        </p:nvPicPr>
+        <p:blipFill>
+          <a:blip r:embed="rId2">
+            <a:extLst>
+              <a:ext uri="{28A0092B-C50C-407E-A947-70E740481C1C}">
+                <a14:useLocalDpi xmlns:a14="http://schemas.microsoft.com/office/drawing/2010/main" val="0"/>
+              </a:ext>
+            </a:extLst>
+          </a:blip>
+          <a:stretch>
+            <a:fillRect/>
+          </a:stretch>
+        </p:blipFill>
+        <p:spPr>
+          <a:xfrm>
+            <a:off x="907184" y="1832321"/>
+            <a:ext cx="4210050" cy="390525"/>
+          </a:xfrm>
+          <a:prstGeom prst="rect">
+            <a:avLst/>
+          </a:prstGeom>
+        </p:spPr>
+      </p:pic>
+      <p:pic>
+        <p:nvPicPr>
+          <p:cNvPr id="15" name="Image 14">
+            <a:extLst>
+              <a:ext uri="{FF2B5EF4-FFF2-40B4-BE49-F238E27FC236}">
+                <a16:creationId xmlns:a16="http://schemas.microsoft.com/office/drawing/2014/main" id="{EBD6CBB5-B20A-06CF-57C0-A5A458B4CE90}"/>
+              </a:ext>
+            </a:extLst>
+          </p:cNvPr>
+          <p:cNvPicPr>
+            <a:picLocks noChangeAspect="1"/>
+          </p:cNvPicPr>
+          <p:nvPr/>
+        </p:nvPicPr>
+        <p:blipFill>
+          <a:blip r:embed="rId3">
+            <a:extLst>
+              <a:ext uri="{28A0092B-C50C-407E-A947-70E740481C1C}">
+                <a14:useLocalDpi xmlns:a14="http://schemas.microsoft.com/office/drawing/2010/main" val="0"/>
+              </a:ext>
+            </a:extLst>
+          </a:blip>
+          <a:stretch>
+            <a:fillRect/>
+          </a:stretch>
+        </p:blipFill>
+        <p:spPr>
+          <a:xfrm>
+            <a:off x="487507" y="3688980"/>
+            <a:ext cx="5954857" cy="666750"/>
+          </a:xfrm>
+          <a:prstGeom prst="rect">
+            <a:avLst/>
+          </a:prstGeom>
+        </p:spPr>
+      </p:pic>
+      <p:sp>
+        <p:nvSpPr>
+          <p:cNvPr id="16" name="ZoneTexte 15">
+            <a:extLst>
+              <a:ext uri="{FF2B5EF4-FFF2-40B4-BE49-F238E27FC236}">
+                <a16:creationId xmlns:a16="http://schemas.microsoft.com/office/drawing/2014/main" id="{0A60960D-B1C7-8991-D231-0A3835136786}"/>
+              </a:ext>
+            </a:extLst>
+          </p:cNvPr>
+          <p:cNvSpPr txBox="1"/>
+          <p:nvPr/>
+        </p:nvSpPr>
+        <p:spPr>
+          <a:xfrm>
+            <a:off x="590550" y="5137471"/>
+            <a:ext cx="4191000" cy="1200329"/>
+          </a:xfrm>
+          <a:prstGeom prst="rect">
+            <a:avLst/>
+          </a:prstGeom>
+          <a:noFill/>
+        </p:spPr>
+        <p:txBody>
+          <a:bodyPr wrap="square" rtlCol="0">
+            <a:spAutoFit/>
+          </a:bodyPr>
+          <a:lstStyle/>
+          <a:p>
+            <a:r>
+              <a:rPr lang="fr-FR" dirty="0">
+                <a:solidFill>
+                  <a:srgbClr val="5B9BD5"/>
+                </a:solidFill>
+              </a:rPr>
+              <a:t>Petit particularités dans ce cas, </a:t>
+            </a:r>
+            <a:r>
+              <a:rPr lang="fr-FR" dirty="0" err="1">
+                <a:solidFill>
+                  <a:srgbClr val="5B9BD5"/>
+                </a:solidFill>
+              </a:rPr>
+              <a:t>samplePDF</a:t>
+            </a:r>
+            <a:r>
+              <a:rPr lang="fr-FR" dirty="0">
+                <a:solidFill>
+                  <a:srgbClr val="5B9BD5"/>
+                </a:solidFill>
+              </a:rPr>
+              <a:t> est un élément que l’on va afficher sur notre site, il est important de lui donner le bon chemin d’accès </a:t>
+            </a:r>
+          </a:p>
+        </p:txBody>
+      </p:sp>
+      <p:pic>
+        <p:nvPicPr>
+          <p:cNvPr id="18" name="Image 17">
+            <a:extLst>
+              <a:ext uri="{FF2B5EF4-FFF2-40B4-BE49-F238E27FC236}">
+                <a16:creationId xmlns:a16="http://schemas.microsoft.com/office/drawing/2014/main" id="{17E9535D-7854-6D81-A2AA-05332F2F683C}"/>
+              </a:ext>
+            </a:extLst>
+          </p:cNvPr>
+          <p:cNvPicPr>
+            <a:picLocks noChangeAspect="1"/>
+          </p:cNvPicPr>
+          <p:nvPr/>
+        </p:nvPicPr>
+        <p:blipFill>
+          <a:blip r:embed="rId4">
+            <a:extLst>
+              <a:ext uri="{28A0092B-C50C-407E-A947-70E740481C1C}">
+                <a14:useLocalDpi xmlns:a14="http://schemas.microsoft.com/office/drawing/2010/main" val="0"/>
+              </a:ext>
+            </a:extLst>
+          </a:blip>
+          <a:stretch>
+            <a:fillRect/>
+          </a:stretch>
+        </p:blipFill>
+        <p:spPr>
+          <a:xfrm>
+            <a:off x="7613650" y="1715465"/>
+            <a:ext cx="2647950" cy="1762125"/>
+          </a:xfrm>
+          <a:prstGeom prst="rect">
+            <a:avLst/>
+          </a:prstGeom>
+        </p:spPr>
+      </p:pic>
+      <p:sp>
+        <p:nvSpPr>
+          <p:cNvPr id="19" name="ZoneTexte 18">
+            <a:extLst>
+              <a:ext uri="{FF2B5EF4-FFF2-40B4-BE49-F238E27FC236}">
+                <a16:creationId xmlns:a16="http://schemas.microsoft.com/office/drawing/2014/main" id="{BE2C659E-4BDA-233A-20FA-FE45886FA21C}"/>
+              </a:ext>
+            </a:extLst>
+          </p:cNvPr>
+          <p:cNvSpPr txBox="1"/>
+          <p:nvPr/>
+        </p:nvSpPr>
+        <p:spPr>
+          <a:xfrm>
+            <a:off x="6816436" y="3878147"/>
+            <a:ext cx="4581813" cy="2308324"/>
+          </a:xfrm>
+          <a:prstGeom prst="rect">
+            <a:avLst/>
+          </a:prstGeom>
+          <a:noFill/>
+        </p:spPr>
+        <p:txBody>
+          <a:bodyPr wrap="square" rtlCol="0">
+            <a:spAutoFit/>
+          </a:bodyPr>
+          <a:lstStyle/>
+          <a:p>
+            <a:r>
+              <a:rPr lang="fr-FR" dirty="0">
+                <a:solidFill>
+                  <a:srgbClr val="5B9BD5"/>
+                </a:solidFill>
+              </a:rPr>
+              <a:t>React PDF a plusieurs fonctions entre autres : </a:t>
+            </a:r>
+          </a:p>
+          <a:p>
+            <a:pPr marL="285750" indent="-285750">
+              <a:buFont typeface="Arial" panose="020B0604020202020204" pitchFamily="34" charset="0"/>
+              <a:buChar char="•"/>
+            </a:pPr>
+            <a:r>
+              <a:rPr lang="fr-FR" dirty="0">
+                <a:solidFill>
+                  <a:srgbClr val="5B9BD5"/>
+                </a:solidFill>
+              </a:rPr>
+              <a:t>Créez un document PDF à partir de saisie inscris dans un input ou autre boite d’écriture</a:t>
+            </a:r>
+          </a:p>
+          <a:p>
+            <a:pPr marL="285750" indent="-285750">
+              <a:buFont typeface="Arial" panose="020B0604020202020204" pitchFamily="34" charset="0"/>
+              <a:buChar char="•"/>
+            </a:pPr>
+            <a:r>
+              <a:rPr lang="fr-FR" dirty="0">
+                <a:solidFill>
+                  <a:srgbClr val="5B9BD5"/>
+                </a:solidFill>
+              </a:rPr>
+              <a:t>Lire un document PDF directement depuis votre site web avec des fonctions concernant les pages du PDF et de mise en page </a:t>
+            </a:r>
+          </a:p>
+        </p:txBody>
+      </p:sp>
+    </p:spTree>
+    <p:extLst>
+      <p:ext uri="{BB962C8B-B14F-4D97-AF65-F5344CB8AC3E}">
+        <p14:creationId xmlns:p14="http://schemas.microsoft.com/office/powerpoint/2010/main" val="1238966242"/>
+      </p:ext>
+    </p:extLst>
+  </p:cSld>
+  <p:clrMapOvr>
+    <a:masterClrMapping/>
+  </p:clrMapOvr>
+</p:sld>
+</file>
+
+<file path=ppt/slides/slide7.xml><?xml version="1.0" encoding="utf-8"?>
+<p:sld xmlns:a="http://schemas.openxmlformats.org/drawingml/2006/main" xmlns:r="http://schemas.openxmlformats.org/officeDocument/2006/relationships" xmlns:p="http://schemas.openxmlformats.org/presentationml/2006/main">
+  <p:cSld>
+    <p:bg>
+      <p:bgPr>
+        <a:solidFill>
+          <a:srgbClr val="FFF4E8"/>
+        </a:solidFill>
+        <a:effectLst/>
+      </p:bgPr>
+    </p:bg>
+    <p:spTree>
+      <p:nvGrpSpPr>
+        <p:cNvPr id="1" name=""/>
+        <p:cNvGrpSpPr/>
+        <p:nvPr/>
+      </p:nvGrpSpPr>
+      <p:grpSpPr>
+        <a:xfrm>
+          <a:off x="0" y="0"/>
+          <a:ext cx="0" cy="0"/>
+          <a:chOff x="0" y="0"/>
+          <a:chExt cx="0" cy="0"/>
+        </a:xfrm>
+      </p:grpSpPr>
+      <p:pic>
+        <p:nvPicPr>
+          <p:cNvPr id="20" name="Image 19">
+            <a:extLst>
+              <a:ext uri="{FF2B5EF4-FFF2-40B4-BE49-F238E27FC236}">
+                <a16:creationId xmlns:a16="http://schemas.microsoft.com/office/drawing/2014/main" id="{69EC784B-A161-D4E3-4E4B-72662FEF59D8}"/>
+              </a:ext>
+            </a:extLst>
+          </p:cNvPr>
+          <p:cNvPicPr>
+            <a:picLocks noChangeAspect="1"/>
+          </p:cNvPicPr>
+          <p:nvPr/>
+        </p:nvPicPr>
+        <p:blipFill>
+          <a:blip r:embed="rId2">
+            <a:extLst>
+              <a:ext uri="{28A0092B-C50C-407E-A947-70E740481C1C}">
+                <a14:useLocalDpi xmlns:a14="http://schemas.microsoft.com/office/drawing/2010/main" val="0"/>
+              </a:ext>
+            </a:extLst>
+          </a:blip>
+          <a:stretch>
+            <a:fillRect/>
+          </a:stretch>
+        </p:blipFill>
+        <p:spPr>
+          <a:xfrm>
+            <a:off x="6553202" y="887157"/>
+            <a:ext cx="5200008" cy="4171259"/>
+          </a:xfrm>
+          <a:prstGeom prst="rect">
+            <a:avLst/>
+          </a:prstGeom>
+        </p:spPr>
+      </p:pic>
+      <p:pic>
+        <p:nvPicPr>
+          <p:cNvPr id="18" name="Image 17">
+            <a:extLst>
+              <a:ext uri="{FF2B5EF4-FFF2-40B4-BE49-F238E27FC236}">
+                <a16:creationId xmlns:a16="http://schemas.microsoft.com/office/drawing/2014/main" id="{4B71E0C3-DCFB-C4FA-7C23-76B488A2A080}"/>
+              </a:ext>
+            </a:extLst>
+          </p:cNvPr>
+          <p:cNvPicPr>
+            <a:picLocks noChangeAspect="1"/>
+          </p:cNvPicPr>
+          <p:nvPr/>
+        </p:nvPicPr>
+        <p:blipFill>
+          <a:blip r:embed="rId3">
+            <a:extLst>
+              <a:ext uri="{28A0092B-C50C-407E-A947-70E740481C1C}">
+                <a14:useLocalDpi xmlns:a14="http://schemas.microsoft.com/office/drawing/2010/main" val="0"/>
+              </a:ext>
+            </a:extLst>
+          </a:blip>
+          <a:stretch>
+            <a:fillRect/>
+          </a:stretch>
+        </p:blipFill>
+        <p:spPr>
+          <a:xfrm>
+            <a:off x="719286" y="1421800"/>
+            <a:ext cx="5085769" cy="3101975"/>
+          </a:xfrm>
+          <a:prstGeom prst="rect">
+            <a:avLst/>
+          </a:prstGeom>
+        </p:spPr>
+      </p:pic>
+      <p:sp>
+        <p:nvSpPr>
+          <p:cNvPr id="2" name="ZoneTexte 1">
+            <a:extLst>
+              <a:ext uri="{FF2B5EF4-FFF2-40B4-BE49-F238E27FC236}">
+                <a16:creationId xmlns:a16="http://schemas.microsoft.com/office/drawing/2014/main" id="{356E2E19-87A4-1896-9052-7D653B4FEB6F}"/>
+              </a:ext>
+            </a:extLst>
+          </p:cNvPr>
+          <p:cNvSpPr txBox="1"/>
+          <p:nvPr/>
+        </p:nvSpPr>
+        <p:spPr>
+          <a:xfrm>
+            <a:off x="793750" y="1052468"/>
+            <a:ext cx="3784600" cy="369332"/>
+          </a:xfrm>
+          <a:prstGeom prst="rect">
+            <a:avLst/>
+          </a:prstGeom>
+          <a:noFill/>
+        </p:spPr>
+        <p:txBody>
+          <a:bodyPr wrap="square" rtlCol="0">
+            <a:spAutoFit/>
+          </a:bodyPr>
+          <a:lstStyle/>
+          <a:p>
+            <a:r>
+              <a:rPr lang="fr-FR" u="sng" dirty="0">
+                <a:solidFill>
+                  <a:srgbClr val="5B9BD5"/>
+                </a:solidFill>
+              </a:rPr>
+              <a:t>Quelques exemple de fonctionnalités</a:t>
+            </a:r>
+          </a:p>
+        </p:txBody>
+      </p:sp>
+      <p:sp>
+        <p:nvSpPr>
+          <p:cNvPr id="3" name="ZoneTexte 2">
+            <a:extLst>
+              <a:ext uri="{FF2B5EF4-FFF2-40B4-BE49-F238E27FC236}">
+                <a16:creationId xmlns:a16="http://schemas.microsoft.com/office/drawing/2014/main" id="{974C76D3-8DF1-8469-A05D-2071D3E1F557}"/>
+              </a:ext>
+            </a:extLst>
+          </p:cNvPr>
+          <p:cNvSpPr txBox="1"/>
+          <p:nvPr/>
+        </p:nvSpPr>
+        <p:spPr>
+          <a:xfrm>
+            <a:off x="603250" y="5951562"/>
+            <a:ext cx="5035550" cy="652438"/>
+          </a:xfrm>
+          <a:prstGeom prst="rect">
+            <a:avLst/>
+          </a:prstGeom>
+          <a:noFill/>
+        </p:spPr>
+        <p:txBody>
+          <a:bodyPr wrap="square" rtlCol="0">
+            <a:spAutoFit/>
+          </a:bodyPr>
+          <a:lstStyle/>
+          <a:p>
+            <a:endParaRPr lang="fr-FR" dirty="0"/>
+          </a:p>
+        </p:txBody>
+      </p:sp>
+      <p:sp>
+        <p:nvSpPr>
+          <p:cNvPr id="6" name="ZoneTexte 5">
+            <a:extLst>
+              <a:ext uri="{FF2B5EF4-FFF2-40B4-BE49-F238E27FC236}">
+                <a16:creationId xmlns:a16="http://schemas.microsoft.com/office/drawing/2014/main" id="{BEEBC09F-6D3E-AA01-5CF3-A6E9BDB319E7}"/>
+              </a:ext>
+            </a:extLst>
+          </p:cNvPr>
+          <p:cNvSpPr txBox="1"/>
+          <p:nvPr/>
+        </p:nvSpPr>
+        <p:spPr>
+          <a:xfrm>
+            <a:off x="796925" y="5097735"/>
+            <a:ext cx="4841875" cy="1477328"/>
+          </a:xfrm>
+          <a:prstGeom prst="rect">
+            <a:avLst/>
+          </a:prstGeom>
+          <a:noFill/>
+          <a:ln>
+            <a:noFill/>
+          </a:ln>
+        </p:spPr>
+        <p:txBody>
+          <a:bodyPr wrap="square" rtlCol="0">
+            <a:spAutoFit/>
+          </a:bodyPr>
+          <a:lstStyle/>
+          <a:p>
+            <a:pPr marL="285750" indent="-285750">
+              <a:buFont typeface="Arial" panose="020B0604020202020204" pitchFamily="34" charset="0"/>
+              <a:buChar char="•"/>
+            </a:pPr>
+            <a:r>
+              <a:rPr lang="fr-FR" dirty="0">
+                <a:solidFill>
+                  <a:srgbClr val="FF0000"/>
+                </a:solidFill>
+              </a:rPr>
+              <a:t>On importe React + React-modal</a:t>
+            </a:r>
+          </a:p>
+          <a:p>
+            <a:pPr marL="285750" indent="-285750">
+              <a:buFont typeface="Arial" panose="020B0604020202020204" pitchFamily="34" charset="0"/>
+              <a:buChar char="•"/>
+            </a:pPr>
+            <a:r>
+              <a:rPr lang="fr-FR" dirty="0">
+                <a:solidFill>
+                  <a:srgbClr val="45915E"/>
+                </a:solidFill>
+              </a:rPr>
+              <a:t>On crée notre fonction et on crée les objets concernant les numéros de pages</a:t>
+            </a:r>
+          </a:p>
+          <a:p>
+            <a:pPr marL="285750" indent="-285750">
+              <a:buFont typeface="Arial" panose="020B0604020202020204" pitchFamily="34" charset="0"/>
+              <a:buChar char="•"/>
+            </a:pPr>
+            <a:endParaRPr lang="fr-FR" dirty="0"/>
+          </a:p>
+          <a:p>
+            <a:endParaRPr lang="fr-FR" dirty="0"/>
+          </a:p>
+        </p:txBody>
+      </p:sp>
+      <p:sp>
+        <p:nvSpPr>
+          <p:cNvPr id="7" name="Rectangle : coins arrondis 6">
+            <a:extLst>
+              <a:ext uri="{FF2B5EF4-FFF2-40B4-BE49-F238E27FC236}">
+                <a16:creationId xmlns:a16="http://schemas.microsoft.com/office/drawing/2014/main" id="{B7EC6404-6103-B192-8965-2C1806B08EDA}"/>
+              </a:ext>
+            </a:extLst>
+          </p:cNvPr>
+          <p:cNvSpPr/>
+          <p:nvPr/>
+        </p:nvSpPr>
+        <p:spPr>
+          <a:xfrm>
+            <a:off x="793750" y="1447200"/>
+            <a:ext cx="3515014" cy="436265"/>
+          </a:xfrm>
+          <a:prstGeom prst="roundRect">
+            <a:avLst/>
+          </a:prstGeom>
+          <a:noFill/>
+          <a:ln>
+            <a:solidFill>
+              <a:srgbClr val="FF0000"/>
+            </a:solidFill>
+          </a:ln>
+        </p:spPr>
+        <p:style>
+          <a:lnRef idx="2">
+            <a:schemeClr val="accent1">
+              <a:shade val="15000"/>
+            </a:schemeClr>
+          </a:lnRef>
+          <a:fillRef idx="1">
+            <a:schemeClr val="accent1"/>
+          </a:fillRef>
+          <a:effectRef idx="0">
+            <a:schemeClr val="accent1"/>
+          </a:effectRef>
+          <a:fontRef idx="minor">
+            <a:schemeClr val="lt1"/>
+          </a:fontRef>
+        </p:style>
+        <p:txBody>
+          <a:bodyPr rtlCol="0" anchor="ctr"/>
+          <a:lstStyle/>
+          <a:p>
+            <a:pPr algn="ctr"/>
+            <a:endParaRPr lang="fr-FR"/>
+          </a:p>
+        </p:txBody>
+      </p:sp>
+      <p:sp>
+        <p:nvSpPr>
+          <p:cNvPr id="8" name="Rectangle : coins arrondis 7">
+            <a:extLst>
+              <a:ext uri="{FF2B5EF4-FFF2-40B4-BE49-F238E27FC236}">
+                <a16:creationId xmlns:a16="http://schemas.microsoft.com/office/drawing/2014/main" id="{7813A858-B303-7C5F-3DAE-895FEFFE1E29}"/>
+              </a:ext>
+            </a:extLst>
+          </p:cNvPr>
+          <p:cNvSpPr/>
+          <p:nvPr/>
+        </p:nvSpPr>
+        <p:spPr>
+          <a:xfrm>
+            <a:off x="724481" y="2808411"/>
+            <a:ext cx="3853870" cy="1586815"/>
+          </a:xfrm>
+          <a:prstGeom prst="roundRect">
+            <a:avLst/>
+          </a:prstGeom>
+          <a:noFill/>
+          <a:ln>
+            <a:solidFill>
+              <a:srgbClr val="00B050"/>
+            </a:solidFill>
+          </a:ln>
+        </p:spPr>
+        <p:style>
+          <a:lnRef idx="2">
+            <a:schemeClr val="accent1">
+              <a:shade val="15000"/>
+            </a:schemeClr>
+          </a:lnRef>
+          <a:fillRef idx="1">
+            <a:schemeClr val="accent1"/>
+          </a:fillRef>
+          <a:effectRef idx="0">
+            <a:schemeClr val="accent1"/>
+          </a:effectRef>
+          <a:fontRef idx="minor">
+            <a:schemeClr val="lt1"/>
+          </a:fontRef>
+        </p:style>
+        <p:txBody>
+          <a:bodyPr rtlCol="0" anchor="ctr"/>
+          <a:lstStyle/>
+          <a:p>
+            <a:pPr algn="ctr"/>
+            <a:endParaRPr lang="fr-FR"/>
+          </a:p>
+        </p:txBody>
+      </p:sp>
+      <p:sp>
+        <p:nvSpPr>
+          <p:cNvPr id="10" name="ZoneTexte 9">
+            <a:extLst>
+              <a:ext uri="{FF2B5EF4-FFF2-40B4-BE49-F238E27FC236}">
+                <a16:creationId xmlns:a16="http://schemas.microsoft.com/office/drawing/2014/main" id="{D93483AD-8759-5C23-85A1-9D7B2CFBCFD1}"/>
+              </a:ext>
+            </a:extLst>
+          </p:cNvPr>
+          <p:cNvSpPr txBox="1"/>
+          <p:nvPr/>
+        </p:nvSpPr>
+        <p:spPr>
+          <a:xfrm>
+            <a:off x="6553203" y="5092580"/>
+            <a:ext cx="5444834" cy="2031325"/>
+          </a:xfrm>
+          <a:prstGeom prst="rect">
+            <a:avLst/>
+          </a:prstGeom>
+          <a:noFill/>
+        </p:spPr>
+        <p:txBody>
+          <a:bodyPr wrap="square" rtlCol="0">
+            <a:spAutoFit/>
+          </a:bodyPr>
+          <a:lstStyle/>
+          <a:p>
+            <a:pPr marL="285750" indent="-285750">
+              <a:buFont typeface="Arial" panose="020B0604020202020204" pitchFamily="34" charset="0"/>
+              <a:buChar char="•"/>
+            </a:pPr>
+            <a:r>
+              <a:rPr lang="fr-FR" dirty="0">
+                <a:solidFill>
+                  <a:srgbClr val="FF0000"/>
+                </a:solidFill>
+              </a:rPr>
+              <a:t>On écrit Document précédés d’un crochet en lui donnant des attributs établis au préalable et on ferme le crochet</a:t>
+            </a:r>
+          </a:p>
+          <a:p>
+            <a:pPr marL="285750" indent="-285750">
+              <a:buFont typeface="Arial" panose="020B0604020202020204" pitchFamily="34" charset="0"/>
+              <a:buChar char="•"/>
+            </a:pPr>
+            <a:r>
+              <a:rPr lang="fr-FR" dirty="0">
+                <a:solidFill>
+                  <a:srgbClr val="45915E"/>
+                </a:solidFill>
+              </a:rPr>
+              <a:t>On un notre élément page entre notre élément document</a:t>
+            </a:r>
+          </a:p>
+          <a:p>
+            <a:pPr marL="285750" indent="-285750">
+              <a:buFont typeface="Arial" panose="020B0604020202020204" pitchFamily="34" charset="0"/>
+              <a:buChar char="•"/>
+            </a:pPr>
+            <a:r>
+              <a:rPr lang="fr-FR" dirty="0">
+                <a:solidFill>
+                  <a:srgbClr val="00B0F0"/>
+                </a:solidFill>
+              </a:rPr>
+              <a:t>On crée des boutons pour changer de page</a:t>
+            </a:r>
+          </a:p>
+          <a:p>
+            <a:pPr marL="285750" indent="-285750">
+              <a:buFont typeface="Arial" panose="020B0604020202020204" pitchFamily="34" charset="0"/>
+              <a:buChar char="•"/>
+            </a:pPr>
+            <a:endParaRPr lang="fr-FR" dirty="0"/>
+          </a:p>
+        </p:txBody>
+      </p:sp>
+      <p:sp>
+        <p:nvSpPr>
+          <p:cNvPr id="11" name="Rectangle : coins arrondis 10">
+            <a:extLst>
+              <a:ext uri="{FF2B5EF4-FFF2-40B4-BE49-F238E27FC236}">
+                <a16:creationId xmlns:a16="http://schemas.microsoft.com/office/drawing/2014/main" id="{B064002A-500B-911E-9647-876FD8F75B35}"/>
+              </a:ext>
+            </a:extLst>
+          </p:cNvPr>
+          <p:cNvSpPr/>
+          <p:nvPr/>
+        </p:nvSpPr>
+        <p:spPr>
+          <a:xfrm>
+            <a:off x="6978650" y="1526722"/>
+            <a:ext cx="3633932" cy="702063"/>
+          </a:xfrm>
+          <a:prstGeom prst="roundRect">
+            <a:avLst/>
+          </a:prstGeom>
+          <a:noFill/>
+          <a:ln>
+            <a:solidFill>
+              <a:srgbClr val="FF0000"/>
+            </a:solidFill>
+          </a:ln>
+        </p:spPr>
+        <p:style>
+          <a:lnRef idx="2">
+            <a:schemeClr val="accent1">
+              <a:shade val="15000"/>
+            </a:schemeClr>
+          </a:lnRef>
+          <a:fillRef idx="1">
+            <a:schemeClr val="accent1"/>
+          </a:fillRef>
+          <a:effectRef idx="0">
+            <a:schemeClr val="accent1"/>
+          </a:effectRef>
+          <a:fontRef idx="minor">
+            <a:schemeClr val="lt1"/>
+          </a:fontRef>
+        </p:style>
+        <p:txBody>
+          <a:bodyPr rtlCol="0" anchor="ctr"/>
+          <a:lstStyle/>
+          <a:p>
+            <a:pPr algn="ctr"/>
+            <a:endParaRPr lang="fr-FR"/>
+          </a:p>
+        </p:txBody>
+      </p:sp>
+      <p:sp>
+        <p:nvSpPr>
+          <p:cNvPr id="12" name="Rectangle : coins arrondis 11">
+            <a:extLst>
+              <a:ext uri="{FF2B5EF4-FFF2-40B4-BE49-F238E27FC236}">
+                <a16:creationId xmlns:a16="http://schemas.microsoft.com/office/drawing/2014/main" id="{D5C61731-C5E0-786A-50C5-EFE9905F616C}"/>
+              </a:ext>
+            </a:extLst>
+          </p:cNvPr>
+          <p:cNvSpPr/>
+          <p:nvPr/>
+        </p:nvSpPr>
+        <p:spPr>
+          <a:xfrm>
+            <a:off x="7091794" y="2228786"/>
+            <a:ext cx="2357006" cy="222427"/>
+          </a:xfrm>
+          <a:prstGeom prst="roundRect">
+            <a:avLst/>
+          </a:prstGeom>
+          <a:noFill/>
+          <a:ln>
+            <a:solidFill>
+              <a:srgbClr val="00B050"/>
+            </a:solidFill>
+          </a:ln>
+        </p:spPr>
+        <p:style>
+          <a:lnRef idx="2">
+            <a:schemeClr val="accent1">
+              <a:shade val="15000"/>
+            </a:schemeClr>
+          </a:lnRef>
+          <a:fillRef idx="1">
+            <a:schemeClr val="accent1"/>
+          </a:fillRef>
+          <a:effectRef idx="0">
+            <a:schemeClr val="accent1"/>
+          </a:effectRef>
+          <a:fontRef idx="minor">
+            <a:schemeClr val="lt1"/>
+          </a:fontRef>
+        </p:style>
+        <p:txBody>
+          <a:bodyPr rtlCol="0" anchor="ctr"/>
+          <a:lstStyle/>
+          <a:p>
+            <a:pPr algn="ctr"/>
+            <a:endParaRPr lang="fr-FR">
+              <a:solidFill>
+                <a:srgbClr val="5B9BD5"/>
+              </a:solidFill>
+            </a:endParaRPr>
+          </a:p>
+        </p:txBody>
+      </p:sp>
+      <p:sp>
+        <p:nvSpPr>
+          <p:cNvPr id="13" name="Rectangle : coins arrondis 12">
+            <a:extLst>
+              <a:ext uri="{FF2B5EF4-FFF2-40B4-BE49-F238E27FC236}">
+                <a16:creationId xmlns:a16="http://schemas.microsoft.com/office/drawing/2014/main" id="{AE8A3F60-FFF9-554F-717A-964370D2DA5B}"/>
+              </a:ext>
+            </a:extLst>
+          </p:cNvPr>
+          <p:cNvSpPr/>
+          <p:nvPr/>
+        </p:nvSpPr>
+        <p:spPr>
+          <a:xfrm>
+            <a:off x="7091794" y="3632913"/>
+            <a:ext cx="4661415" cy="222426"/>
+          </a:xfrm>
+          <a:prstGeom prst="roundRect">
+            <a:avLst/>
+          </a:prstGeom>
+          <a:noFill/>
+          <a:ln>
+            <a:solidFill>
+              <a:srgbClr val="00B0F0"/>
+            </a:solidFill>
+          </a:ln>
+        </p:spPr>
+        <p:style>
+          <a:lnRef idx="2">
+            <a:schemeClr val="accent1">
+              <a:shade val="15000"/>
+            </a:schemeClr>
+          </a:lnRef>
+          <a:fillRef idx="1">
+            <a:schemeClr val="accent1"/>
+          </a:fillRef>
+          <a:effectRef idx="0">
+            <a:schemeClr val="accent1"/>
+          </a:effectRef>
+          <a:fontRef idx="minor">
+            <a:schemeClr val="lt1"/>
+          </a:fontRef>
+        </p:style>
+        <p:txBody>
+          <a:bodyPr rtlCol="0" anchor="ctr"/>
+          <a:lstStyle/>
+          <a:p>
+            <a:pPr algn="ctr"/>
+            <a:endParaRPr lang="fr-FR"/>
+          </a:p>
+        </p:txBody>
+      </p:sp>
+      <p:sp>
+        <p:nvSpPr>
+          <p:cNvPr id="14" name="ZoneTexte 13">
+            <a:extLst>
+              <a:ext uri="{FF2B5EF4-FFF2-40B4-BE49-F238E27FC236}">
+                <a16:creationId xmlns:a16="http://schemas.microsoft.com/office/drawing/2014/main" id="{57335D1F-5DB2-5811-AB77-0BFA0D91EAFD}"/>
+              </a:ext>
+            </a:extLst>
+          </p:cNvPr>
+          <p:cNvSpPr txBox="1"/>
+          <p:nvPr/>
+        </p:nvSpPr>
+        <p:spPr>
+          <a:xfrm>
+            <a:off x="4578350" y="-56642"/>
+            <a:ext cx="3530600" cy="830997"/>
+          </a:xfrm>
+          <a:prstGeom prst="rect">
+            <a:avLst/>
+          </a:prstGeom>
+          <a:noFill/>
+        </p:spPr>
+        <p:txBody>
+          <a:bodyPr wrap="square" rtlCol="0">
+            <a:spAutoFit/>
+          </a:bodyPr>
+          <a:lstStyle/>
+          <a:p>
+            <a:r>
+              <a:rPr lang="fr-FR" sz="4800" dirty="0">
+                <a:solidFill>
+                  <a:srgbClr val="5B9BD5"/>
+                </a:solidFill>
+              </a:rPr>
+              <a:t>React PDF</a:t>
+            </a:r>
+          </a:p>
+        </p:txBody>
+      </p:sp>
+    </p:spTree>
+    <p:extLst>
+      <p:ext uri="{BB962C8B-B14F-4D97-AF65-F5344CB8AC3E}">
+        <p14:creationId xmlns:p14="http://schemas.microsoft.com/office/powerpoint/2010/main" val="530072785"/>
+      </p:ext>
+    </p:extLst>
+  </p:cSld>
+  <p:clrMapOvr>
+    <a:masterClrMapping/>
+  </p:clrMapOvr>
+</p:sld>
+</file>
+
+<file path=ppt/slides/slide8.xml><?xml version="1.0" encoding="utf-8"?>
+<p:sld xmlns:a="http://schemas.openxmlformats.org/drawingml/2006/main" xmlns:r="http://schemas.openxmlformats.org/officeDocument/2006/relationships" xmlns:p="http://schemas.openxmlformats.org/presentationml/2006/main">
+  <p:cSld>
+    <p:bg>
+      <p:bgPr>
+        <a:solidFill>
+          <a:srgbClr val="FFF4E8"/>
+        </a:solidFill>
+        <a:effectLst/>
+      </p:bgPr>
+    </p:bg>
+    <p:spTree>
+      <p:nvGrpSpPr>
+        <p:cNvPr id="1" name=""/>
+        <p:cNvGrpSpPr/>
+        <p:nvPr/>
+      </p:nvGrpSpPr>
+      <p:grpSpPr>
+        <a:xfrm>
+          <a:off x="0" y="0"/>
+          <a:ext cx="0" cy="0"/>
+          <a:chOff x="0" y="0"/>
+          <a:chExt cx="0" cy="0"/>
+        </a:xfrm>
+      </p:grpSpPr>
+      <p:sp>
+        <p:nvSpPr>
+          <p:cNvPr id="2" name="ZoneTexte 1">
+            <a:extLst>
+              <a:ext uri="{FF2B5EF4-FFF2-40B4-BE49-F238E27FC236}">
+                <a16:creationId xmlns:a16="http://schemas.microsoft.com/office/drawing/2014/main" id="{24C4AF70-CE7B-47F9-BE33-50DA43854A5A}"/>
+              </a:ext>
+            </a:extLst>
+          </p:cNvPr>
+          <p:cNvSpPr txBox="1"/>
+          <p:nvPr/>
+        </p:nvSpPr>
+        <p:spPr>
+          <a:xfrm>
+            <a:off x="796924" y="589689"/>
+            <a:ext cx="4634057" cy="369332"/>
+          </a:xfrm>
+          <a:prstGeom prst="rect">
+            <a:avLst/>
+          </a:prstGeom>
+          <a:noFill/>
+        </p:spPr>
+        <p:txBody>
+          <a:bodyPr wrap="square" rtlCol="0">
+            <a:spAutoFit/>
+          </a:bodyPr>
+          <a:lstStyle/>
+          <a:p>
+            <a:r>
+              <a:rPr lang="fr-FR" u="sng" dirty="0">
+                <a:solidFill>
+                  <a:srgbClr val="5B9BD5"/>
+                </a:solidFill>
+              </a:rPr>
+              <a:t>Exemples dans le cas d’une génération de PDF</a:t>
+            </a:r>
+          </a:p>
+        </p:txBody>
+      </p:sp>
+      <p:sp>
+        <p:nvSpPr>
+          <p:cNvPr id="3" name="ZoneTexte 2">
+            <a:extLst>
+              <a:ext uri="{FF2B5EF4-FFF2-40B4-BE49-F238E27FC236}">
+                <a16:creationId xmlns:a16="http://schemas.microsoft.com/office/drawing/2014/main" id="{97DEE98E-BB25-C642-1AFC-EA2F9E5B1EC1}"/>
+              </a:ext>
+            </a:extLst>
+          </p:cNvPr>
+          <p:cNvSpPr txBox="1"/>
+          <p:nvPr/>
+        </p:nvSpPr>
+        <p:spPr>
+          <a:xfrm>
+            <a:off x="4578350" y="-56642"/>
+            <a:ext cx="3530600" cy="830997"/>
+          </a:xfrm>
+          <a:prstGeom prst="rect">
+            <a:avLst/>
+          </a:prstGeom>
+          <a:noFill/>
+        </p:spPr>
+        <p:txBody>
+          <a:bodyPr wrap="square" rtlCol="0">
+            <a:spAutoFit/>
+          </a:bodyPr>
+          <a:lstStyle/>
+          <a:p>
+            <a:r>
+              <a:rPr lang="fr-FR" sz="4800" dirty="0">
+                <a:solidFill>
+                  <a:srgbClr val="5B9BD5"/>
+                </a:solidFill>
+              </a:rPr>
+              <a:t>React PDF</a:t>
+            </a:r>
+          </a:p>
+        </p:txBody>
+      </p:sp>
+      <p:sp>
+        <p:nvSpPr>
+          <p:cNvPr id="6" name="ZoneTexte 5">
+            <a:extLst>
+              <a:ext uri="{FF2B5EF4-FFF2-40B4-BE49-F238E27FC236}">
+                <a16:creationId xmlns:a16="http://schemas.microsoft.com/office/drawing/2014/main" id="{48EC3D5B-9CB1-5041-61F2-EBE070626C43}"/>
+              </a:ext>
+            </a:extLst>
+          </p:cNvPr>
+          <p:cNvSpPr txBox="1"/>
+          <p:nvPr/>
+        </p:nvSpPr>
+        <p:spPr>
+          <a:xfrm>
+            <a:off x="7356764" y="1115286"/>
+            <a:ext cx="4308763" cy="5355312"/>
+          </a:xfrm>
+          <a:prstGeom prst="rect">
+            <a:avLst/>
+          </a:prstGeom>
+          <a:noFill/>
+        </p:spPr>
+        <p:txBody>
+          <a:bodyPr wrap="square" rtlCol="0">
+            <a:spAutoFit/>
+          </a:bodyPr>
+          <a:lstStyle/>
+          <a:p>
+            <a:r>
+              <a:rPr lang="fr-FR" dirty="0"/>
+              <a:t>Pour créer un PDF depuis notre site web, il faudra d’abord créez un formulaire, dans lequel les données seront déjà inscris, dans cette exemple nous avons : </a:t>
+            </a:r>
+          </a:p>
+          <a:p>
+            <a:endParaRPr lang="fr-FR" dirty="0"/>
+          </a:p>
+          <a:p>
+            <a:r>
+              <a:rPr lang="fr-FR" dirty="0" err="1">
+                <a:solidFill>
+                  <a:srgbClr val="FF0000"/>
+                </a:solidFill>
+              </a:rPr>
+              <a:t>menuData</a:t>
+            </a:r>
+            <a:r>
+              <a:rPr lang="fr-FR" dirty="0">
+                <a:solidFill>
+                  <a:srgbClr val="FF0000"/>
+                </a:solidFill>
+              </a:rPr>
+              <a:t> qui contient tout les éléments que l’utilisateur a remplis concernant les plats de son menu, ses éléments vont se générer sur mon PDF de sorte a respecter le style souhaité</a:t>
+            </a:r>
+          </a:p>
+          <a:p>
+            <a:endParaRPr lang="fr-FR" dirty="0">
+              <a:solidFill>
+                <a:srgbClr val="FF0000"/>
+              </a:solidFill>
+            </a:endParaRPr>
+          </a:p>
+          <a:p>
+            <a:r>
+              <a:rPr lang="fr-FR" dirty="0" err="1">
+                <a:solidFill>
+                  <a:srgbClr val="45915E"/>
+                </a:solidFill>
+              </a:rPr>
+              <a:t>elementsToIncludeInPdf</a:t>
+            </a:r>
+            <a:r>
+              <a:rPr lang="fr-FR" dirty="0">
+                <a:solidFill>
+                  <a:srgbClr val="45915E"/>
+                </a:solidFill>
+              </a:rPr>
+              <a:t> sera notre génération de PDF, nous pourrons remplacer Menu du Restaurant par un objet prenant automatiquement le nom du Restaurant</a:t>
+            </a:r>
+          </a:p>
+          <a:p>
+            <a:endParaRPr lang="fr-FR" dirty="0">
+              <a:solidFill>
+                <a:srgbClr val="45915E"/>
+              </a:solidFill>
+            </a:endParaRPr>
+          </a:p>
+          <a:p>
+            <a:r>
+              <a:rPr lang="fr-FR" dirty="0">
+                <a:solidFill>
+                  <a:srgbClr val="00B0F0"/>
+                </a:solidFill>
+              </a:rPr>
+              <a:t>Enfin on </a:t>
+            </a:r>
+            <a:r>
+              <a:rPr lang="fr-FR" dirty="0" err="1">
+                <a:solidFill>
+                  <a:srgbClr val="00B0F0"/>
+                </a:solidFill>
+              </a:rPr>
+              <a:t>génére</a:t>
+            </a:r>
+            <a:r>
+              <a:rPr lang="fr-FR" dirty="0">
+                <a:solidFill>
+                  <a:srgbClr val="00B0F0"/>
+                </a:solidFill>
+              </a:rPr>
+              <a:t> un lien pour télécharger notre PDF depuis le site</a:t>
+            </a:r>
+          </a:p>
+        </p:txBody>
+      </p:sp>
+      <p:pic>
+        <p:nvPicPr>
+          <p:cNvPr id="8" name="Image 7">
+            <a:extLst>
+              <a:ext uri="{FF2B5EF4-FFF2-40B4-BE49-F238E27FC236}">
+                <a16:creationId xmlns:a16="http://schemas.microsoft.com/office/drawing/2014/main" id="{9B0C8ABB-6641-5188-25A3-225CE0256342}"/>
+              </a:ext>
+            </a:extLst>
+          </p:cNvPr>
+          <p:cNvPicPr>
+            <a:picLocks noChangeAspect="1"/>
+          </p:cNvPicPr>
+          <p:nvPr/>
+        </p:nvPicPr>
+        <p:blipFill>
+          <a:blip r:embed="rId2">
+            <a:extLst>
+              <a:ext uri="{28A0092B-C50C-407E-A947-70E740481C1C}">
+                <a14:useLocalDpi xmlns:a14="http://schemas.microsoft.com/office/drawing/2010/main" val="0"/>
+              </a:ext>
+            </a:extLst>
+          </a:blip>
+          <a:stretch>
+            <a:fillRect/>
+          </a:stretch>
+        </p:blipFill>
+        <p:spPr>
+          <a:xfrm>
+            <a:off x="526473" y="1115286"/>
+            <a:ext cx="6257925" cy="5153025"/>
+          </a:xfrm>
+          <a:prstGeom prst="rect">
+            <a:avLst/>
+          </a:prstGeom>
+        </p:spPr>
+      </p:pic>
+      <p:sp>
+        <p:nvSpPr>
+          <p:cNvPr id="9" name="Rectangle : coins arrondis 8">
+            <a:extLst>
+              <a:ext uri="{FF2B5EF4-FFF2-40B4-BE49-F238E27FC236}">
+                <a16:creationId xmlns:a16="http://schemas.microsoft.com/office/drawing/2014/main" id="{693DFC51-4A11-00A6-4023-B03EF0E44C33}"/>
+              </a:ext>
+            </a:extLst>
+          </p:cNvPr>
+          <p:cNvSpPr/>
+          <p:nvPr/>
+        </p:nvSpPr>
+        <p:spPr>
+          <a:xfrm>
+            <a:off x="526473" y="1115286"/>
+            <a:ext cx="4308762" cy="1641769"/>
+          </a:xfrm>
+          <a:prstGeom prst="roundRect">
+            <a:avLst/>
+          </a:prstGeom>
+          <a:noFill/>
+          <a:ln>
+            <a:solidFill>
+              <a:srgbClr val="FF0000"/>
+            </a:solidFill>
+          </a:ln>
+        </p:spPr>
+        <p:style>
+          <a:lnRef idx="2">
+            <a:schemeClr val="accent1">
+              <a:shade val="15000"/>
+            </a:schemeClr>
+          </a:lnRef>
+          <a:fillRef idx="1">
+            <a:schemeClr val="accent1"/>
+          </a:fillRef>
+          <a:effectRef idx="0">
+            <a:schemeClr val="accent1"/>
+          </a:effectRef>
+          <a:fontRef idx="minor">
+            <a:schemeClr val="lt1"/>
+          </a:fontRef>
+        </p:style>
+        <p:txBody>
+          <a:bodyPr rtlCol="0" anchor="ctr"/>
+          <a:lstStyle/>
+          <a:p>
+            <a:pPr algn="ctr"/>
+            <a:endParaRPr lang="fr-FR"/>
+          </a:p>
+        </p:txBody>
+      </p:sp>
+      <p:sp>
+        <p:nvSpPr>
+          <p:cNvPr id="10" name="Rectangle : coins arrondis 9">
+            <a:extLst>
+              <a:ext uri="{FF2B5EF4-FFF2-40B4-BE49-F238E27FC236}">
+                <a16:creationId xmlns:a16="http://schemas.microsoft.com/office/drawing/2014/main" id="{3CB3AD2F-A2DC-4121-51D7-966A4123A91A}"/>
+              </a:ext>
+            </a:extLst>
+          </p:cNvPr>
+          <p:cNvSpPr/>
+          <p:nvPr/>
+        </p:nvSpPr>
+        <p:spPr>
+          <a:xfrm>
+            <a:off x="786821" y="2841536"/>
+            <a:ext cx="2593687" cy="1278405"/>
+          </a:xfrm>
+          <a:prstGeom prst="roundRect">
+            <a:avLst/>
+          </a:prstGeom>
+          <a:noFill/>
+          <a:ln>
+            <a:solidFill>
+              <a:srgbClr val="00B050"/>
+            </a:solidFill>
+          </a:ln>
+        </p:spPr>
+        <p:style>
+          <a:lnRef idx="2">
+            <a:schemeClr val="accent1">
+              <a:shade val="15000"/>
+            </a:schemeClr>
+          </a:lnRef>
+          <a:fillRef idx="1">
+            <a:schemeClr val="accent1"/>
+          </a:fillRef>
+          <a:effectRef idx="0">
+            <a:schemeClr val="accent1"/>
+          </a:effectRef>
+          <a:fontRef idx="minor">
+            <a:schemeClr val="lt1"/>
+          </a:fontRef>
+        </p:style>
+        <p:txBody>
+          <a:bodyPr rtlCol="0" anchor="ctr"/>
+          <a:lstStyle/>
+          <a:p>
+            <a:pPr algn="ctr"/>
+            <a:endParaRPr lang="fr-FR"/>
+          </a:p>
+        </p:txBody>
+      </p:sp>
+      <p:sp>
+        <p:nvSpPr>
+          <p:cNvPr id="12" name="Rectangle : coins arrondis 11">
+            <a:extLst>
+              <a:ext uri="{FF2B5EF4-FFF2-40B4-BE49-F238E27FC236}">
+                <a16:creationId xmlns:a16="http://schemas.microsoft.com/office/drawing/2014/main" id="{3535D413-0E99-AB00-A6BB-17D5D6D08085}"/>
+              </a:ext>
+            </a:extLst>
+          </p:cNvPr>
+          <p:cNvSpPr/>
+          <p:nvPr/>
+        </p:nvSpPr>
+        <p:spPr>
+          <a:xfrm>
+            <a:off x="603106" y="4204422"/>
+            <a:ext cx="6181292" cy="2063889"/>
+          </a:xfrm>
+          <a:prstGeom prst="roundRect">
+            <a:avLst/>
+          </a:prstGeom>
+          <a:noFill/>
+          <a:ln>
+            <a:solidFill>
+              <a:srgbClr val="00B0F0"/>
+            </a:solidFill>
+          </a:ln>
+        </p:spPr>
+        <p:style>
+          <a:lnRef idx="2">
+            <a:schemeClr val="accent1">
+              <a:shade val="15000"/>
+            </a:schemeClr>
+          </a:lnRef>
+          <a:fillRef idx="1">
+            <a:schemeClr val="accent1"/>
+          </a:fillRef>
+          <a:effectRef idx="0">
+            <a:schemeClr val="accent1"/>
+          </a:effectRef>
+          <a:fontRef idx="minor">
+            <a:schemeClr val="lt1"/>
+          </a:fontRef>
+        </p:style>
+        <p:txBody>
+          <a:bodyPr rtlCol="0" anchor="ctr"/>
+          <a:lstStyle/>
+          <a:p>
+            <a:pPr algn="ctr"/>
+            <a:endParaRPr lang="fr-FR"/>
+          </a:p>
+        </p:txBody>
+      </p:sp>
+    </p:spTree>
+    <p:extLst>
+      <p:ext uri="{BB962C8B-B14F-4D97-AF65-F5344CB8AC3E}">
+        <p14:creationId xmlns:p14="http://schemas.microsoft.com/office/powerpoint/2010/main" val="692169459"/>
+      </p:ext>
+    </p:extLst>
+  </p:cSld>
+  <p:clrMapOvr>
+    <a:masterClrMapping/>
+  </p:clrMapOvr>
+</p:sld>
+</file>
+
+<file path=ppt/slides/slide9.xml><?xml version="1.0" encoding="utf-8"?>
+<p:sld xmlns:a="http://schemas.openxmlformats.org/drawingml/2006/main" xmlns:r="http://schemas.openxmlformats.org/officeDocument/2006/relationships" xmlns:p="http://schemas.openxmlformats.org/presentationml/2006/main">
+  <p:cSld>
+    <p:bg>
+      <p:bgPr>
+        <a:solidFill>
+          <a:srgbClr val="FFF4E8"/>
+        </a:solidFill>
+        <a:effectLst/>
+      </p:bgPr>
+    </p:bg>
+    <p:spTree>
+      <p:nvGrpSpPr>
+        <p:cNvPr id="1" name=""/>
+        <p:cNvGrpSpPr/>
+        <p:nvPr/>
+      </p:nvGrpSpPr>
+      <p:grpSpPr>
+        <a:xfrm>
+          <a:off x="0" y="0"/>
+          <a:ext cx="0" cy="0"/>
+          <a:chOff x="0" y="0"/>
+          <a:chExt cx="0" cy="0"/>
+        </a:xfrm>
+      </p:grpSpPr>
+      <p:sp>
+        <p:nvSpPr>
+          <p:cNvPr id="2" name="ZoneTexte 1">
+            <a:extLst>
+              <a:ext uri="{FF2B5EF4-FFF2-40B4-BE49-F238E27FC236}">
+                <a16:creationId xmlns:a16="http://schemas.microsoft.com/office/drawing/2014/main" id="{BF36C5A5-FC0C-620E-DA66-990586423280}"/>
+              </a:ext>
+            </a:extLst>
+          </p:cNvPr>
+          <p:cNvSpPr txBox="1"/>
+          <p:nvPr/>
+        </p:nvSpPr>
+        <p:spPr>
+          <a:xfrm>
+            <a:off x="4578350" y="-56642"/>
+            <a:ext cx="3530600" cy="830997"/>
+          </a:xfrm>
+          <a:prstGeom prst="rect">
+            <a:avLst/>
+          </a:prstGeom>
+          <a:noFill/>
+        </p:spPr>
+        <p:txBody>
+          <a:bodyPr wrap="square" rtlCol="0">
+            <a:spAutoFit/>
+          </a:bodyPr>
+          <a:lstStyle/>
+          <a:p>
+            <a:r>
+              <a:rPr lang="fr-FR" sz="4800" dirty="0">
+                <a:solidFill>
+                  <a:srgbClr val="5B9BD5"/>
+                </a:solidFill>
+              </a:rPr>
+              <a:t>React PDF</a:t>
+            </a:r>
+          </a:p>
+        </p:txBody>
+      </p:sp>
+      <p:sp>
+        <p:nvSpPr>
+          <p:cNvPr id="3" name="ZoneTexte 2">
+            <a:extLst>
+              <a:ext uri="{FF2B5EF4-FFF2-40B4-BE49-F238E27FC236}">
+                <a16:creationId xmlns:a16="http://schemas.microsoft.com/office/drawing/2014/main" id="{549534AF-9422-50DD-0F63-DA62D30F2FD9}"/>
+              </a:ext>
+            </a:extLst>
+          </p:cNvPr>
+          <p:cNvSpPr txBox="1"/>
+          <p:nvPr/>
+        </p:nvSpPr>
+        <p:spPr>
+          <a:xfrm>
+            <a:off x="7942262" y="1475199"/>
+            <a:ext cx="3103418" cy="369332"/>
+          </a:xfrm>
+          <a:prstGeom prst="rect">
+            <a:avLst/>
+          </a:prstGeom>
+          <a:noFill/>
+        </p:spPr>
+        <p:txBody>
+          <a:bodyPr wrap="square" rtlCol="0">
+            <a:spAutoFit/>
+          </a:bodyPr>
+          <a:lstStyle/>
+          <a:p>
+            <a:r>
+              <a:rPr lang="fr-FR" u="sng" dirty="0">
+                <a:solidFill>
+                  <a:srgbClr val="5B9BD5"/>
+                </a:solidFill>
+              </a:rPr>
+              <a:t>En résumé</a:t>
+            </a:r>
+          </a:p>
+        </p:txBody>
+      </p:sp>
+      <p:sp>
+        <p:nvSpPr>
+          <p:cNvPr id="6" name="ZoneTexte 5">
+            <a:extLst>
+              <a:ext uri="{FF2B5EF4-FFF2-40B4-BE49-F238E27FC236}">
+                <a16:creationId xmlns:a16="http://schemas.microsoft.com/office/drawing/2014/main" id="{F806DE0C-F71D-4800-8323-FF83BF9DD773}"/>
+              </a:ext>
+            </a:extLst>
+          </p:cNvPr>
+          <p:cNvSpPr txBox="1"/>
+          <p:nvPr/>
+        </p:nvSpPr>
+        <p:spPr>
+          <a:xfrm>
+            <a:off x="7942262" y="2385101"/>
+            <a:ext cx="3158836" cy="1477328"/>
+          </a:xfrm>
+          <a:prstGeom prst="rect">
+            <a:avLst/>
+          </a:prstGeom>
+          <a:noFill/>
+        </p:spPr>
+        <p:txBody>
+          <a:bodyPr wrap="square" rtlCol="0">
+            <a:spAutoFit/>
+          </a:bodyPr>
+          <a:lstStyle/>
+          <a:p>
+            <a:r>
+              <a:rPr lang="fr-FR" dirty="0">
+                <a:solidFill>
+                  <a:srgbClr val="5B9BD5"/>
+                </a:solidFill>
+              </a:rPr>
+              <a:t>React-PDF sera essentiel pour convertir la création de notre menu en PDF, toute les fonctionnalités correspondent totalement a notre besoin</a:t>
+            </a:r>
+          </a:p>
+        </p:txBody>
+      </p:sp>
+      <p:pic>
+        <p:nvPicPr>
+          <p:cNvPr id="8" name="Image 7">
+            <a:extLst>
+              <a:ext uri="{FF2B5EF4-FFF2-40B4-BE49-F238E27FC236}">
+                <a16:creationId xmlns:a16="http://schemas.microsoft.com/office/drawing/2014/main" id="{AF102886-7992-1BCF-0398-10CADC9FFB63}"/>
+              </a:ext>
+            </a:extLst>
+          </p:cNvPr>
+          <p:cNvPicPr>
+            <a:picLocks noChangeAspect="1"/>
+          </p:cNvPicPr>
+          <p:nvPr/>
+        </p:nvPicPr>
+        <p:blipFill>
+          <a:blip r:embed="rId2">
+            <a:extLst>
+              <a:ext uri="{28A0092B-C50C-407E-A947-70E740481C1C}">
+                <a14:useLocalDpi xmlns:a14="http://schemas.microsoft.com/office/drawing/2010/main" val="0"/>
+              </a:ext>
+            </a:extLst>
+          </a:blip>
+          <a:stretch>
+            <a:fillRect/>
+          </a:stretch>
+        </p:blipFill>
+        <p:spPr>
+          <a:xfrm>
+            <a:off x="1205345" y="1188501"/>
+            <a:ext cx="5902074" cy="5347855"/>
+          </a:xfrm>
+          <a:prstGeom prst="rect">
+            <a:avLst/>
+          </a:prstGeom>
+        </p:spPr>
+      </p:pic>
+      <p:sp>
+        <p:nvSpPr>
+          <p:cNvPr id="9" name="ZoneTexte 8">
+            <a:extLst>
+              <a:ext uri="{FF2B5EF4-FFF2-40B4-BE49-F238E27FC236}">
+                <a16:creationId xmlns:a16="http://schemas.microsoft.com/office/drawing/2014/main" id="{FFD457DB-6C4E-C818-E7CB-25C8974B8459}"/>
+              </a:ext>
+            </a:extLst>
+          </p:cNvPr>
+          <p:cNvSpPr txBox="1"/>
+          <p:nvPr/>
+        </p:nvSpPr>
+        <p:spPr>
+          <a:xfrm>
+            <a:off x="7942262" y="4521930"/>
+            <a:ext cx="3103418" cy="369332"/>
+          </a:xfrm>
+          <a:prstGeom prst="rect">
+            <a:avLst/>
+          </a:prstGeom>
+          <a:noFill/>
+        </p:spPr>
+        <p:txBody>
+          <a:bodyPr wrap="square" rtlCol="0">
+            <a:spAutoFit/>
+          </a:bodyPr>
+          <a:lstStyle/>
+          <a:p>
+            <a:r>
+              <a:rPr lang="fr-FR" u="sng" dirty="0">
+                <a:solidFill>
+                  <a:srgbClr val="5B9BD5"/>
+                </a:solidFill>
+              </a:rPr>
+              <a:t>Documentation : </a:t>
+            </a:r>
+          </a:p>
+        </p:txBody>
+      </p:sp>
+      <p:sp>
+        <p:nvSpPr>
+          <p:cNvPr id="10" name="ZoneTexte 9">
+            <a:extLst>
+              <a:ext uri="{FF2B5EF4-FFF2-40B4-BE49-F238E27FC236}">
+                <a16:creationId xmlns:a16="http://schemas.microsoft.com/office/drawing/2014/main" id="{D48A1561-E997-FDE5-C984-4251534C42BA}"/>
+              </a:ext>
+            </a:extLst>
+          </p:cNvPr>
+          <p:cNvSpPr txBox="1"/>
+          <p:nvPr/>
+        </p:nvSpPr>
+        <p:spPr>
+          <a:xfrm>
+            <a:off x="7942262" y="5103843"/>
+            <a:ext cx="2218300" cy="369332"/>
+          </a:xfrm>
+          <a:prstGeom prst="rect">
+            <a:avLst/>
+          </a:prstGeom>
+          <a:noFill/>
+        </p:spPr>
+        <p:txBody>
+          <a:bodyPr wrap="none" rtlCol="0">
+            <a:spAutoFit/>
+          </a:bodyPr>
+          <a:lstStyle/>
+          <a:p>
+            <a:r>
+              <a:rPr lang="fr-FR" dirty="0">
+                <a:solidFill>
+                  <a:srgbClr val="5B9BD5"/>
+                </a:solidFill>
+              </a:rPr>
+              <a:t>https://react-pdf.org/</a:t>
+            </a:r>
+          </a:p>
+        </p:txBody>
+      </p:sp>
+    </p:spTree>
+    <p:extLst>
+      <p:ext uri="{BB962C8B-B14F-4D97-AF65-F5344CB8AC3E}">
+        <p14:creationId xmlns:p14="http://schemas.microsoft.com/office/powerpoint/2010/main" val="3382573407"/>
       </p:ext>
     </p:extLst>
   </p:cSld>
